--- a/Documentation/SchémaModificationMilieudeStage.pptx
+++ b/Documentation/SchémaModificationMilieudeStage.pptx
@@ -5,15 +5,17 @@
     <p:sldMasterId id="2147483648" r:id="rId1"/>
   </p:sldMasterIdLst>
   <p:notesMasterIdLst>
-    <p:notesMasterId r:id="rId8"/>
+    <p:notesMasterId r:id="rId10"/>
   </p:notesMasterIdLst>
   <p:sldIdLst>
     <p:sldId id="260" r:id="rId2"/>
     <p:sldId id="256" r:id="rId3"/>
     <p:sldId id="264" r:id="rId4"/>
-    <p:sldId id="261" r:id="rId5"/>
-    <p:sldId id="262" r:id="rId6"/>
-    <p:sldId id="265" r:id="rId7"/>
+    <p:sldId id="268" r:id="rId5"/>
+    <p:sldId id="261" r:id="rId6"/>
+    <p:sldId id="262" r:id="rId7"/>
+    <p:sldId id="265" r:id="rId8"/>
+    <p:sldId id="267" r:id="rId9"/>
   </p:sldIdLst>
   <p:sldSz cx="12192000" cy="6858000"/>
   <p:notesSz cx="6858000" cy="9144000"/>
@@ -202,7 +204,7 @@
           <a:p>
             <a:fld id="{DDBC4D3D-7E0D-4ED3-B610-3E5FDACC8A4D}" type="datetimeFigureOut">
               <a:rPr lang="fr-CA" smtClean="0"/>
-              <a:t>2020-03-10</a:t>
+              <a:t>2020-03-11</a:t>
             </a:fld>
             <a:endParaRPr lang="fr-CA"/>
           </a:p>
@@ -601,7 +603,7 @@
           <a:p>
             <a:fld id="{952D37C9-57C9-4E74-9BE9-5A5CF4DA06F6}" type="datetimeFigureOut">
               <a:rPr lang="fr-CA" smtClean="0"/>
-              <a:t>2020-03-10</a:t>
+              <a:t>2020-03-11</a:t>
             </a:fld>
             <a:endParaRPr lang="fr-CA"/>
           </a:p>
@@ -771,7 +773,7 @@
           <a:p>
             <a:fld id="{952D37C9-57C9-4E74-9BE9-5A5CF4DA06F6}" type="datetimeFigureOut">
               <a:rPr lang="fr-CA" smtClean="0"/>
-              <a:t>2020-03-10</a:t>
+              <a:t>2020-03-11</a:t>
             </a:fld>
             <a:endParaRPr lang="fr-CA"/>
           </a:p>
@@ -951,7 +953,7 @@
           <a:p>
             <a:fld id="{952D37C9-57C9-4E74-9BE9-5A5CF4DA06F6}" type="datetimeFigureOut">
               <a:rPr lang="fr-CA" smtClean="0"/>
-              <a:t>2020-03-10</a:t>
+              <a:t>2020-03-11</a:t>
             </a:fld>
             <a:endParaRPr lang="fr-CA"/>
           </a:p>
@@ -1121,7 +1123,7 @@
           <a:p>
             <a:fld id="{952D37C9-57C9-4E74-9BE9-5A5CF4DA06F6}" type="datetimeFigureOut">
               <a:rPr lang="fr-CA" smtClean="0"/>
-              <a:t>2020-03-10</a:t>
+              <a:t>2020-03-11</a:t>
             </a:fld>
             <a:endParaRPr lang="fr-CA"/>
           </a:p>
@@ -1367,7 +1369,7 @@
           <a:p>
             <a:fld id="{952D37C9-57C9-4E74-9BE9-5A5CF4DA06F6}" type="datetimeFigureOut">
               <a:rPr lang="fr-CA" smtClean="0"/>
-              <a:t>2020-03-10</a:t>
+              <a:t>2020-03-11</a:t>
             </a:fld>
             <a:endParaRPr lang="fr-CA"/>
           </a:p>
@@ -1599,7 +1601,7 @@
           <a:p>
             <a:fld id="{952D37C9-57C9-4E74-9BE9-5A5CF4DA06F6}" type="datetimeFigureOut">
               <a:rPr lang="fr-CA" smtClean="0"/>
-              <a:t>2020-03-10</a:t>
+              <a:t>2020-03-11</a:t>
             </a:fld>
             <a:endParaRPr lang="fr-CA"/>
           </a:p>
@@ -1966,7 +1968,7 @@
           <a:p>
             <a:fld id="{952D37C9-57C9-4E74-9BE9-5A5CF4DA06F6}" type="datetimeFigureOut">
               <a:rPr lang="fr-CA" smtClean="0"/>
-              <a:t>2020-03-10</a:t>
+              <a:t>2020-03-11</a:t>
             </a:fld>
             <a:endParaRPr lang="fr-CA"/>
           </a:p>
@@ -2084,7 +2086,7 @@
           <a:p>
             <a:fld id="{952D37C9-57C9-4E74-9BE9-5A5CF4DA06F6}" type="datetimeFigureOut">
               <a:rPr lang="fr-CA" smtClean="0"/>
-              <a:t>2020-03-10</a:t>
+              <a:t>2020-03-11</a:t>
             </a:fld>
             <a:endParaRPr lang="fr-CA"/>
           </a:p>
@@ -2179,7 +2181,7 @@
           <a:p>
             <a:fld id="{952D37C9-57C9-4E74-9BE9-5A5CF4DA06F6}" type="datetimeFigureOut">
               <a:rPr lang="fr-CA" smtClean="0"/>
-              <a:t>2020-03-10</a:t>
+              <a:t>2020-03-11</a:t>
             </a:fld>
             <a:endParaRPr lang="fr-CA"/>
           </a:p>
@@ -2456,7 +2458,7 @@
           <a:p>
             <a:fld id="{952D37C9-57C9-4E74-9BE9-5A5CF4DA06F6}" type="datetimeFigureOut">
               <a:rPr lang="fr-CA" smtClean="0"/>
-              <a:t>2020-03-10</a:t>
+              <a:t>2020-03-11</a:t>
             </a:fld>
             <a:endParaRPr lang="fr-CA"/>
           </a:p>
@@ -2709,7 +2711,7 @@
           <a:p>
             <a:fld id="{952D37C9-57C9-4E74-9BE9-5A5CF4DA06F6}" type="datetimeFigureOut">
               <a:rPr lang="fr-CA" smtClean="0"/>
-              <a:t>2020-03-10</a:t>
+              <a:t>2020-03-11</a:t>
             </a:fld>
             <a:endParaRPr lang="fr-CA"/>
           </a:p>
@@ -2922,7 +2924,7 @@
           <a:p>
             <a:fld id="{952D37C9-57C9-4E74-9BE9-5A5CF4DA06F6}" type="datetimeFigureOut">
               <a:rPr lang="fr-CA" smtClean="0"/>
-              <a:t>2020-03-10</a:t>
+              <a:t>2020-03-11</a:t>
             </a:fld>
             <a:endParaRPr lang="fr-CA"/>
           </a:p>
@@ -3435,37 +3437,6 @@
           </p:spPr>
         </p:pic>
       </p:grpSp>
-      <p:pic>
-        <p:nvPicPr>
-          <p:cNvPr id="26" name="Image 25"/>
-          <p:cNvPicPr>
-            <a:picLocks noChangeAspect="1"/>
-          </p:cNvPicPr>
-          <p:nvPr/>
-        </p:nvPicPr>
-        <p:blipFill rotWithShape="1">
-          <a:blip r:embed="rId6">
-            <a:duotone>
-              <a:schemeClr val="accent2">
-                <a:shade val="45000"/>
-                <a:satMod val="135000"/>
-              </a:schemeClr>
-              <a:prstClr val="white"/>
-            </a:duotone>
-          </a:blip>
-          <a:srcRect l="1" r="12859"/>
-          <a:stretch/>
-        </p:blipFill>
-        <p:spPr>
-          <a:xfrm>
-            <a:off x="4157363" y="614910"/>
-            <a:ext cx="722207" cy="590632"/>
-          </a:xfrm>
-          <a:prstGeom prst="rect">
-            <a:avLst/>
-          </a:prstGeom>
-        </p:spPr>
-      </p:pic>
       <p:sp>
         <p:nvSpPr>
           <p:cNvPr id="27" name="ZoneTexte 26"/>
@@ -3513,7 +3484,7 @@
           <p:nvPr/>
         </p:nvPicPr>
         <p:blipFill>
-          <a:blip r:embed="rId7"/>
+          <a:blip r:embed="rId6"/>
           <a:stretch>
             <a:fillRect/>
           </a:stretch>
@@ -3537,7 +3508,7 @@
           <p:nvPr/>
         </p:nvPicPr>
         <p:blipFill rotWithShape="1">
-          <a:blip r:embed="rId8"/>
+          <a:blip r:embed="rId7"/>
           <a:srcRect l="53265" t="60683" r="5958" b="30747"/>
           <a:stretch/>
         </p:blipFill>
@@ -3590,7 +3561,7 @@
           <p:nvPr/>
         </p:nvPicPr>
         <p:blipFill>
-          <a:blip r:embed="rId9"/>
+          <a:blip r:embed="rId8"/>
           <a:stretch>
             <a:fillRect/>
           </a:stretch>
@@ -3674,7 +3645,7 @@
           <p:nvPr/>
         </p:nvPicPr>
         <p:blipFill>
-          <a:blip r:embed="rId9"/>
+          <a:blip r:embed="rId8"/>
           <a:stretch>
             <a:fillRect/>
           </a:stretch>
@@ -3698,7 +3669,7 @@
           <p:nvPr/>
         </p:nvPicPr>
         <p:blipFill>
-          <a:blip r:embed="rId9"/>
+          <a:blip r:embed="rId8"/>
           <a:stretch>
             <a:fillRect/>
           </a:stretch>
@@ -3752,7 +3723,7 @@
           <p:nvPr/>
         </p:nvPicPr>
         <p:blipFill>
-          <a:blip r:embed="rId9"/>
+          <a:blip r:embed="rId8"/>
           <a:stretch>
             <a:fillRect/>
           </a:stretch>
@@ -3776,7 +3747,7 @@
           <p:nvPr/>
         </p:nvPicPr>
         <p:blipFill>
-          <a:blip r:embed="rId9"/>
+          <a:blip r:embed="rId8"/>
           <a:stretch>
             <a:fillRect/>
           </a:stretch>
@@ -3830,7 +3801,7 @@
           <p:nvPr/>
         </p:nvPicPr>
         <p:blipFill rotWithShape="1">
-          <a:blip r:embed="rId10"/>
+          <a:blip r:embed="rId9"/>
           <a:srcRect l="42620" b="816"/>
           <a:stretch/>
         </p:blipFill>
@@ -3853,7 +3824,7 @@
           <p:nvPr/>
         </p:nvPicPr>
         <p:blipFill rotWithShape="1">
-          <a:blip r:embed="rId11"/>
+          <a:blip r:embed="rId10"/>
           <a:srcRect r="10325" b="8565"/>
           <a:stretch/>
         </p:blipFill>
@@ -3906,7 +3877,7 @@
           <p:nvPr/>
         </p:nvPicPr>
         <p:blipFill rotWithShape="1">
-          <a:blip r:embed="rId11"/>
+          <a:blip r:embed="rId10"/>
           <a:srcRect r="10325" b="8565"/>
           <a:stretch/>
         </p:blipFill>
@@ -3958,7 +3929,7 @@
           <p:nvPr/>
         </p:nvPicPr>
         <p:blipFill rotWithShape="1">
-          <a:blip r:embed="rId11"/>
+          <a:blip r:embed="rId10"/>
           <a:srcRect r="10325" b="8565"/>
           <a:stretch/>
         </p:blipFill>
@@ -4011,7 +3982,7 @@
           <p:nvPr/>
         </p:nvPicPr>
         <p:blipFill rotWithShape="1">
-          <a:blip r:embed="rId11"/>
+          <a:blip r:embed="rId10"/>
           <a:srcRect r="10325" b="8565"/>
           <a:stretch/>
         </p:blipFill>
@@ -4064,7 +4035,7 @@
           <p:nvPr/>
         </p:nvPicPr>
         <p:blipFill>
-          <a:blip r:embed="rId12">
+          <a:blip r:embed="rId11">
             <a:duotone>
               <a:schemeClr val="accent3">
                 <a:shade val="45000"/>
@@ -4080,7 +4051,7 @@
         </p:blipFill>
         <p:spPr>
           <a:xfrm>
-            <a:off x="4338245" y="6260582"/>
+            <a:off x="3880130" y="6200808"/>
             <a:ext cx="1009791" cy="438211"/>
           </a:xfrm>
           <a:prstGeom prst="rect">
@@ -4121,6 +4092,30 @@
       <p:pic>
         <p:nvPicPr>
           <p:cNvPr id="4" name="Image 3"/>
+          <p:cNvPicPr>
+            <a:picLocks noChangeAspect="1"/>
+          </p:cNvPicPr>
+          <p:nvPr/>
+        </p:nvPicPr>
+        <p:blipFill>
+          <a:blip r:embed="rId12"/>
+          <a:stretch>
+            <a:fillRect/>
+          </a:stretch>
+        </p:blipFill>
+        <p:spPr>
+          <a:xfrm>
+            <a:off x="5348036" y="5800076"/>
+            <a:ext cx="1257475" cy="314369"/>
+          </a:xfrm>
+          <a:prstGeom prst="rect">
+            <a:avLst/>
+          </a:prstGeom>
+        </p:spPr>
+      </p:pic>
+      <p:pic>
+        <p:nvPicPr>
+          <p:cNvPr id="34" name="Image 33"/>
           <p:cNvPicPr>
             <a:picLocks noChangeAspect="1"/>
           </p:cNvPicPr>
@@ -4134,31 +4129,7 @@
         </p:blipFill>
         <p:spPr>
           <a:xfrm>
-            <a:off x="5348036" y="5800076"/>
-            <a:ext cx="1257475" cy="314369"/>
-          </a:xfrm>
-          <a:prstGeom prst="rect">
-            <a:avLst/>
-          </a:prstGeom>
-        </p:spPr>
-      </p:pic>
-      <p:pic>
-        <p:nvPicPr>
-          <p:cNvPr id="34" name="Image 33"/>
-          <p:cNvPicPr>
-            <a:picLocks noChangeAspect="1"/>
-          </p:cNvPicPr>
-          <p:nvPr/>
-        </p:nvPicPr>
-        <p:blipFill>
-          <a:blip r:embed="rId14"/>
-          <a:stretch>
-            <a:fillRect/>
-          </a:stretch>
-        </p:blipFill>
-        <p:spPr>
-          <a:xfrm>
-            <a:off x="6314206" y="6302330"/>
+            <a:off x="6963594" y="6232614"/>
             <a:ext cx="1267002" cy="381053"/>
           </a:xfrm>
           <a:prstGeom prst="rect">
@@ -4233,6 +4204,88 @@
             <a:r>
               <a:rPr lang="fr-CA" sz="1000" dirty="0" smtClean="0"/>
               <a:t> area</a:t>
+            </a:r>
+            <a:endParaRPr lang="fr-CA" sz="1000" dirty="0"/>
+          </a:p>
+        </p:txBody>
+      </p:sp>
+      <p:pic>
+        <p:nvPicPr>
+          <p:cNvPr id="2" name="Image 1"/>
+          <p:cNvPicPr>
+            <a:picLocks noChangeAspect="1"/>
+          </p:cNvPicPr>
+          <p:nvPr/>
+        </p:nvPicPr>
+        <p:blipFill>
+          <a:blip r:embed="rId14"/>
+          <a:stretch>
+            <a:fillRect/>
+          </a:stretch>
+        </p:blipFill>
+        <p:spPr>
+          <a:xfrm>
+            <a:off x="4294100" y="698736"/>
+            <a:ext cx="419158" cy="419158"/>
+          </a:xfrm>
+          <a:prstGeom prst="rect">
+            <a:avLst/>
+          </a:prstGeom>
+        </p:spPr>
+      </p:pic>
+      <p:sp>
+        <p:nvSpPr>
+          <p:cNvPr id="39" name="ZoneTexte 38"/>
+          <p:cNvSpPr txBox="1"/>
+          <p:nvPr/>
+        </p:nvSpPr>
+        <p:spPr>
+          <a:xfrm>
+            <a:off x="208867" y="870361"/>
+            <a:ext cx="2241319" cy="553998"/>
+          </a:xfrm>
+          <a:prstGeom prst="rect">
+            <a:avLst/>
+          </a:prstGeom>
+          <a:noFill/>
+        </p:spPr>
+        <p:txBody>
+          <a:bodyPr wrap="none" rtlCol="0">
+            <a:spAutoFit/>
+          </a:bodyPr>
+          <a:lstStyle/>
+          <a:p>
+            <a:r>
+              <a:rPr lang="fr-CA" sz="1000" dirty="0" smtClean="0"/>
+              <a:t>Visible seulement par le coordonnateur</a:t>
+            </a:r>
+          </a:p>
+          <a:p>
+            <a:r>
+              <a:rPr lang="fr-CA" sz="1000" dirty="0" smtClean="0"/>
+              <a:t>Si </a:t>
+            </a:r>
+            <a:r>
+              <a:rPr lang="fr-CA" sz="1000" smtClean="0"/>
+              <a:t>aucune flèche</a:t>
+            </a:r>
+            <a:r>
+              <a:rPr lang="fr-CA" sz="1000" dirty="0" smtClean="0"/>
+              <a:t>: Toute la page</a:t>
+            </a:r>
+          </a:p>
+          <a:p>
+            <a:r>
+              <a:rPr lang="fr-CA" sz="1000" dirty="0" smtClean="0"/>
+              <a:t>Si flèche: </a:t>
+            </a:r>
+            <a:r>
+              <a:rPr lang="fr-CA" sz="1000" dirty="0" smtClean="0"/>
+              <a:t>É</a:t>
+            </a:r>
+            <a:r>
+              <a:rPr lang="fr-CA" sz="1000" dirty="0" smtClean="0"/>
+              <a:t>lément pointé seulement</a:t>
             </a:r>
             <a:endParaRPr lang="fr-CA" sz="1000" dirty="0"/>
           </a:p>
@@ -4404,15 +4457,7 @@
                   <a:srgbClr val="036AB1"/>
                 </a:solidFill>
               </a:rPr>
-              <a:t>Modifier </a:t>
-            </a:r>
-            <a:r>
-              <a:rPr lang="fr-CA" dirty="0" smtClean="0">
-                <a:solidFill>
-                  <a:srgbClr val="036AB1"/>
-                </a:solidFill>
-              </a:rPr>
-              <a:t>un milieu de stage</a:t>
+              <a:t>Modifier un milieu de stage</a:t>
             </a:r>
             <a:endParaRPr lang="fr-CA" dirty="0">
               <a:solidFill>
@@ -4998,7 +5043,7 @@
         </p:blipFill>
         <p:spPr>
           <a:xfrm>
-            <a:off x="3676471" y="6191563"/>
+            <a:off x="4711262" y="6159454"/>
             <a:ext cx="1009791" cy="438211"/>
           </a:xfrm>
           <a:prstGeom prst="rect">
@@ -5076,7 +5121,7 @@
         </p:blipFill>
         <p:spPr>
           <a:xfrm>
-            <a:off x="6851411" y="6233214"/>
+            <a:off x="6112628" y="6208479"/>
             <a:ext cx="1343212" cy="371527"/>
           </a:xfrm>
           <a:prstGeom prst="rect">
@@ -5086,7 +5131,7 @@
       </p:pic>
       <p:pic>
         <p:nvPicPr>
-          <p:cNvPr id="9" name="Image 8"/>
+          <p:cNvPr id="10" name="Image 9"/>
           <p:cNvPicPr>
             <a:picLocks noChangeAspect="1"/>
           </p:cNvPicPr>
@@ -5094,30 +5139,6 @@
         </p:nvPicPr>
         <p:blipFill>
           <a:blip r:embed="rId14"/>
-          <a:stretch>
-            <a:fillRect/>
-          </a:stretch>
-        </p:blipFill>
-        <p:spPr>
-          <a:xfrm>
-            <a:off x="4871180" y="6250527"/>
-            <a:ext cx="1790950" cy="362001"/>
-          </a:xfrm>
-          <a:prstGeom prst="rect">
-            <a:avLst/>
-          </a:prstGeom>
-        </p:spPr>
-      </p:pic>
-      <p:pic>
-        <p:nvPicPr>
-          <p:cNvPr id="10" name="Image 9"/>
-          <p:cNvPicPr>
-            <a:picLocks noChangeAspect="1"/>
-          </p:cNvPicPr>
-          <p:nvPr/>
-        </p:nvPicPr>
-        <p:blipFill>
-          <a:blip r:embed="rId15"/>
           <a:stretch>
             <a:fillRect/>
           </a:stretch>
@@ -5199,6 +5220,36 @@
             <a:r>
               <a:rPr lang="fr-CA" sz="1000" dirty="0" smtClean="0"/>
               <a:t> area</a:t>
+            </a:r>
+            <a:endParaRPr lang="fr-CA" sz="1000" dirty="0"/>
+          </a:p>
+        </p:txBody>
+      </p:sp>
+      <p:sp>
+        <p:nvSpPr>
+          <p:cNvPr id="37" name="ZoneTexte 36"/>
+          <p:cNvSpPr txBox="1"/>
+          <p:nvPr/>
+        </p:nvSpPr>
+        <p:spPr>
+          <a:xfrm>
+            <a:off x="77061" y="770791"/>
+            <a:ext cx="2241319" cy="246221"/>
+          </a:xfrm>
+          <a:prstGeom prst="rect">
+            <a:avLst/>
+          </a:prstGeom>
+          <a:noFill/>
+        </p:spPr>
+        <p:txBody>
+          <a:bodyPr wrap="none" rtlCol="0">
+            <a:spAutoFit/>
+          </a:bodyPr>
+          <a:lstStyle/>
+          <a:p>
+            <a:r>
+              <a:rPr lang="fr-CA" sz="1000" dirty="0" smtClean="0"/>
+              <a:t>Visible seulement par le coordonnateur</a:t>
             </a:r>
             <a:endParaRPr lang="fr-CA" sz="1000" dirty="0"/>
           </a:p>
@@ -5452,7 +5503,7 @@
         </p:blipFill>
         <p:spPr>
           <a:xfrm>
-            <a:off x="3867661" y="6177160"/>
+            <a:off x="3461580" y="6177239"/>
             <a:ext cx="1009791" cy="438211"/>
           </a:xfrm>
           <a:prstGeom prst="rect">
@@ -5476,7 +5527,7 @@
         </p:blipFill>
         <p:spPr>
           <a:xfrm>
-            <a:off x="6801649" y="696046"/>
+            <a:off x="6182524" y="696046"/>
             <a:ext cx="733527" cy="514422"/>
           </a:xfrm>
           <a:prstGeom prst="rect">
@@ -5961,14 +6012,14 @@
       </p:pic>
       <p:sp>
         <p:nvSpPr>
-          <p:cNvPr id="100" name="ZoneTexte 99"/>
+          <p:cNvPr id="101" name="ZoneTexte 100"/>
           <p:cNvSpPr txBox="1"/>
           <p:nvPr/>
         </p:nvSpPr>
         <p:spPr>
           <a:xfrm>
-            <a:off x="2177936" y="5816855"/>
-            <a:ext cx="1143242" cy="338554"/>
+            <a:off x="2623317" y="4788344"/>
+            <a:ext cx="613023" cy="338554"/>
           </a:xfrm>
           <a:prstGeom prst="rect">
             <a:avLst/>
@@ -5983,45 +6034,15 @@
           <a:p>
             <a:r>
               <a:rPr lang="fr-CA" sz="1600" dirty="0" smtClean="0"/>
-              <a:t>Disponible:</a:t>
+              <a:t>Pays:</a:t>
             </a:r>
             <a:endParaRPr lang="fr-CA" sz="1600" dirty="0"/>
           </a:p>
         </p:txBody>
       </p:sp>
-      <p:sp>
-        <p:nvSpPr>
-          <p:cNvPr id="101" name="ZoneTexte 100"/>
-          <p:cNvSpPr txBox="1"/>
-          <p:nvPr/>
-        </p:nvSpPr>
-        <p:spPr>
-          <a:xfrm>
-            <a:off x="2623317" y="4788344"/>
-            <a:ext cx="613023" cy="338554"/>
-          </a:xfrm>
-          <a:prstGeom prst="rect">
-            <a:avLst/>
-          </a:prstGeom>
-          <a:noFill/>
-        </p:spPr>
-        <p:txBody>
-          <a:bodyPr wrap="square" rtlCol="0">
-            <a:spAutoFit/>
-          </a:bodyPr>
-          <a:lstStyle/>
-          <a:p>
-            <a:r>
-              <a:rPr lang="fr-CA" sz="1600" dirty="0" smtClean="0"/>
-              <a:t>Pays:</a:t>
-            </a:r>
-            <a:endParaRPr lang="fr-CA" sz="1600" dirty="0"/>
-          </a:p>
-        </p:txBody>
-      </p:sp>
-      <p:pic>
-        <p:nvPicPr>
-          <p:cNvPr id="102" name="Image 101"/>
+      <p:pic>
+        <p:nvPicPr>
+          <p:cNvPr id="103" name="Image 102"/>
           <p:cNvPicPr>
             <a:picLocks noChangeAspect="1"/>
           </p:cNvPicPr>
@@ -6035,31 +6056,7 @@
         </p:blipFill>
         <p:spPr>
           <a:xfrm>
-            <a:off x="3469361" y="5800076"/>
-            <a:ext cx="1257475" cy="314369"/>
-          </a:xfrm>
-          <a:prstGeom prst="rect">
-            <a:avLst/>
-          </a:prstGeom>
-        </p:spPr>
-      </p:pic>
-      <p:pic>
-        <p:nvPicPr>
-          <p:cNvPr id="103" name="Image 102"/>
-          <p:cNvPicPr>
-            <a:picLocks noChangeAspect="1"/>
-          </p:cNvPicPr>
-          <p:nvPr/>
-        </p:nvPicPr>
-        <p:blipFill>
-          <a:blip r:embed="rId14"/>
-          <a:stretch>
-            <a:fillRect/>
-          </a:stretch>
-        </p:blipFill>
-        <p:spPr>
-          <a:xfrm>
-            <a:off x="5730842" y="6250386"/>
+            <a:off x="6549287" y="6215343"/>
             <a:ext cx="1295581" cy="362001"/>
           </a:xfrm>
           <a:prstGeom prst="rect">
@@ -6075,7 +6072,7 @@
         </p:nvSpPr>
         <p:spPr>
           <a:xfrm>
-            <a:off x="7448367" y="730698"/>
+            <a:off x="6829242" y="730698"/>
             <a:ext cx="3549016" cy="369332"/>
           </a:xfrm>
           <a:prstGeom prst="rect">
@@ -6095,7 +6092,15 @@
                   <a:srgbClr val="036AB1"/>
                 </a:solidFill>
               </a:rPr>
-              <a:t>Stage disponible dans ce milieu</a:t>
+              <a:t>Stages disponibles </a:t>
+            </a:r>
+            <a:r>
+              <a:rPr lang="fr-CA" dirty="0" smtClean="0">
+                <a:solidFill>
+                  <a:srgbClr val="036AB1"/>
+                </a:solidFill>
+              </a:rPr>
+              <a:t>dans ce milieu</a:t>
             </a:r>
             <a:endParaRPr lang="fr-CA" dirty="0">
               <a:solidFill>
@@ -6120,7 +6125,7 @@
         </p:blipFill>
         <p:spPr>
           <a:xfrm flipV="1">
-            <a:off x="7378287" y="1157000"/>
+            <a:off x="6759162" y="1157000"/>
             <a:ext cx="3042458" cy="55407"/>
           </a:xfrm>
           <a:prstGeom prst="rect">
@@ -6136,8 +6141,8 @@
         </p:nvSpPr>
         <p:spPr>
           <a:xfrm>
-            <a:off x="5776693" y="1356722"/>
-            <a:ext cx="6118820" cy="4313613"/>
+            <a:off x="5316356" y="1356723"/>
+            <a:ext cx="6579157" cy="4313612"/>
           </a:xfrm>
           <a:prstGeom prst="rect">
             <a:avLst/>
@@ -6178,38 +6183,415 @@
       </p:sp>
       <p:pic>
         <p:nvPicPr>
-          <p:cNvPr id="11" name="Image 10"/>
-          <p:cNvPicPr>
-            <a:picLocks noChangeAspect="1"/>
-          </p:cNvPicPr>
-          <p:nvPr/>
-        </p:nvPicPr>
-        <p:blipFill>
-          <a:blip r:embed="rId15"/>
-          <a:stretch>
-            <a:fillRect/>
-          </a:stretch>
-        </p:blipFill>
-        <p:spPr>
-          <a:xfrm>
-            <a:off x="5817604" y="1359795"/>
-            <a:ext cx="5934903" cy="2638793"/>
-          </a:xfrm>
-          <a:prstGeom prst="rect">
-            <a:avLst/>
-          </a:prstGeom>
-        </p:spPr>
-      </p:pic>
-      <p:sp>
-        <p:nvSpPr>
-          <p:cNvPr id="12" name="Rectangle 11"/>
+          <p:cNvPr id="106" name="Image 105"/>
+          <p:cNvPicPr>
+            <a:picLocks noChangeAspect="1"/>
+          </p:cNvPicPr>
+          <p:nvPr/>
+        </p:nvPicPr>
+        <p:blipFill rotWithShape="1">
+          <a:blip r:embed="rId7"/>
+          <a:srcRect l="53265" t="60683" r="5958" b="30747"/>
+          <a:stretch/>
+        </p:blipFill>
+        <p:spPr>
+          <a:xfrm flipV="1">
+            <a:off x="7909090" y="1151533"/>
+            <a:ext cx="3042458" cy="55407"/>
+          </a:xfrm>
+          <a:prstGeom prst="rect">
+            <a:avLst/>
+          </a:prstGeom>
+        </p:spPr>
+      </p:pic>
+      <p:sp>
+        <p:nvSpPr>
+          <p:cNvPr id="107" name="ZoneTexte 106"/>
+          <p:cNvSpPr txBox="1"/>
+          <p:nvPr/>
+        </p:nvSpPr>
+        <p:spPr>
+          <a:xfrm>
+            <a:off x="3887218" y="1376841"/>
+            <a:ext cx="656706" cy="338554"/>
+          </a:xfrm>
+          <a:prstGeom prst="rect">
+            <a:avLst/>
+          </a:prstGeom>
+          <a:noFill/>
+        </p:spPr>
+        <p:txBody>
+          <a:bodyPr wrap="square" rtlCol="0">
+            <a:spAutoFit/>
+          </a:bodyPr>
+          <a:lstStyle/>
+          <a:p>
+            <a:r>
+              <a:rPr lang="fr-CA" sz="1600" dirty="0" smtClean="0">
+                <a:solidFill>
+                  <a:schemeClr val="bg1">
+                    <a:lumMod val="75000"/>
+                  </a:schemeClr>
+                </a:solidFill>
+              </a:rPr>
+              <a:t>Titre</a:t>
+            </a:r>
+            <a:endParaRPr lang="fr-CA" sz="1600" dirty="0">
+              <a:solidFill>
+                <a:schemeClr val="bg1">
+                  <a:lumMod val="75000"/>
+                </a:schemeClr>
+              </a:solidFill>
+            </a:endParaRPr>
+          </a:p>
+        </p:txBody>
+      </p:sp>
+      <p:sp>
+        <p:nvSpPr>
+          <p:cNvPr id="108" name="ZoneTexte 107"/>
+          <p:cNvSpPr txBox="1"/>
+          <p:nvPr/>
+        </p:nvSpPr>
+        <p:spPr>
+          <a:xfrm>
+            <a:off x="3599184" y="1846812"/>
+            <a:ext cx="1232772" cy="338554"/>
+          </a:xfrm>
+          <a:prstGeom prst="rect">
+            <a:avLst/>
+          </a:prstGeom>
+          <a:noFill/>
+        </p:spPr>
+        <p:txBody>
+          <a:bodyPr wrap="square" rtlCol="0">
+            <a:spAutoFit/>
+          </a:bodyPr>
+          <a:lstStyle/>
+          <a:p>
+            <a:r>
+              <a:rPr lang="fr-CA" sz="1600" dirty="0" smtClean="0">
+                <a:solidFill>
+                  <a:schemeClr val="bg1">
+                    <a:lumMod val="75000"/>
+                  </a:schemeClr>
+                </a:solidFill>
+              </a:rPr>
+              <a:t>Description</a:t>
+            </a:r>
+            <a:endParaRPr lang="fr-CA" sz="1600" dirty="0">
+              <a:solidFill>
+                <a:schemeClr val="bg1">
+                  <a:lumMod val="75000"/>
+                </a:schemeClr>
+              </a:solidFill>
+            </a:endParaRPr>
+          </a:p>
+        </p:txBody>
+      </p:sp>
+      <p:sp>
+        <p:nvSpPr>
+          <p:cNvPr id="109" name="ZoneTexte 108"/>
+          <p:cNvSpPr txBox="1"/>
+          <p:nvPr/>
+        </p:nvSpPr>
+        <p:spPr>
+          <a:xfrm>
+            <a:off x="3467425" y="2295260"/>
+            <a:ext cx="1511898" cy="338554"/>
+          </a:xfrm>
+          <a:prstGeom prst="rect">
+            <a:avLst/>
+          </a:prstGeom>
+          <a:noFill/>
+        </p:spPr>
+        <p:txBody>
+          <a:bodyPr wrap="square" rtlCol="0">
+            <a:spAutoFit/>
+          </a:bodyPr>
+          <a:lstStyle/>
+          <a:p>
+            <a:r>
+              <a:rPr lang="fr-CA" sz="1600" dirty="0" smtClean="0">
+                <a:solidFill>
+                  <a:schemeClr val="bg1">
+                    <a:lumMod val="75000"/>
+                  </a:schemeClr>
+                </a:solidFill>
+              </a:rPr>
+              <a:t>Numéro civique</a:t>
+            </a:r>
+            <a:endParaRPr lang="fr-CA" sz="1600" dirty="0">
+              <a:solidFill>
+                <a:schemeClr val="bg1">
+                  <a:lumMod val="75000"/>
+                </a:schemeClr>
+              </a:solidFill>
+            </a:endParaRPr>
+          </a:p>
+        </p:txBody>
+      </p:sp>
+      <p:sp>
+        <p:nvSpPr>
+          <p:cNvPr id="110" name="ZoneTexte 109"/>
+          <p:cNvSpPr txBox="1"/>
+          <p:nvPr/>
+        </p:nvSpPr>
+        <p:spPr>
+          <a:xfrm>
+            <a:off x="3849811" y="2692280"/>
+            <a:ext cx="656706" cy="338554"/>
+          </a:xfrm>
+          <a:prstGeom prst="rect">
+            <a:avLst/>
+          </a:prstGeom>
+          <a:noFill/>
+        </p:spPr>
+        <p:txBody>
+          <a:bodyPr wrap="square" rtlCol="0">
+            <a:spAutoFit/>
+          </a:bodyPr>
+          <a:lstStyle/>
+          <a:p>
+            <a:r>
+              <a:rPr lang="fr-CA" sz="1600" dirty="0" smtClean="0">
+                <a:solidFill>
+                  <a:schemeClr val="bg1">
+                    <a:lumMod val="75000"/>
+                  </a:schemeClr>
+                </a:solidFill>
+              </a:rPr>
+              <a:t>Rue</a:t>
+            </a:r>
+            <a:endParaRPr lang="fr-CA" sz="1600" dirty="0">
+              <a:solidFill>
+                <a:schemeClr val="bg1">
+                  <a:lumMod val="75000"/>
+                </a:schemeClr>
+              </a:solidFill>
+            </a:endParaRPr>
+          </a:p>
+        </p:txBody>
+      </p:sp>
+      <p:sp>
+        <p:nvSpPr>
+          <p:cNvPr id="111" name="ZoneTexte 110"/>
+          <p:cNvSpPr txBox="1"/>
+          <p:nvPr/>
+        </p:nvSpPr>
+        <p:spPr>
+          <a:xfrm>
+            <a:off x="3544375" y="3174974"/>
+            <a:ext cx="1434948" cy="338554"/>
+          </a:xfrm>
+          <a:prstGeom prst="rect">
+            <a:avLst/>
+          </a:prstGeom>
+          <a:noFill/>
+        </p:spPr>
+        <p:txBody>
+          <a:bodyPr wrap="square" rtlCol="0">
+            <a:spAutoFit/>
+          </a:bodyPr>
+          <a:lstStyle/>
+          <a:p>
+            <a:r>
+              <a:rPr lang="fr-CA" sz="1600" dirty="0" smtClean="0">
+                <a:solidFill>
+                  <a:schemeClr val="bg1">
+                    <a:lumMod val="75000"/>
+                  </a:schemeClr>
+                </a:solidFill>
+              </a:rPr>
+              <a:t>Code postal</a:t>
+            </a:r>
+            <a:endParaRPr lang="fr-CA" sz="1600" dirty="0">
+              <a:solidFill>
+                <a:schemeClr val="bg1">
+                  <a:lumMod val="75000"/>
+                </a:schemeClr>
+              </a:solidFill>
+            </a:endParaRPr>
+          </a:p>
+        </p:txBody>
+      </p:sp>
+      <p:sp>
+        <p:nvSpPr>
+          <p:cNvPr id="112" name="ZoneTexte 111"/>
+          <p:cNvSpPr txBox="1"/>
+          <p:nvPr/>
+        </p:nvSpPr>
+        <p:spPr>
+          <a:xfrm>
+            <a:off x="3852872" y="3681057"/>
+            <a:ext cx="656706" cy="338554"/>
+          </a:xfrm>
+          <a:prstGeom prst="rect">
+            <a:avLst/>
+          </a:prstGeom>
+          <a:noFill/>
+        </p:spPr>
+        <p:txBody>
+          <a:bodyPr wrap="square" rtlCol="0">
+            <a:spAutoFit/>
+          </a:bodyPr>
+          <a:lstStyle/>
+          <a:p>
+            <a:r>
+              <a:rPr lang="fr-CA" sz="1600" dirty="0" smtClean="0">
+                <a:solidFill>
+                  <a:schemeClr val="bg1">
+                    <a:lumMod val="75000"/>
+                  </a:schemeClr>
+                </a:solidFill>
+              </a:rPr>
+              <a:t>Ville</a:t>
+            </a:r>
+            <a:endParaRPr lang="fr-CA" sz="1600" dirty="0">
+              <a:solidFill>
+                <a:schemeClr val="bg1">
+                  <a:lumMod val="75000"/>
+                </a:schemeClr>
+              </a:solidFill>
+            </a:endParaRPr>
+          </a:p>
+        </p:txBody>
+      </p:sp>
+      <p:sp>
+        <p:nvSpPr>
+          <p:cNvPr id="113" name="ZoneTexte 112"/>
+          <p:cNvSpPr txBox="1"/>
+          <p:nvPr/>
+        </p:nvSpPr>
+        <p:spPr>
+          <a:xfrm>
+            <a:off x="3665912" y="4206848"/>
+            <a:ext cx="1060923" cy="338554"/>
+          </a:xfrm>
+          <a:prstGeom prst="rect">
+            <a:avLst/>
+          </a:prstGeom>
+          <a:noFill/>
+        </p:spPr>
+        <p:txBody>
+          <a:bodyPr wrap="square" rtlCol="0">
+            <a:spAutoFit/>
+          </a:bodyPr>
+          <a:lstStyle/>
+          <a:p>
+            <a:r>
+              <a:rPr lang="fr-CA" sz="1600" dirty="0" smtClean="0">
+                <a:solidFill>
+                  <a:schemeClr val="bg1">
+                    <a:lumMod val="75000"/>
+                  </a:schemeClr>
+                </a:solidFill>
+              </a:rPr>
+              <a:t>Province</a:t>
+            </a:r>
+            <a:endParaRPr lang="fr-CA" sz="1600" dirty="0">
+              <a:solidFill>
+                <a:schemeClr val="bg1">
+                  <a:lumMod val="75000"/>
+                </a:schemeClr>
+              </a:solidFill>
+            </a:endParaRPr>
+          </a:p>
+        </p:txBody>
+      </p:sp>
+      <p:sp>
+        <p:nvSpPr>
+          <p:cNvPr id="114" name="ZoneTexte 113"/>
+          <p:cNvSpPr txBox="1"/>
+          <p:nvPr/>
+        </p:nvSpPr>
+        <p:spPr>
+          <a:xfrm>
+            <a:off x="3814665" y="4762589"/>
+            <a:ext cx="656706" cy="338554"/>
+          </a:xfrm>
+          <a:prstGeom prst="rect">
+            <a:avLst/>
+          </a:prstGeom>
+          <a:noFill/>
+        </p:spPr>
+        <p:txBody>
+          <a:bodyPr wrap="square" rtlCol="0">
+            <a:spAutoFit/>
+          </a:bodyPr>
+          <a:lstStyle/>
+          <a:p>
+            <a:r>
+              <a:rPr lang="fr-CA" sz="1600" dirty="0" smtClean="0">
+                <a:solidFill>
+                  <a:schemeClr val="bg1">
+                    <a:lumMod val="75000"/>
+                  </a:schemeClr>
+                </a:solidFill>
+              </a:rPr>
+              <a:t>Pays</a:t>
+            </a:r>
+            <a:endParaRPr lang="fr-CA" sz="1600" dirty="0">
+              <a:solidFill>
+                <a:schemeClr val="bg1">
+                  <a:lumMod val="75000"/>
+                </a:schemeClr>
+              </a:solidFill>
+            </a:endParaRPr>
+          </a:p>
+        </p:txBody>
+      </p:sp>
+      <p:sp>
+        <p:nvSpPr>
+          <p:cNvPr id="115" name="ZoneTexte 114"/>
+          <p:cNvSpPr txBox="1"/>
+          <p:nvPr/>
+        </p:nvSpPr>
+        <p:spPr>
+          <a:xfrm>
+            <a:off x="3337484" y="5279901"/>
+            <a:ext cx="1824720" cy="338554"/>
+          </a:xfrm>
+          <a:prstGeom prst="rect">
+            <a:avLst/>
+          </a:prstGeom>
+          <a:noFill/>
+        </p:spPr>
+        <p:txBody>
+          <a:bodyPr wrap="square" rtlCol="0">
+            <a:spAutoFit/>
+          </a:bodyPr>
+          <a:lstStyle/>
+          <a:p>
+            <a:r>
+              <a:rPr lang="fr-CA" sz="1600" dirty="0" smtClean="0">
+                <a:solidFill>
+                  <a:schemeClr val="bg1">
+                    <a:lumMod val="75000"/>
+                  </a:schemeClr>
+                </a:solidFill>
+              </a:rPr>
+              <a:t># de téléphone</a:t>
+            </a:r>
+            <a:endParaRPr lang="fr-CA" sz="1600" dirty="0">
+              <a:solidFill>
+                <a:schemeClr val="bg1">
+                  <a:lumMod val="75000"/>
+                </a:schemeClr>
+              </a:solidFill>
+            </a:endParaRPr>
+          </a:p>
+        </p:txBody>
+      </p:sp>
+      <p:sp>
+        <p:nvSpPr>
+          <p:cNvPr id="59" name="Rectangle 58"/>
           <p:cNvSpPr/>
           <p:nvPr/>
         </p:nvSpPr>
         <p:spPr>
           <a:xfrm>
-            <a:off x="11720945" y="1356722"/>
-            <a:ext cx="116379" cy="4313613"/>
+            <a:off x="11784804" y="1359607"/>
+            <a:ext cx="63524" cy="4258847"/>
           </a:xfrm>
           <a:prstGeom prst="rect">
             <a:avLst/>
@@ -6220,7 +6602,9 @@
             </a:schemeClr>
           </a:solidFill>
           <a:ln>
-            <a:noFill/>
+            <a:solidFill>
+              <a:schemeClr val="tx1"/>
+            </a:solidFill>
           </a:ln>
         </p:spPr>
         <p:style>
@@ -6248,39 +6632,642 @@
           </a:p>
         </p:txBody>
       </p:sp>
-      <p:pic>
-        <p:nvPicPr>
-          <p:cNvPr id="106" name="Image 105"/>
-          <p:cNvPicPr>
-            <a:picLocks noChangeAspect="1"/>
-          </p:cNvPicPr>
-          <p:nvPr/>
-        </p:nvPicPr>
-        <p:blipFill rotWithShape="1">
-          <a:blip r:embed="rId7"/>
-          <a:srcRect l="53265" t="60683" r="5958" b="30747"/>
-          <a:stretch/>
-        </p:blipFill>
-        <p:spPr>
-          <a:xfrm flipV="1">
-            <a:off x="8528215" y="1159771"/>
-            <a:ext cx="3042458" cy="55407"/>
-          </a:xfrm>
-          <a:prstGeom prst="rect">
-            <a:avLst/>
-          </a:prstGeom>
-        </p:spPr>
-      </p:pic>
-      <p:sp>
-        <p:nvSpPr>
-          <p:cNvPr id="107" name="ZoneTexte 106"/>
+      <p:grpSp>
+        <p:nvGrpSpPr>
+          <p:cNvPr id="4" name="Groupe 3"/>
+          <p:cNvGrpSpPr/>
+          <p:nvPr/>
+        </p:nvGrpSpPr>
+        <p:grpSpPr>
+          <a:xfrm>
+            <a:off x="5332982" y="1376841"/>
+            <a:ext cx="6387963" cy="3411503"/>
+            <a:chOff x="5332982" y="1376841"/>
+            <a:chExt cx="6387963" cy="3411503"/>
+          </a:xfrm>
+        </p:grpSpPr>
+        <p:grpSp>
+          <p:nvGrpSpPr>
+            <p:cNvPr id="49" name="Groupe 48"/>
+            <p:cNvGrpSpPr/>
+            <p:nvPr/>
+          </p:nvGrpSpPr>
+          <p:grpSpPr>
+            <a:xfrm>
+              <a:off x="5332982" y="1376841"/>
+              <a:ext cx="6387963" cy="3411503"/>
+              <a:chOff x="2358577" y="2428367"/>
+              <a:chExt cx="7292939" cy="3610479"/>
+            </a:xfrm>
+          </p:grpSpPr>
+          <p:pic>
+            <p:nvPicPr>
+              <p:cNvPr id="50" name="Image 49"/>
+              <p:cNvPicPr>
+                <a:picLocks noChangeAspect="1"/>
+              </p:cNvPicPr>
+              <p:nvPr/>
+            </p:nvPicPr>
+            <p:blipFill>
+              <a:blip r:embed="rId14"/>
+              <a:stretch>
+                <a:fillRect/>
+              </a:stretch>
+            </p:blipFill>
+            <p:spPr>
+              <a:xfrm>
+                <a:off x="2358577" y="2428367"/>
+                <a:ext cx="6598331" cy="3610479"/>
+              </a:xfrm>
+              <a:prstGeom prst="rect">
+                <a:avLst/>
+              </a:prstGeom>
+            </p:spPr>
+          </p:pic>
+          <p:pic>
+            <p:nvPicPr>
+              <p:cNvPr id="51" name="Image 50"/>
+              <p:cNvPicPr>
+                <a:picLocks noChangeAspect="1"/>
+              </p:cNvPicPr>
+              <p:nvPr/>
+            </p:nvPicPr>
+            <p:blipFill>
+              <a:blip r:embed="rId15"/>
+              <a:stretch>
+                <a:fillRect/>
+              </a:stretch>
+            </p:blipFill>
+            <p:spPr>
+              <a:xfrm>
+                <a:off x="8822725" y="2637986"/>
+                <a:ext cx="828791" cy="3343742"/>
+              </a:xfrm>
+              <a:prstGeom prst="rect">
+                <a:avLst/>
+              </a:prstGeom>
+            </p:spPr>
+          </p:pic>
+          <p:sp>
+            <p:nvSpPr>
+              <p:cNvPr id="52" name="Rectangle 51"/>
+              <p:cNvSpPr/>
+              <p:nvPr/>
+            </p:nvSpPr>
+            <p:spPr>
+              <a:xfrm>
+                <a:off x="8864844" y="4706352"/>
+                <a:ext cx="723148" cy="478692"/>
+              </a:xfrm>
+              <a:prstGeom prst="rect">
+                <a:avLst/>
+              </a:prstGeom>
+              <a:solidFill>
+                <a:schemeClr val="bg1"/>
+              </a:solidFill>
+              <a:ln>
+                <a:solidFill>
+                  <a:schemeClr val="bg1"/>
+                </a:solidFill>
+              </a:ln>
+            </p:spPr>
+            <p:style>
+              <a:lnRef idx="2">
+                <a:schemeClr val="accent1">
+                  <a:shade val="50000"/>
+                </a:schemeClr>
+              </a:lnRef>
+              <a:fillRef idx="1">
+                <a:schemeClr val="accent1"/>
+              </a:fillRef>
+              <a:effectRef idx="0">
+                <a:schemeClr val="accent1"/>
+              </a:effectRef>
+              <a:fontRef idx="minor">
+                <a:schemeClr val="lt1"/>
+              </a:fontRef>
+            </p:style>
+            <p:txBody>
+              <a:bodyPr rtlCol="0" anchor="ctr"/>
+              <a:lstStyle/>
+              <a:p>
+                <a:pPr algn="ctr"/>
+                <a:endParaRPr lang="fr-CA" sz="1200" dirty="0">
+                  <a:solidFill>
+                    <a:schemeClr val="tx1"/>
+                  </a:solidFill>
+                </a:endParaRPr>
+              </a:p>
+              <a:p>
+                <a:pPr algn="ctr"/>
+                <a:endParaRPr lang="fr-CA" dirty="0">
+                  <a:solidFill>
+                    <a:schemeClr val="tx1"/>
+                  </a:solidFill>
+                </a:endParaRPr>
+              </a:p>
+            </p:txBody>
+          </p:sp>
+          <p:sp>
+            <p:nvSpPr>
+              <p:cNvPr id="53" name="Rectangle 52"/>
+              <p:cNvSpPr/>
+              <p:nvPr/>
+            </p:nvSpPr>
+            <p:spPr>
+              <a:xfrm>
+                <a:off x="8834822" y="3342865"/>
+                <a:ext cx="723148" cy="478692"/>
+              </a:xfrm>
+              <a:prstGeom prst="rect">
+                <a:avLst/>
+              </a:prstGeom>
+              <a:solidFill>
+                <a:schemeClr val="bg1"/>
+              </a:solidFill>
+              <a:ln>
+                <a:solidFill>
+                  <a:schemeClr val="bg1"/>
+                </a:solidFill>
+              </a:ln>
+            </p:spPr>
+            <p:style>
+              <a:lnRef idx="2">
+                <a:schemeClr val="accent1">
+                  <a:shade val="50000"/>
+                </a:schemeClr>
+              </a:lnRef>
+              <a:fillRef idx="1">
+                <a:schemeClr val="accent1"/>
+              </a:fillRef>
+              <a:effectRef idx="0">
+                <a:schemeClr val="accent1"/>
+              </a:effectRef>
+              <a:fontRef idx="minor">
+                <a:schemeClr val="lt1"/>
+              </a:fontRef>
+            </p:style>
+            <p:txBody>
+              <a:bodyPr rtlCol="0" anchor="ctr"/>
+              <a:lstStyle/>
+              <a:p>
+                <a:pPr algn="ctr"/>
+                <a:endParaRPr lang="fr-CA" sz="1200" dirty="0">
+                  <a:solidFill>
+                    <a:schemeClr val="tx1"/>
+                  </a:solidFill>
+                </a:endParaRPr>
+              </a:p>
+              <a:p>
+                <a:pPr algn="ctr"/>
+                <a:endParaRPr lang="fr-CA" dirty="0">
+                  <a:solidFill>
+                    <a:schemeClr val="tx1"/>
+                  </a:solidFill>
+                </a:endParaRPr>
+              </a:p>
+            </p:txBody>
+          </p:sp>
+          <p:sp>
+            <p:nvSpPr>
+              <p:cNvPr id="54" name="Rectangle 53"/>
+              <p:cNvSpPr/>
+              <p:nvPr/>
+            </p:nvSpPr>
+            <p:spPr>
+              <a:xfrm>
+                <a:off x="8807141" y="3888521"/>
+                <a:ext cx="723148" cy="478692"/>
+              </a:xfrm>
+              <a:prstGeom prst="rect">
+                <a:avLst/>
+              </a:prstGeom>
+              <a:solidFill>
+                <a:schemeClr val="bg1"/>
+              </a:solidFill>
+              <a:ln>
+                <a:solidFill>
+                  <a:schemeClr val="bg1"/>
+                </a:solidFill>
+              </a:ln>
+            </p:spPr>
+            <p:style>
+              <a:lnRef idx="2">
+                <a:schemeClr val="accent1">
+                  <a:shade val="50000"/>
+                </a:schemeClr>
+              </a:lnRef>
+              <a:fillRef idx="1">
+                <a:schemeClr val="accent1"/>
+              </a:fillRef>
+              <a:effectRef idx="0">
+                <a:schemeClr val="accent1"/>
+              </a:effectRef>
+              <a:fontRef idx="minor">
+                <a:schemeClr val="lt1"/>
+              </a:fontRef>
+            </p:style>
+            <p:txBody>
+              <a:bodyPr rtlCol="0" anchor="ctr"/>
+              <a:lstStyle/>
+              <a:p>
+                <a:pPr algn="ctr"/>
+                <a:endParaRPr lang="fr-CA" sz="1200" dirty="0">
+                  <a:solidFill>
+                    <a:schemeClr val="tx1"/>
+                  </a:solidFill>
+                </a:endParaRPr>
+              </a:p>
+              <a:p>
+                <a:pPr algn="ctr"/>
+                <a:endParaRPr lang="fr-CA" dirty="0">
+                  <a:solidFill>
+                    <a:schemeClr val="tx1"/>
+                  </a:solidFill>
+                </a:endParaRPr>
+              </a:p>
+            </p:txBody>
+          </p:sp>
+          <p:pic>
+            <p:nvPicPr>
+              <p:cNvPr id="55" name="Image 54"/>
+              <p:cNvPicPr>
+                <a:picLocks noChangeAspect="1"/>
+              </p:cNvPicPr>
+              <p:nvPr/>
+            </p:nvPicPr>
+            <p:blipFill>
+              <a:blip r:embed="rId16"/>
+              <a:stretch>
+                <a:fillRect/>
+              </a:stretch>
+            </p:blipFill>
+            <p:spPr>
+              <a:xfrm>
+                <a:off x="9105332" y="3437145"/>
+                <a:ext cx="342948" cy="342948"/>
+              </a:xfrm>
+              <a:prstGeom prst="rect">
+                <a:avLst/>
+              </a:prstGeom>
+            </p:spPr>
+          </p:pic>
+          <p:pic>
+            <p:nvPicPr>
+              <p:cNvPr id="56" name="Image 55"/>
+              <p:cNvPicPr>
+                <a:picLocks noChangeAspect="1"/>
+              </p:cNvPicPr>
+              <p:nvPr/>
+            </p:nvPicPr>
+            <p:blipFill>
+              <a:blip r:embed="rId16"/>
+              <a:stretch>
+                <a:fillRect/>
+              </a:stretch>
+            </p:blipFill>
+            <p:spPr>
+              <a:xfrm>
+                <a:off x="9105332" y="3999686"/>
+                <a:ext cx="342948" cy="342948"/>
+              </a:xfrm>
+              <a:prstGeom prst="rect">
+                <a:avLst/>
+              </a:prstGeom>
+            </p:spPr>
+          </p:pic>
+          <p:pic>
+            <p:nvPicPr>
+              <p:cNvPr id="57" name="Image 56"/>
+              <p:cNvPicPr>
+                <a:picLocks noChangeAspect="1"/>
+              </p:cNvPicPr>
+              <p:nvPr/>
+            </p:nvPicPr>
+            <p:blipFill>
+              <a:blip r:embed="rId16"/>
+              <a:stretch>
+                <a:fillRect/>
+              </a:stretch>
+            </p:blipFill>
+            <p:spPr>
+              <a:xfrm>
+                <a:off x="9112812" y="4774224"/>
+                <a:ext cx="342948" cy="342948"/>
+              </a:xfrm>
+              <a:prstGeom prst="rect">
+                <a:avLst/>
+              </a:prstGeom>
+            </p:spPr>
+          </p:pic>
+          <p:sp>
+            <p:nvSpPr>
+              <p:cNvPr id="58" name="Rectangle 57"/>
+              <p:cNvSpPr/>
+              <p:nvPr/>
+            </p:nvSpPr>
+            <p:spPr>
+              <a:xfrm>
+                <a:off x="8864844" y="2690909"/>
+                <a:ext cx="666692" cy="390369"/>
+              </a:xfrm>
+              <a:prstGeom prst="rect">
+                <a:avLst/>
+              </a:prstGeom>
+              <a:solidFill>
+                <a:schemeClr val="bg1"/>
+              </a:solidFill>
+              <a:ln>
+                <a:solidFill>
+                  <a:schemeClr val="bg1"/>
+                </a:solidFill>
+              </a:ln>
+            </p:spPr>
+            <p:style>
+              <a:lnRef idx="2">
+                <a:schemeClr val="accent1">
+                  <a:shade val="50000"/>
+                </a:schemeClr>
+              </a:lnRef>
+              <a:fillRef idx="1">
+                <a:schemeClr val="accent1"/>
+              </a:fillRef>
+              <a:effectRef idx="0">
+                <a:schemeClr val="accent1"/>
+              </a:effectRef>
+              <a:fontRef idx="minor">
+                <a:schemeClr val="lt1"/>
+              </a:fontRef>
+            </p:style>
+            <p:txBody>
+              <a:bodyPr rtlCol="0" anchor="t"/>
+              <a:lstStyle/>
+              <a:p>
+                <a:pPr algn="ctr"/>
+                <a:r>
+                  <a:rPr lang="fr-CA" sz="1200" b="1" dirty="0" smtClean="0">
+                    <a:solidFill>
+                      <a:schemeClr val="tx1"/>
+                    </a:solidFill>
+                  </a:rPr>
+                  <a:t>Voir</a:t>
+                </a:r>
+                <a:endParaRPr lang="fr-CA" sz="1200" b="1" dirty="0">
+                  <a:solidFill>
+                    <a:schemeClr val="tx1"/>
+                  </a:solidFill>
+                </a:endParaRPr>
+              </a:p>
+              <a:p>
+                <a:pPr algn="ctr"/>
+                <a:endParaRPr lang="fr-CA" dirty="0">
+                  <a:solidFill>
+                    <a:schemeClr val="tx1"/>
+                  </a:solidFill>
+                </a:endParaRPr>
+              </a:p>
+            </p:txBody>
+          </p:sp>
+        </p:grpSp>
+        <p:sp>
+          <p:nvSpPr>
+            <p:cNvPr id="60" name="Rectangle 59"/>
+            <p:cNvSpPr/>
+            <p:nvPr/>
+          </p:nvSpPr>
+          <p:spPr>
+            <a:xfrm>
+              <a:off x="7242220" y="2259751"/>
+              <a:ext cx="781050" cy="381000"/>
+            </a:xfrm>
+            <a:prstGeom prst="rect">
+              <a:avLst/>
+            </a:prstGeom>
+            <a:solidFill>
+              <a:schemeClr val="bg1"/>
+            </a:solidFill>
+            <a:ln>
+              <a:solidFill>
+                <a:schemeClr val="bg1"/>
+              </a:solidFill>
+            </a:ln>
+          </p:spPr>
+          <p:style>
+            <a:lnRef idx="2">
+              <a:schemeClr val="accent1">
+                <a:shade val="50000"/>
+              </a:schemeClr>
+            </a:lnRef>
+            <a:fillRef idx="1">
+              <a:schemeClr val="accent1"/>
+            </a:fillRef>
+            <a:effectRef idx="0">
+              <a:schemeClr val="accent1"/>
+            </a:effectRef>
+            <a:fontRef idx="minor">
+              <a:schemeClr val="lt1"/>
+            </a:fontRef>
+          </p:style>
+          <p:txBody>
+            <a:bodyPr rtlCol="0" anchor="ctr"/>
+            <a:lstStyle/>
+            <a:p>
+              <a:pPr algn="ctr"/>
+              <a:r>
+                <a:rPr lang="fr-CA" sz="1200" dirty="0" smtClean="0">
+                  <a:solidFill>
+                    <a:schemeClr val="tx1"/>
+                  </a:solidFill>
+                </a:rPr>
+                <a:t>Jour</a:t>
+              </a:r>
+              <a:endParaRPr lang="fr-CA" dirty="0">
+                <a:solidFill>
+                  <a:schemeClr val="tx1"/>
+                </a:solidFill>
+              </a:endParaRPr>
+            </a:p>
+          </p:txBody>
+        </p:sp>
+        <p:sp>
+          <p:nvSpPr>
+            <p:cNvPr id="61" name="Rectangle 60"/>
+            <p:cNvSpPr/>
+            <p:nvPr/>
+          </p:nvSpPr>
+          <p:spPr>
+            <a:xfrm>
+              <a:off x="7342232" y="3526361"/>
+              <a:ext cx="581026" cy="478692"/>
+            </a:xfrm>
+            <a:prstGeom prst="rect">
+              <a:avLst/>
+            </a:prstGeom>
+            <a:solidFill>
+              <a:schemeClr val="bg1"/>
+            </a:solidFill>
+            <a:ln>
+              <a:solidFill>
+                <a:schemeClr val="bg1"/>
+              </a:solidFill>
+            </a:ln>
+          </p:spPr>
+          <p:style>
+            <a:lnRef idx="2">
+              <a:schemeClr val="accent1">
+                <a:shade val="50000"/>
+              </a:schemeClr>
+            </a:lnRef>
+            <a:fillRef idx="1">
+              <a:schemeClr val="accent1"/>
+            </a:fillRef>
+            <a:effectRef idx="0">
+              <a:schemeClr val="accent1"/>
+            </a:effectRef>
+            <a:fontRef idx="minor">
+              <a:schemeClr val="lt1"/>
+            </a:fontRef>
+          </p:style>
+          <p:txBody>
+            <a:bodyPr rtlCol="0" anchor="ctr"/>
+            <a:lstStyle/>
+            <a:p>
+              <a:pPr algn="ctr"/>
+              <a:r>
+                <a:rPr lang="fr-CA" sz="1200" dirty="0" smtClean="0">
+                  <a:solidFill>
+                    <a:schemeClr val="tx1"/>
+                  </a:solidFill>
+                </a:rPr>
+                <a:t>Tous</a:t>
+              </a:r>
+              <a:endParaRPr lang="fr-CA" dirty="0">
+                <a:solidFill>
+                  <a:schemeClr val="tx1"/>
+                </a:solidFill>
+              </a:endParaRPr>
+            </a:p>
+          </p:txBody>
+        </p:sp>
+        <p:sp>
+          <p:nvSpPr>
+            <p:cNvPr id="62" name="Rectangle 61"/>
+            <p:cNvSpPr/>
+            <p:nvPr/>
+          </p:nvSpPr>
+          <p:spPr>
+            <a:xfrm>
+              <a:off x="7242220" y="2795593"/>
+              <a:ext cx="781050" cy="381000"/>
+            </a:xfrm>
+            <a:prstGeom prst="rect">
+              <a:avLst/>
+            </a:prstGeom>
+            <a:solidFill>
+              <a:schemeClr val="bg1"/>
+            </a:solidFill>
+            <a:ln>
+              <a:solidFill>
+                <a:schemeClr val="bg1"/>
+              </a:solidFill>
+            </a:ln>
+          </p:spPr>
+          <p:style>
+            <a:lnRef idx="2">
+              <a:schemeClr val="accent1">
+                <a:shade val="50000"/>
+              </a:schemeClr>
+            </a:lnRef>
+            <a:fillRef idx="1">
+              <a:schemeClr val="accent1"/>
+            </a:fillRef>
+            <a:effectRef idx="0">
+              <a:schemeClr val="accent1"/>
+            </a:effectRef>
+            <a:fontRef idx="minor">
+              <a:schemeClr val="lt1"/>
+            </a:fontRef>
+          </p:style>
+          <p:txBody>
+            <a:bodyPr rtlCol="0" anchor="ctr"/>
+            <a:lstStyle/>
+            <a:p>
+              <a:pPr algn="ctr"/>
+              <a:r>
+                <a:rPr lang="fr-CA" sz="1200" dirty="0" smtClean="0">
+                  <a:solidFill>
+                    <a:schemeClr val="tx1"/>
+                  </a:solidFill>
+                </a:rPr>
+                <a:t>Nuit</a:t>
+              </a:r>
+              <a:endParaRPr lang="fr-CA" dirty="0">
+                <a:solidFill>
+                  <a:schemeClr val="tx1"/>
+                </a:solidFill>
+              </a:endParaRPr>
+            </a:p>
+          </p:txBody>
+        </p:sp>
+      </p:grpSp>
+      <p:pic>
+        <p:nvPicPr>
+          <p:cNvPr id="7" name="Image 6"/>
+          <p:cNvPicPr>
+            <a:picLocks noChangeAspect="1"/>
+          </p:cNvPicPr>
+          <p:nvPr/>
+        </p:nvPicPr>
+        <p:blipFill>
+          <a:blip r:embed="rId17"/>
+          <a:stretch>
+            <a:fillRect/>
+          </a:stretch>
+        </p:blipFill>
+        <p:spPr>
+          <a:xfrm>
+            <a:off x="10992306" y="750119"/>
+            <a:ext cx="458036" cy="444759"/>
+          </a:xfrm>
+          <a:prstGeom prst="rect">
+            <a:avLst/>
+          </a:prstGeom>
+        </p:spPr>
+      </p:pic>
+      <p:pic>
+        <p:nvPicPr>
+          <p:cNvPr id="66" name="Image 65"/>
+          <p:cNvPicPr>
+            <a:picLocks noChangeAspect="1"/>
+          </p:cNvPicPr>
+          <p:nvPr/>
+        </p:nvPicPr>
+        <p:blipFill>
+          <a:blip r:embed="rId18"/>
+          <a:stretch>
+            <a:fillRect/>
+          </a:stretch>
+        </p:blipFill>
+        <p:spPr>
+          <a:xfrm>
+            <a:off x="4614854" y="6215343"/>
+            <a:ext cx="1790950" cy="362001"/>
+          </a:xfrm>
+          <a:prstGeom prst="rect">
+            <a:avLst/>
+          </a:prstGeom>
+        </p:spPr>
+      </p:pic>
+      <p:sp>
+        <p:nvSpPr>
+          <p:cNvPr id="74" name="ZoneTexte 73"/>
           <p:cNvSpPr txBox="1"/>
           <p:nvPr/>
         </p:nvSpPr>
         <p:spPr>
           <a:xfrm>
-            <a:off x="3887218" y="1376841"/>
-            <a:ext cx="656706" cy="338554"/>
+            <a:off x="16932" y="567706"/>
+            <a:ext cx="2241319" cy="246221"/>
           </a:xfrm>
           <a:prstGeom prst="rect">
             <a:avLst/>
@@ -6288,374 +7275,16 @@
           <a:noFill/>
         </p:spPr>
         <p:txBody>
-          <a:bodyPr wrap="square" rtlCol="0">
+          <a:bodyPr wrap="none" rtlCol="0">
             <a:spAutoFit/>
           </a:bodyPr>
           <a:lstStyle/>
           <a:p>
             <a:r>
-              <a:rPr lang="fr-CA" sz="1600" dirty="0" smtClean="0">
-                <a:solidFill>
-                  <a:schemeClr val="bg1">
-                    <a:lumMod val="75000"/>
-                  </a:schemeClr>
-                </a:solidFill>
-              </a:rPr>
-              <a:t>Titre</a:t>
-            </a:r>
-            <a:endParaRPr lang="fr-CA" sz="1600" dirty="0">
-              <a:solidFill>
-                <a:schemeClr val="bg1">
-                  <a:lumMod val="75000"/>
-                </a:schemeClr>
-              </a:solidFill>
-            </a:endParaRPr>
-          </a:p>
-        </p:txBody>
-      </p:sp>
-      <p:sp>
-        <p:nvSpPr>
-          <p:cNvPr id="108" name="ZoneTexte 107"/>
-          <p:cNvSpPr txBox="1"/>
-          <p:nvPr/>
-        </p:nvSpPr>
-        <p:spPr>
-          <a:xfrm>
-            <a:off x="3599184" y="1846812"/>
-            <a:ext cx="1232772" cy="338554"/>
-          </a:xfrm>
-          <a:prstGeom prst="rect">
-            <a:avLst/>
-          </a:prstGeom>
-          <a:noFill/>
-        </p:spPr>
-        <p:txBody>
-          <a:bodyPr wrap="square" rtlCol="0">
-            <a:spAutoFit/>
-          </a:bodyPr>
-          <a:lstStyle/>
-          <a:p>
-            <a:r>
-              <a:rPr lang="fr-CA" sz="1600" dirty="0" smtClean="0">
-                <a:solidFill>
-                  <a:schemeClr val="bg1">
-                    <a:lumMod val="75000"/>
-                  </a:schemeClr>
-                </a:solidFill>
-              </a:rPr>
-              <a:t>Description</a:t>
-            </a:r>
-            <a:endParaRPr lang="fr-CA" sz="1600" dirty="0">
-              <a:solidFill>
-                <a:schemeClr val="bg1">
-                  <a:lumMod val="75000"/>
-                </a:schemeClr>
-              </a:solidFill>
-            </a:endParaRPr>
-          </a:p>
-        </p:txBody>
-      </p:sp>
-      <p:sp>
-        <p:nvSpPr>
-          <p:cNvPr id="109" name="ZoneTexte 108"/>
-          <p:cNvSpPr txBox="1"/>
-          <p:nvPr/>
-        </p:nvSpPr>
-        <p:spPr>
-          <a:xfrm>
-            <a:off x="3467425" y="2295260"/>
-            <a:ext cx="1511898" cy="338554"/>
-          </a:xfrm>
-          <a:prstGeom prst="rect">
-            <a:avLst/>
-          </a:prstGeom>
-          <a:noFill/>
-        </p:spPr>
-        <p:txBody>
-          <a:bodyPr wrap="square" rtlCol="0">
-            <a:spAutoFit/>
-          </a:bodyPr>
-          <a:lstStyle/>
-          <a:p>
-            <a:r>
-              <a:rPr lang="fr-CA" sz="1600" dirty="0" smtClean="0">
-                <a:solidFill>
-                  <a:schemeClr val="bg1">
-                    <a:lumMod val="75000"/>
-                  </a:schemeClr>
-                </a:solidFill>
-              </a:rPr>
-              <a:t>Numéro civique</a:t>
-            </a:r>
-            <a:endParaRPr lang="fr-CA" sz="1600" dirty="0">
-              <a:solidFill>
-                <a:schemeClr val="bg1">
-                  <a:lumMod val="75000"/>
-                </a:schemeClr>
-              </a:solidFill>
-            </a:endParaRPr>
-          </a:p>
-        </p:txBody>
-      </p:sp>
-      <p:sp>
-        <p:nvSpPr>
-          <p:cNvPr id="110" name="ZoneTexte 109"/>
-          <p:cNvSpPr txBox="1"/>
-          <p:nvPr/>
-        </p:nvSpPr>
-        <p:spPr>
-          <a:xfrm>
-            <a:off x="3849811" y="2692280"/>
-            <a:ext cx="656706" cy="338554"/>
-          </a:xfrm>
-          <a:prstGeom prst="rect">
-            <a:avLst/>
-          </a:prstGeom>
-          <a:noFill/>
-        </p:spPr>
-        <p:txBody>
-          <a:bodyPr wrap="square" rtlCol="0">
-            <a:spAutoFit/>
-          </a:bodyPr>
-          <a:lstStyle/>
-          <a:p>
-            <a:r>
-              <a:rPr lang="fr-CA" sz="1600" dirty="0" smtClean="0">
-                <a:solidFill>
-                  <a:schemeClr val="bg1">
-                    <a:lumMod val="75000"/>
-                  </a:schemeClr>
-                </a:solidFill>
-              </a:rPr>
-              <a:t>Rue</a:t>
-            </a:r>
-            <a:endParaRPr lang="fr-CA" sz="1600" dirty="0">
-              <a:solidFill>
-                <a:schemeClr val="bg1">
-                  <a:lumMod val="75000"/>
-                </a:schemeClr>
-              </a:solidFill>
-            </a:endParaRPr>
-          </a:p>
-        </p:txBody>
-      </p:sp>
-      <p:sp>
-        <p:nvSpPr>
-          <p:cNvPr id="111" name="ZoneTexte 110"/>
-          <p:cNvSpPr txBox="1"/>
-          <p:nvPr/>
-        </p:nvSpPr>
-        <p:spPr>
-          <a:xfrm>
-            <a:off x="3544375" y="3174974"/>
-            <a:ext cx="1434948" cy="338554"/>
-          </a:xfrm>
-          <a:prstGeom prst="rect">
-            <a:avLst/>
-          </a:prstGeom>
-          <a:noFill/>
-        </p:spPr>
-        <p:txBody>
-          <a:bodyPr wrap="square" rtlCol="0">
-            <a:spAutoFit/>
-          </a:bodyPr>
-          <a:lstStyle/>
-          <a:p>
-            <a:r>
-              <a:rPr lang="fr-CA" sz="1600" dirty="0" smtClean="0">
-                <a:solidFill>
-                  <a:schemeClr val="bg1">
-                    <a:lumMod val="75000"/>
-                  </a:schemeClr>
-                </a:solidFill>
-              </a:rPr>
-              <a:t>Code postal</a:t>
-            </a:r>
-            <a:endParaRPr lang="fr-CA" sz="1600" dirty="0">
-              <a:solidFill>
-                <a:schemeClr val="bg1">
-                  <a:lumMod val="75000"/>
-                </a:schemeClr>
-              </a:solidFill>
-            </a:endParaRPr>
-          </a:p>
-        </p:txBody>
-      </p:sp>
-      <p:sp>
-        <p:nvSpPr>
-          <p:cNvPr id="112" name="ZoneTexte 111"/>
-          <p:cNvSpPr txBox="1"/>
-          <p:nvPr/>
-        </p:nvSpPr>
-        <p:spPr>
-          <a:xfrm>
-            <a:off x="3852872" y="3681057"/>
-            <a:ext cx="656706" cy="338554"/>
-          </a:xfrm>
-          <a:prstGeom prst="rect">
-            <a:avLst/>
-          </a:prstGeom>
-          <a:noFill/>
-        </p:spPr>
-        <p:txBody>
-          <a:bodyPr wrap="square" rtlCol="0">
-            <a:spAutoFit/>
-          </a:bodyPr>
-          <a:lstStyle/>
-          <a:p>
-            <a:r>
-              <a:rPr lang="fr-CA" sz="1600" dirty="0" smtClean="0">
-                <a:solidFill>
-                  <a:schemeClr val="bg1">
-                    <a:lumMod val="75000"/>
-                  </a:schemeClr>
-                </a:solidFill>
-              </a:rPr>
-              <a:t>Ville</a:t>
-            </a:r>
-            <a:endParaRPr lang="fr-CA" sz="1600" dirty="0">
-              <a:solidFill>
-                <a:schemeClr val="bg1">
-                  <a:lumMod val="75000"/>
-                </a:schemeClr>
-              </a:solidFill>
-            </a:endParaRPr>
-          </a:p>
-        </p:txBody>
-      </p:sp>
-      <p:sp>
-        <p:nvSpPr>
-          <p:cNvPr id="113" name="ZoneTexte 112"/>
-          <p:cNvSpPr txBox="1"/>
-          <p:nvPr/>
-        </p:nvSpPr>
-        <p:spPr>
-          <a:xfrm>
-            <a:off x="3665912" y="4206848"/>
-            <a:ext cx="1060923" cy="338554"/>
-          </a:xfrm>
-          <a:prstGeom prst="rect">
-            <a:avLst/>
-          </a:prstGeom>
-          <a:noFill/>
-        </p:spPr>
-        <p:txBody>
-          <a:bodyPr wrap="square" rtlCol="0">
-            <a:spAutoFit/>
-          </a:bodyPr>
-          <a:lstStyle/>
-          <a:p>
-            <a:r>
-              <a:rPr lang="fr-CA" sz="1600" dirty="0" smtClean="0">
-                <a:solidFill>
-                  <a:schemeClr val="bg1">
-                    <a:lumMod val="75000"/>
-                  </a:schemeClr>
-                </a:solidFill>
-              </a:rPr>
-              <a:t>P</a:t>
-            </a:r>
-            <a:r>
-              <a:rPr lang="fr-CA" sz="1600" dirty="0" smtClean="0">
-                <a:solidFill>
-                  <a:schemeClr val="bg1">
-                    <a:lumMod val="75000"/>
-                  </a:schemeClr>
-                </a:solidFill>
-              </a:rPr>
-              <a:t>rovince</a:t>
-            </a:r>
-            <a:endParaRPr lang="fr-CA" sz="1600" dirty="0">
-              <a:solidFill>
-                <a:schemeClr val="bg1">
-                  <a:lumMod val="75000"/>
-                </a:schemeClr>
-              </a:solidFill>
-            </a:endParaRPr>
-          </a:p>
-        </p:txBody>
-      </p:sp>
-      <p:sp>
-        <p:nvSpPr>
-          <p:cNvPr id="114" name="ZoneTexte 113"/>
-          <p:cNvSpPr txBox="1"/>
-          <p:nvPr/>
-        </p:nvSpPr>
-        <p:spPr>
-          <a:xfrm>
-            <a:off x="3814665" y="4762589"/>
-            <a:ext cx="656706" cy="338554"/>
-          </a:xfrm>
-          <a:prstGeom prst="rect">
-            <a:avLst/>
-          </a:prstGeom>
-          <a:noFill/>
-        </p:spPr>
-        <p:txBody>
-          <a:bodyPr wrap="square" rtlCol="0">
-            <a:spAutoFit/>
-          </a:bodyPr>
-          <a:lstStyle/>
-          <a:p>
-            <a:r>
-              <a:rPr lang="fr-CA" sz="1600" dirty="0" smtClean="0">
-                <a:solidFill>
-                  <a:schemeClr val="bg1">
-                    <a:lumMod val="75000"/>
-                  </a:schemeClr>
-                </a:solidFill>
-              </a:rPr>
-              <a:t>Pays</a:t>
-            </a:r>
-            <a:endParaRPr lang="fr-CA" sz="1600" dirty="0">
-              <a:solidFill>
-                <a:schemeClr val="bg1">
-                  <a:lumMod val="75000"/>
-                </a:schemeClr>
-              </a:solidFill>
-            </a:endParaRPr>
-          </a:p>
-        </p:txBody>
-      </p:sp>
-      <p:sp>
-        <p:nvSpPr>
-          <p:cNvPr id="115" name="ZoneTexte 114"/>
-          <p:cNvSpPr txBox="1"/>
-          <p:nvPr/>
-        </p:nvSpPr>
-        <p:spPr>
-          <a:xfrm>
-            <a:off x="3337484" y="5279901"/>
-            <a:ext cx="1824720" cy="338554"/>
-          </a:xfrm>
-          <a:prstGeom prst="rect">
-            <a:avLst/>
-          </a:prstGeom>
-          <a:noFill/>
-        </p:spPr>
-        <p:txBody>
-          <a:bodyPr wrap="square" rtlCol="0">
-            <a:spAutoFit/>
-          </a:bodyPr>
-          <a:lstStyle/>
-          <a:p>
-            <a:r>
-              <a:rPr lang="fr-CA" sz="1600" dirty="0" smtClean="0">
-                <a:solidFill>
-                  <a:schemeClr val="bg1">
-                    <a:lumMod val="75000"/>
-                  </a:schemeClr>
-                </a:solidFill>
-              </a:rPr>
-              <a:t># de téléphone</a:t>
-            </a:r>
-            <a:endParaRPr lang="fr-CA" sz="1600" dirty="0">
-              <a:solidFill>
-                <a:schemeClr val="bg1">
-                  <a:lumMod val="75000"/>
-                </a:schemeClr>
-              </a:solidFill>
-            </a:endParaRPr>
+              <a:rPr lang="fr-CA" sz="1000" dirty="0" smtClean="0"/>
+              <a:t>Visible seulement par le coordonnateur</a:t>
+            </a:r>
+            <a:endParaRPr lang="fr-CA" sz="1000" dirty="0"/>
           </a:p>
         </p:txBody>
       </p:sp>
@@ -6799,75 +7428,6 @@
       </p:grpSp>
       <p:pic>
         <p:nvPicPr>
-          <p:cNvPr id="26" name="Image 25"/>
-          <p:cNvPicPr>
-            <a:picLocks noChangeAspect="1"/>
-          </p:cNvPicPr>
-          <p:nvPr/>
-        </p:nvPicPr>
-        <p:blipFill rotWithShape="1">
-          <a:blip r:embed="rId6">
-            <a:duotone>
-              <a:schemeClr val="accent2">
-                <a:shade val="45000"/>
-                <a:satMod val="135000"/>
-              </a:schemeClr>
-              <a:prstClr val="white"/>
-            </a:duotone>
-          </a:blip>
-          <a:srcRect l="1" r="12859"/>
-          <a:stretch/>
-        </p:blipFill>
-        <p:spPr>
-          <a:xfrm>
-            <a:off x="4157363" y="614910"/>
-            <a:ext cx="722207" cy="590632"/>
-          </a:xfrm>
-          <a:prstGeom prst="rect">
-            <a:avLst/>
-          </a:prstGeom>
-        </p:spPr>
-      </p:pic>
-      <p:sp>
-        <p:nvSpPr>
-          <p:cNvPr id="27" name="ZoneTexte 26"/>
-          <p:cNvSpPr txBox="1"/>
-          <p:nvPr/>
-        </p:nvSpPr>
-        <p:spPr>
-          <a:xfrm>
-            <a:off x="4754880" y="711398"/>
-            <a:ext cx="2734887" cy="369332"/>
-          </a:xfrm>
-          <a:prstGeom prst="rect">
-            <a:avLst/>
-          </a:prstGeom>
-          <a:noFill/>
-        </p:spPr>
-        <p:txBody>
-          <a:bodyPr wrap="square" rtlCol="0">
-            <a:spAutoFit/>
-          </a:bodyPr>
-          <a:lstStyle/>
-          <a:p>
-            <a:r>
-              <a:rPr lang="fr-CA" dirty="0" smtClean="0">
-                <a:solidFill>
-                  <a:srgbClr val="036AB1"/>
-                </a:solidFill>
-              </a:rPr>
-              <a:t>Ajouter un stage</a:t>
-            </a:r>
-            <a:endParaRPr lang="fr-CA" dirty="0">
-              <a:solidFill>
-                <a:srgbClr val="036AB1"/>
-              </a:solidFill>
-            </a:endParaRPr>
-          </a:p>
-        </p:txBody>
-      </p:sp>
-      <p:pic>
-        <p:nvPicPr>
           <p:cNvPr id="28" name="Image 27"/>
           <p:cNvPicPr>
             <a:picLocks noChangeAspect="1"/>
@@ -6875,7 +7435,7 @@
           <p:nvPr/>
         </p:nvPicPr>
         <p:blipFill>
-          <a:blip r:embed="rId7"/>
+          <a:blip r:embed="rId6"/>
           <a:stretch>
             <a:fillRect/>
           </a:stretch>
@@ -6892,519 +7452,14 @@
       </p:pic>
       <p:pic>
         <p:nvPicPr>
-          <p:cNvPr id="42" name="Image 41"/>
-          <p:cNvPicPr>
-            <a:picLocks noChangeAspect="1"/>
-          </p:cNvPicPr>
-          <p:nvPr/>
-        </p:nvPicPr>
-        <p:blipFill rotWithShape="1">
-          <a:blip r:embed="rId8"/>
-          <a:srcRect l="53265" t="60683" r="5958" b="30747"/>
-          <a:stretch/>
-        </p:blipFill>
-        <p:spPr>
-          <a:xfrm flipV="1">
-            <a:off x="4538750" y="1137700"/>
-            <a:ext cx="3042458" cy="55407"/>
-          </a:xfrm>
-          <a:prstGeom prst="rect">
-            <a:avLst/>
-          </a:prstGeom>
-        </p:spPr>
-      </p:pic>
-      <p:sp>
-        <p:nvSpPr>
-          <p:cNvPr id="44" name="ZoneTexte 43"/>
-          <p:cNvSpPr txBox="1"/>
-          <p:nvPr/>
-        </p:nvSpPr>
-        <p:spPr>
-          <a:xfrm>
-            <a:off x="4536631" y="1882812"/>
-            <a:ext cx="656706" cy="338554"/>
-          </a:xfrm>
-          <a:prstGeom prst="rect">
-            <a:avLst/>
-          </a:prstGeom>
-          <a:noFill/>
-        </p:spPr>
-        <p:txBody>
-          <a:bodyPr wrap="square" rtlCol="0">
-            <a:spAutoFit/>
-          </a:bodyPr>
-          <a:lstStyle/>
-          <a:p>
-            <a:r>
-              <a:rPr lang="fr-CA" sz="1600" dirty="0" smtClean="0"/>
-              <a:t>Titre:</a:t>
-            </a:r>
-            <a:endParaRPr lang="fr-CA" sz="1600" dirty="0"/>
-          </a:p>
-        </p:txBody>
-      </p:sp>
-      <p:pic>
-        <p:nvPicPr>
-          <p:cNvPr id="45" name="Image 44"/>
+          <p:cNvPr id="3" name="Image 2"/>
           <p:cNvPicPr>
             <a:picLocks noChangeAspect="1"/>
           </p:cNvPicPr>
           <p:nvPr/>
         </p:nvPicPr>
         <p:blipFill>
-          <a:blip r:embed="rId9"/>
-          <a:stretch>
-            <a:fillRect/>
-          </a:stretch>
-        </p:blipFill>
-        <p:spPr>
-          <a:xfrm>
-            <a:off x="5193337" y="2569385"/>
-            <a:ext cx="1838582" cy="47632"/>
-          </a:xfrm>
-          <a:prstGeom prst="rect">
-            <a:avLst/>
-          </a:prstGeom>
-        </p:spPr>
-      </p:pic>
-      <p:sp>
-        <p:nvSpPr>
-          <p:cNvPr id="47" name="ZoneTexte 46"/>
-          <p:cNvSpPr txBox="1"/>
-          <p:nvPr/>
-        </p:nvSpPr>
-        <p:spPr>
-          <a:xfrm>
-            <a:off x="3990110" y="2290214"/>
-            <a:ext cx="1203228" cy="338554"/>
-          </a:xfrm>
-          <a:prstGeom prst="rect">
-            <a:avLst/>
-          </a:prstGeom>
-          <a:noFill/>
-        </p:spPr>
-        <p:txBody>
-          <a:bodyPr wrap="square" rtlCol="0">
-            <a:spAutoFit/>
-          </a:bodyPr>
-          <a:lstStyle/>
-          <a:p>
-            <a:r>
-              <a:rPr lang="fr-CA" sz="1600" dirty="0" smtClean="0"/>
-              <a:t>Description:</a:t>
-            </a:r>
-            <a:endParaRPr lang="fr-CA" sz="1600" dirty="0"/>
-          </a:p>
-        </p:txBody>
-      </p:sp>
-      <p:sp>
-        <p:nvSpPr>
-          <p:cNvPr id="49" name="ZoneTexte 48"/>
-          <p:cNvSpPr txBox="1"/>
-          <p:nvPr/>
-        </p:nvSpPr>
-        <p:spPr>
-          <a:xfrm>
-            <a:off x="3507972" y="2720522"/>
-            <a:ext cx="1685366" cy="338554"/>
-          </a:xfrm>
-          <a:prstGeom prst="rect">
-            <a:avLst/>
-          </a:prstGeom>
-          <a:noFill/>
-        </p:spPr>
-        <p:txBody>
-          <a:bodyPr wrap="square" rtlCol="0">
-            <a:spAutoFit/>
-          </a:bodyPr>
-          <a:lstStyle/>
-          <a:p>
-            <a:r>
-              <a:rPr lang="fr-CA" sz="1600" dirty="0" smtClean="0"/>
-              <a:t>Nombre de poste:</a:t>
-            </a:r>
-            <a:endParaRPr lang="fr-CA" sz="1600" dirty="0"/>
-          </a:p>
-        </p:txBody>
-      </p:sp>
-      <p:pic>
-        <p:nvPicPr>
-          <p:cNvPr id="50" name="Image 49"/>
-          <p:cNvPicPr>
-            <a:picLocks noChangeAspect="1"/>
-          </p:cNvPicPr>
-          <p:nvPr/>
-        </p:nvPicPr>
-        <p:blipFill>
-          <a:blip r:embed="rId9"/>
-          <a:stretch>
-            <a:fillRect/>
-          </a:stretch>
-        </p:blipFill>
-        <p:spPr>
-          <a:xfrm>
-            <a:off x="5186406" y="3013750"/>
-            <a:ext cx="1838582" cy="47632"/>
-          </a:xfrm>
-          <a:prstGeom prst="rect">
-            <a:avLst/>
-          </a:prstGeom>
-        </p:spPr>
-      </p:pic>
-      <p:pic>
-        <p:nvPicPr>
-          <p:cNvPr id="51" name="Image 50"/>
-          <p:cNvPicPr>
-            <a:picLocks noChangeAspect="1"/>
-          </p:cNvPicPr>
-          <p:nvPr/>
-        </p:nvPicPr>
-        <p:blipFill>
-          <a:blip r:embed="rId9"/>
-          <a:stretch>
-            <a:fillRect/>
-          </a:stretch>
-        </p:blipFill>
-        <p:spPr>
-          <a:xfrm>
-            <a:off x="5176709" y="2125020"/>
-            <a:ext cx="1838582" cy="47632"/>
-          </a:xfrm>
-          <a:prstGeom prst="rect">
-            <a:avLst/>
-          </a:prstGeom>
-        </p:spPr>
-      </p:pic>
-      <p:sp>
-        <p:nvSpPr>
-          <p:cNvPr id="52" name="ZoneTexte 51"/>
-          <p:cNvSpPr txBox="1"/>
-          <p:nvPr/>
-        </p:nvSpPr>
-        <p:spPr>
-          <a:xfrm>
-            <a:off x="4405745" y="3198132"/>
-            <a:ext cx="768846" cy="338554"/>
-          </a:xfrm>
-          <a:prstGeom prst="rect">
-            <a:avLst/>
-          </a:prstGeom>
-          <a:noFill/>
-        </p:spPr>
-        <p:txBody>
-          <a:bodyPr wrap="square" rtlCol="0">
-            <a:spAutoFit/>
-          </a:bodyPr>
-          <a:lstStyle/>
-          <a:p>
-            <a:r>
-              <a:rPr lang="fr-CA" sz="1600" dirty="0" smtClean="0"/>
-              <a:t>Statut:</a:t>
-            </a:r>
-            <a:endParaRPr lang="fr-CA" sz="1600" dirty="0"/>
-          </a:p>
-        </p:txBody>
-      </p:sp>
-      <p:pic>
-        <p:nvPicPr>
-          <p:cNvPr id="53" name="Image 52"/>
-          <p:cNvPicPr>
-            <a:picLocks noChangeAspect="1"/>
-          </p:cNvPicPr>
-          <p:nvPr/>
-        </p:nvPicPr>
-        <p:blipFill>
-          <a:blip r:embed="rId9"/>
-          <a:stretch>
-            <a:fillRect/>
-          </a:stretch>
-        </p:blipFill>
-        <p:spPr>
-          <a:xfrm>
-            <a:off x="5160083" y="3458115"/>
-            <a:ext cx="1838582" cy="47632"/>
-          </a:xfrm>
-          <a:prstGeom prst="rect">
-            <a:avLst/>
-          </a:prstGeom>
-        </p:spPr>
-      </p:pic>
-      <p:pic>
-        <p:nvPicPr>
-          <p:cNvPr id="54" name="Image 53"/>
-          <p:cNvPicPr>
-            <a:picLocks noChangeAspect="1"/>
-          </p:cNvPicPr>
-          <p:nvPr/>
-        </p:nvPicPr>
-        <p:blipFill>
-          <a:blip r:embed="rId9"/>
-          <a:stretch>
-            <a:fillRect/>
-          </a:stretch>
-        </p:blipFill>
-        <p:spPr>
-          <a:xfrm>
-            <a:off x="5176709" y="3902480"/>
-            <a:ext cx="1838582" cy="47632"/>
-          </a:xfrm>
-          <a:prstGeom prst="rect">
-            <a:avLst/>
-          </a:prstGeom>
-        </p:spPr>
-      </p:pic>
-      <p:sp>
-        <p:nvSpPr>
-          <p:cNvPr id="55" name="ZoneTexte 54"/>
-          <p:cNvSpPr txBox="1"/>
-          <p:nvPr/>
-        </p:nvSpPr>
-        <p:spPr>
-          <a:xfrm>
-            <a:off x="3441469" y="3633163"/>
-            <a:ext cx="1735894" cy="338554"/>
-          </a:xfrm>
-          <a:prstGeom prst="rect">
-            <a:avLst/>
-          </a:prstGeom>
-          <a:noFill/>
-        </p:spPr>
-        <p:txBody>
-          <a:bodyPr wrap="square" rtlCol="0">
-            <a:spAutoFit/>
-          </a:bodyPr>
-          <a:lstStyle/>
-          <a:p>
-            <a:r>
-              <a:rPr lang="fr-CA" sz="1600" dirty="0" smtClean="0"/>
-              <a:t>Période de travail:</a:t>
-            </a:r>
-            <a:endParaRPr lang="fr-CA" sz="1600" dirty="0"/>
-          </a:p>
-        </p:txBody>
-      </p:sp>
-      <p:pic>
-        <p:nvPicPr>
-          <p:cNvPr id="57" name="Image 56"/>
-          <p:cNvPicPr>
-            <a:picLocks noChangeAspect="1"/>
-          </p:cNvPicPr>
-          <p:nvPr/>
-        </p:nvPicPr>
-        <p:blipFill rotWithShape="1">
-          <a:blip r:embed="rId10"/>
-          <a:srcRect r="10325" b="8565"/>
-          <a:stretch/>
-        </p:blipFill>
-        <p:spPr>
-          <a:xfrm>
-            <a:off x="5161467" y="4346845"/>
-            <a:ext cx="1879412" cy="139367"/>
-          </a:xfrm>
-          <a:prstGeom prst="rect">
-            <a:avLst/>
-          </a:prstGeom>
-        </p:spPr>
-      </p:pic>
-      <p:sp>
-        <p:nvSpPr>
-          <p:cNvPr id="58" name="ZoneTexte 57"/>
-          <p:cNvSpPr txBox="1"/>
-          <p:nvPr/>
-        </p:nvSpPr>
-        <p:spPr>
-          <a:xfrm>
-            <a:off x="2355853" y="4201482"/>
-            <a:ext cx="2818738" cy="338554"/>
-          </a:xfrm>
-          <a:prstGeom prst="rect">
-            <a:avLst/>
-          </a:prstGeom>
-          <a:noFill/>
-        </p:spPr>
-        <p:txBody>
-          <a:bodyPr wrap="square" rtlCol="0">
-            <a:spAutoFit/>
-          </a:bodyPr>
-          <a:lstStyle/>
-          <a:p>
-            <a:r>
-              <a:rPr lang="fr-CA" sz="1600" dirty="0" smtClean="0"/>
-              <a:t>Nombre d’heures par semaine:</a:t>
-            </a:r>
-            <a:endParaRPr lang="fr-CA" sz="1600" dirty="0"/>
-          </a:p>
-        </p:txBody>
-      </p:sp>
-      <p:pic>
-        <p:nvPicPr>
-          <p:cNvPr id="59" name="Image 58"/>
-          <p:cNvPicPr>
-            <a:picLocks noChangeAspect="1"/>
-          </p:cNvPicPr>
-          <p:nvPr/>
-        </p:nvPicPr>
-        <p:blipFill rotWithShape="1">
-          <a:blip r:embed="rId10"/>
-          <a:srcRect r="10325" b="8565"/>
-          <a:stretch/>
-        </p:blipFill>
-        <p:spPr>
-          <a:xfrm>
-            <a:off x="5155925" y="4882945"/>
-            <a:ext cx="1879412" cy="139367"/>
-          </a:xfrm>
-          <a:prstGeom prst="rect">
-            <a:avLst/>
-          </a:prstGeom>
-        </p:spPr>
-      </p:pic>
-      <p:sp>
-        <p:nvSpPr>
-          <p:cNvPr id="60" name="ZoneTexte 59"/>
-          <p:cNvSpPr txBox="1"/>
-          <p:nvPr/>
-        </p:nvSpPr>
-        <p:spPr>
-          <a:xfrm>
-            <a:off x="3937136" y="4735273"/>
-            <a:ext cx="1309176" cy="338554"/>
-          </a:xfrm>
-          <a:prstGeom prst="rect">
-            <a:avLst/>
-          </a:prstGeom>
-          <a:noFill/>
-        </p:spPr>
-        <p:txBody>
-          <a:bodyPr wrap="square" rtlCol="0">
-            <a:spAutoFit/>
-          </a:bodyPr>
-          <a:lstStyle/>
-          <a:p>
-            <a:r>
-              <a:rPr lang="fr-CA" sz="1600" dirty="0" smtClean="0"/>
-              <a:t>Date début:</a:t>
-            </a:r>
-            <a:endParaRPr lang="fr-CA" sz="1600" dirty="0"/>
-          </a:p>
-        </p:txBody>
-      </p:sp>
-      <p:pic>
-        <p:nvPicPr>
-          <p:cNvPr id="62" name="Image 61"/>
-          <p:cNvPicPr>
-            <a:picLocks noChangeAspect="1"/>
-          </p:cNvPicPr>
-          <p:nvPr/>
-        </p:nvPicPr>
-        <p:blipFill rotWithShape="1">
-          <a:blip r:embed="rId10"/>
-          <a:srcRect r="10325" b="8565"/>
-          <a:stretch/>
-        </p:blipFill>
-        <p:spPr>
-          <a:xfrm>
-            <a:off x="5125446" y="5419045"/>
-            <a:ext cx="1879412" cy="139367"/>
-          </a:xfrm>
-          <a:prstGeom prst="rect">
-            <a:avLst/>
-          </a:prstGeom>
-        </p:spPr>
-      </p:pic>
-      <p:sp>
-        <p:nvSpPr>
-          <p:cNvPr id="63" name="ZoneTexte 62"/>
-          <p:cNvSpPr txBox="1"/>
-          <p:nvPr/>
-        </p:nvSpPr>
-        <p:spPr>
-          <a:xfrm>
-            <a:off x="3690851" y="1474682"/>
-            <a:ext cx="1498978" cy="338554"/>
-          </a:xfrm>
-          <a:prstGeom prst="rect">
-            <a:avLst/>
-          </a:prstGeom>
-          <a:noFill/>
-        </p:spPr>
-        <p:txBody>
-          <a:bodyPr wrap="square" rtlCol="0">
-            <a:spAutoFit/>
-          </a:bodyPr>
-          <a:lstStyle/>
-          <a:p>
-            <a:r>
-              <a:rPr lang="fr-CA" sz="1600" dirty="0" smtClean="0"/>
-              <a:t>Milieu de stage:</a:t>
-            </a:r>
-            <a:endParaRPr lang="fr-CA" sz="1600" dirty="0"/>
-          </a:p>
-        </p:txBody>
-      </p:sp>
-      <p:pic>
-        <p:nvPicPr>
-          <p:cNvPr id="64" name="Image 63"/>
-          <p:cNvPicPr>
-            <a:picLocks noChangeAspect="1"/>
-          </p:cNvPicPr>
-          <p:nvPr/>
-        </p:nvPicPr>
-        <p:blipFill rotWithShape="1">
-          <a:blip r:embed="rId10"/>
-          <a:srcRect r="10325" b="8565"/>
-          <a:stretch/>
-        </p:blipFill>
-        <p:spPr>
-          <a:xfrm>
-            <a:off x="5119253" y="1649160"/>
-            <a:ext cx="1879412" cy="139367"/>
-          </a:xfrm>
-          <a:prstGeom prst="rect">
-            <a:avLst/>
-          </a:prstGeom>
-        </p:spPr>
-      </p:pic>
-      <p:sp>
-        <p:nvSpPr>
-          <p:cNvPr id="65" name="ZoneTexte 64"/>
-          <p:cNvSpPr txBox="1"/>
-          <p:nvPr/>
-        </p:nvSpPr>
-        <p:spPr>
-          <a:xfrm>
-            <a:off x="4056611" y="5632023"/>
-            <a:ext cx="1143242" cy="338554"/>
-          </a:xfrm>
-          <a:prstGeom prst="rect">
-            <a:avLst/>
-          </a:prstGeom>
-          <a:noFill/>
-        </p:spPr>
-        <p:txBody>
-          <a:bodyPr wrap="square" rtlCol="0">
-            <a:spAutoFit/>
-          </a:bodyPr>
-          <a:lstStyle/>
-          <a:p>
-            <a:r>
-              <a:rPr lang="fr-CA" sz="1600" dirty="0" smtClean="0"/>
-              <a:t>Disponible:</a:t>
-            </a:r>
-            <a:endParaRPr lang="fr-CA" sz="1600" dirty="0"/>
-          </a:p>
-        </p:txBody>
-      </p:sp>
-      <p:pic>
-        <p:nvPicPr>
-          <p:cNvPr id="3" name="Image 2"/>
-          <p:cNvPicPr>
-            <a:picLocks noChangeAspect="1"/>
-          </p:cNvPicPr>
-          <p:nvPr/>
-        </p:nvPicPr>
-        <p:blipFill>
-          <a:blip r:embed="rId11">
+          <a:blip r:embed="rId7">
             <a:duotone>
               <a:schemeClr val="accent3">
                 <a:shade val="45000"/>
@@ -7420,7 +7475,7 @@
         </p:blipFill>
         <p:spPr>
           <a:xfrm>
-            <a:off x="4338245" y="6243956"/>
+            <a:off x="2358577" y="6122480"/>
             <a:ext cx="1009791" cy="438211"/>
           </a:xfrm>
           <a:prstGeom prst="rect">
@@ -7428,16 +7483,40 @@
           </a:prstGeom>
         </p:spPr>
       </p:pic>
-      <p:sp>
-        <p:nvSpPr>
-          <p:cNvPr id="32" name="ZoneTexte 31"/>
+      <p:pic>
+        <p:nvPicPr>
+          <p:cNvPr id="2" name="Image 1"/>
+          <p:cNvPicPr>
+            <a:picLocks noChangeAspect="1"/>
+          </p:cNvPicPr>
+          <p:nvPr/>
+        </p:nvPicPr>
+        <p:blipFill>
+          <a:blip r:embed="rId8"/>
+          <a:stretch>
+            <a:fillRect/>
+          </a:stretch>
+        </p:blipFill>
+        <p:spPr>
+          <a:xfrm>
+            <a:off x="1711859" y="665836"/>
+            <a:ext cx="733527" cy="514422"/>
+          </a:xfrm>
+          <a:prstGeom prst="rect">
+            <a:avLst/>
+          </a:prstGeom>
+        </p:spPr>
+      </p:pic>
+      <p:sp>
+        <p:nvSpPr>
+          <p:cNvPr id="104" name="ZoneTexte 103"/>
           <p:cNvSpPr txBox="1"/>
           <p:nvPr/>
         </p:nvSpPr>
         <p:spPr>
           <a:xfrm>
-            <a:off x="4254200" y="5228277"/>
-            <a:ext cx="1177879" cy="338554"/>
+            <a:off x="2358577" y="700488"/>
+            <a:ext cx="3549016" cy="369332"/>
           </a:xfrm>
           <a:prstGeom prst="rect">
             <a:avLst/>
@@ -7451,16 +7530,103 @@
           <a:lstStyle/>
           <a:p>
             <a:r>
-              <a:rPr lang="fr-CA" sz="1600" dirty="0" smtClean="0"/>
-              <a:t>Date fin:</a:t>
-            </a:r>
-            <a:endParaRPr lang="fr-CA" sz="1600" dirty="0"/>
-          </a:p>
-        </p:txBody>
-      </p:sp>
-      <p:pic>
-        <p:nvPicPr>
-          <p:cNvPr id="4" name="Image 3"/>
+              <a:rPr lang="fr-CA" dirty="0" smtClean="0">
+                <a:solidFill>
+                  <a:srgbClr val="036AB1"/>
+                </a:solidFill>
+              </a:rPr>
+              <a:t>Milieu de s</a:t>
+            </a:r>
+            <a:r>
+              <a:rPr lang="fr-CA" dirty="0" smtClean="0">
+                <a:solidFill>
+                  <a:srgbClr val="036AB1"/>
+                </a:solidFill>
+              </a:rPr>
+              <a:t>tages disponibles </a:t>
+            </a:r>
+            <a:endParaRPr lang="fr-CA" dirty="0">
+              <a:solidFill>
+                <a:srgbClr val="036AB1"/>
+              </a:solidFill>
+            </a:endParaRPr>
+          </a:p>
+        </p:txBody>
+      </p:sp>
+      <p:pic>
+        <p:nvPicPr>
+          <p:cNvPr id="105" name="Image 104"/>
+          <p:cNvPicPr>
+            <a:picLocks noChangeAspect="1"/>
+          </p:cNvPicPr>
+          <p:nvPr/>
+        </p:nvPicPr>
+        <p:blipFill rotWithShape="1">
+          <a:blip r:embed="rId9"/>
+          <a:srcRect l="53265" t="60683" r="5958" b="30747"/>
+          <a:stretch/>
+        </p:blipFill>
+        <p:spPr>
+          <a:xfrm flipV="1">
+            <a:off x="2288497" y="1126790"/>
+            <a:ext cx="3042458" cy="55407"/>
+          </a:xfrm>
+          <a:prstGeom prst="rect">
+            <a:avLst/>
+          </a:prstGeom>
+        </p:spPr>
+      </p:pic>
+      <p:pic>
+        <p:nvPicPr>
+          <p:cNvPr id="8" name="Image 7"/>
+          <p:cNvPicPr>
+            <a:picLocks noChangeAspect="1"/>
+          </p:cNvPicPr>
+          <p:nvPr/>
+        </p:nvPicPr>
+        <p:blipFill>
+          <a:blip r:embed="rId10"/>
+          <a:stretch>
+            <a:fillRect/>
+          </a:stretch>
+        </p:blipFill>
+        <p:spPr>
+          <a:xfrm>
+            <a:off x="2288496" y="1254934"/>
+            <a:ext cx="6813939" cy="629087"/>
+          </a:xfrm>
+          <a:prstGeom prst="rect">
+            <a:avLst/>
+          </a:prstGeom>
+        </p:spPr>
+      </p:pic>
+      <p:pic>
+        <p:nvPicPr>
+          <p:cNvPr id="10" name="Image 9"/>
+          <p:cNvPicPr>
+            <a:picLocks noChangeAspect="1"/>
+          </p:cNvPicPr>
+          <p:nvPr/>
+        </p:nvPicPr>
+        <p:blipFill>
+          <a:blip r:embed="rId11"/>
+          <a:stretch>
+            <a:fillRect/>
+          </a:stretch>
+        </p:blipFill>
+        <p:spPr>
+          <a:xfrm>
+            <a:off x="2259806" y="1875508"/>
+            <a:ext cx="6842630" cy="654050"/>
+          </a:xfrm>
+          <a:prstGeom prst="rect">
+            <a:avLst/>
+          </a:prstGeom>
+        </p:spPr>
+      </p:pic>
+      <p:pic>
+        <p:nvPicPr>
+          <p:cNvPr id="15" name="Image 14"/>
           <p:cNvPicPr>
             <a:picLocks noChangeAspect="1"/>
           </p:cNvPicPr>
@@ -7474,101 +7640,140 @@
         </p:blipFill>
         <p:spPr>
           <a:xfrm>
-            <a:off x="5348036" y="5654156"/>
-            <a:ext cx="1257475" cy="314369"/>
-          </a:xfrm>
-          <a:prstGeom prst="rect">
-            <a:avLst/>
-          </a:prstGeom>
-        </p:spPr>
-      </p:pic>
-      <p:pic>
-        <p:nvPicPr>
-          <p:cNvPr id="7" name="Image 6"/>
-          <p:cNvPicPr>
-            <a:picLocks noChangeAspect="1"/>
-          </p:cNvPicPr>
-          <p:nvPr/>
-        </p:nvPicPr>
-        <p:blipFill rotWithShape="1">
-          <a:blip r:embed="rId13"/>
-          <a:srcRect t="18093" r="9553"/>
-          <a:stretch/>
-        </p:blipFill>
-        <p:spPr>
-          <a:xfrm>
-            <a:off x="5115015" y="3233653"/>
-            <a:ext cx="1967429" cy="438354"/>
-          </a:xfrm>
-          <a:prstGeom prst="rect">
-            <a:avLst/>
-          </a:prstGeom>
-        </p:spPr>
-      </p:pic>
-      <p:pic>
-        <p:nvPicPr>
-          <p:cNvPr id="36" name="Image 35"/>
-          <p:cNvPicPr>
-            <a:picLocks noChangeAspect="1"/>
-          </p:cNvPicPr>
-          <p:nvPr/>
-        </p:nvPicPr>
-        <p:blipFill rotWithShape="1">
-          <a:blip r:embed="rId13"/>
-          <a:srcRect t="18093" r="9553"/>
-          <a:stretch/>
-        </p:blipFill>
-        <p:spPr>
-          <a:xfrm>
-            <a:off x="5138608" y="3677292"/>
-            <a:ext cx="1967429" cy="438354"/>
-          </a:xfrm>
-          <a:prstGeom prst="rect">
-            <a:avLst/>
-          </a:prstGeom>
-        </p:spPr>
-      </p:pic>
-      <p:pic>
-        <p:nvPicPr>
-          <p:cNvPr id="38" name="Image 37"/>
-          <p:cNvPicPr>
-            <a:picLocks noChangeAspect="1"/>
-          </p:cNvPicPr>
-          <p:nvPr/>
-        </p:nvPicPr>
-        <p:blipFill rotWithShape="1">
-          <a:blip r:embed="rId13"/>
-          <a:srcRect t="18093" r="9553"/>
-          <a:stretch/>
-        </p:blipFill>
-        <p:spPr>
-          <a:xfrm>
-            <a:off x="5125446" y="1475345"/>
-            <a:ext cx="1967429" cy="438354"/>
-          </a:xfrm>
-          <a:prstGeom prst="rect">
-            <a:avLst/>
-          </a:prstGeom>
-        </p:spPr>
-      </p:pic>
+            <a:off x="2518525" y="1324812"/>
+            <a:ext cx="238158" cy="228632"/>
+          </a:xfrm>
+          <a:prstGeom prst="rect">
+            <a:avLst/>
+          </a:prstGeom>
+        </p:spPr>
+      </p:pic>
+      <p:sp>
+        <p:nvSpPr>
+          <p:cNvPr id="17" name="Rectangle 16"/>
+          <p:cNvSpPr/>
+          <p:nvPr/>
+        </p:nvSpPr>
+        <p:spPr>
+          <a:xfrm>
+            <a:off x="2841004" y="1331162"/>
+            <a:ext cx="1310866" cy="199612"/>
+          </a:xfrm>
+          <a:prstGeom prst="rect">
+            <a:avLst/>
+          </a:prstGeom>
+          <a:solidFill>
+            <a:schemeClr val="bg1"/>
+          </a:solidFill>
+          <a:ln>
+            <a:solidFill>
+              <a:schemeClr val="bg1"/>
+            </a:solidFill>
+          </a:ln>
+        </p:spPr>
+        <p:style>
+          <a:lnRef idx="2">
+            <a:schemeClr val="accent1">
+              <a:shade val="50000"/>
+            </a:schemeClr>
+          </a:lnRef>
+          <a:fillRef idx="1">
+            <a:schemeClr val="accent1"/>
+          </a:fillRef>
+          <a:effectRef idx="0">
+            <a:schemeClr val="accent1"/>
+          </a:effectRef>
+          <a:fontRef idx="minor">
+            <a:schemeClr val="lt1"/>
+          </a:fontRef>
+        </p:style>
+        <p:txBody>
+          <a:bodyPr rtlCol="0" anchor="ctr"/>
+          <a:lstStyle/>
+          <a:p>
+            <a:pPr algn="ctr"/>
+            <a:r>
+              <a:rPr lang="fr-CA" sz="800" dirty="0" smtClean="0">
+                <a:solidFill>
+                  <a:sysClr val="windowText" lastClr="000000"/>
+                </a:solidFill>
+              </a:rPr>
+              <a:t>Filtre de recherche</a:t>
+            </a:r>
+            <a:endParaRPr lang="fr-CA" sz="800" dirty="0">
+              <a:solidFill>
+                <a:sysClr val="windowText" lastClr="000000"/>
+              </a:solidFill>
+            </a:endParaRPr>
+          </a:p>
+        </p:txBody>
+      </p:sp>
+      <p:sp>
+        <p:nvSpPr>
+          <p:cNvPr id="18" name="Rectangle 17"/>
+          <p:cNvSpPr/>
+          <p:nvPr/>
+        </p:nvSpPr>
+        <p:spPr>
+          <a:xfrm>
+            <a:off x="2621757" y="1696995"/>
+            <a:ext cx="6115844" cy="642551"/>
+          </a:xfrm>
+          <a:prstGeom prst="rect">
+            <a:avLst/>
+          </a:prstGeom>
+          <a:solidFill>
+            <a:schemeClr val="bg1"/>
+          </a:solidFill>
+          <a:ln>
+            <a:solidFill>
+              <a:schemeClr val="bg1"/>
+            </a:solidFill>
+          </a:ln>
+        </p:spPr>
+        <p:style>
+          <a:lnRef idx="2">
+            <a:schemeClr val="accent1">
+              <a:shade val="50000"/>
+            </a:schemeClr>
+          </a:lnRef>
+          <a:fillRef idx="1">
+            <a:schemeClr val="accent1"/>
+          </a:fillRef>
+          <a:effectRef idx="0">
+            <a:schemeClr val="accent1"/>
+          </a:effectRef>
+          <a:fontRef idx="minor">
+            <a:schemeClr val="lt1"/>
+          </a:fontRef>
+        </p:style>
+        <p:txBody>
+          <a:bodyPr rtlCol="0" anchor="ctr"/>
+          <a:lstStyle/>
+          <a:p>
+            <a:pPr algn="ctr"/>
+            <a:endParaRPr lang="fr-CA"/>
+          </a:p>
+        </p:txBody>
+      </p:sp>
       <p:cxnSp>
         <p:nvCxnSpPr>
-          <p:cNvPr id="10" name="Connecteur droit avec flèche 9"/>
+          <p:cNvPr id="20" name="Connecteur droit avec flèche 19"/>
           <p:cNvCxnSpPr/>
           <p:nvPr/>
         </p:nvCxnSpPr>
         <p:spPr>
-          <a:xfrm flipH="1">
-            <a:off x="7106038" y="4482851"/>
-            <a:ext cx="1552314" cy="321905"/>
+          <a:xfrm flipH="1" flipV="1">
+            <a:off x="9271000" y="2114550"/>
+            <a:ext cx="1196241" cy="486407"/>
           </a:xfrm>
           <a:prstGeom prst="straightConnector1">
             <a:avLst/>
           </a:prstGeom>
           <a:ln>
             <a:solidFill>
-              <a:schemeClr val="bg1">
-                <a:lumMod val="85000"/>
+              <a:schemeClr val="bg2">
+                <a:lumMod val="75000"/>
               </a:schemeClr>
             </a:solidFill>
             <a:tailEnd type="triangle"/>
@@ -7589,146 +7794,317 @@
           </a:fontRef>
         </p:style>
       </p:cxnSp>
-      <p:pic>
-        <p:nvPicPr>
-          <p:cNvPr id="13" name="Image 12"/>
+      <p:sp>
+        <p:nvSpPr>
+          <p:cNvPr id="26" name="ZoneTexte 25"/>
+          <p:cNvSpPr txBox="1"/>
+          <p:nvPr/>
+        </p:nvSpPr>
+        <p:spPr>
+          <a:xfrm>
+            <a:off x="10197841" y="2865834"/>
+            <a:ext cx="1928733" cy="430887"/>
+          </a:xfrm>
+          <a:prstGeom prst="rect">
+            <a:avLst/>
+          </a:prstGeom>
+          <a:noFill/>
+        </p:spPr>
+        <p:txBody>
+          <a:bodyPr wrap="none" rtlCol="0">
+            <a:spAutoFit/>
+          </a:bodyPr>
+          <a:lstStyle/>
+          <a:p>
+            <a:r>
+              <a:rPr lang="fr-CA" sz="1100" dirty="0" smtClean="0"/>
+              <a:t>Peut être agrandi et rapetisser</a:t>
+            </a:r>
+          </a:p>
+          <a:p>
+            <a:r>
+              <a:rPr lang="fr-CA" sz="1100" dirty="0" smtClean="0"/>
+              <a:t>(collapse)</a:t>
+            </a:r>
+            <a:endParaRPr lang="fr-CA" sz="1100" dirty="0"/>
+          </a:p>
+        </p:txBody>
+      </p:sp>
+      <p:pic>
+        <p:nvPicPr>
+          <p:cNvPr id="34" name="Image 33"/>
+          <p:cNvPicPr>
+            <a:picLocks noChangeAspect="1"/>
+          </p:cNvPicPr>
+          <p:nvPr/>
+        </p:nvPicPr>
+        <p:blipFill rotWithShape="1">
+          <a:blip r:embed="rId13"/>
+          <a:srcRect r="16872"/>
+          <a:stretch/>
+        </p:blipFill>
+        <p:spPr>
+          <a:xfrm>
+            <a:off x="2582025" y="1749756"/>
+            <a:ext cx="1726364" cy="419158"/>
+          </a:xfrm>
+          <a:prstGeom prst="rect">
+            <a:avLst/>
+          </a:prstGeom>
+        </p:spPr>
+      </p:pic>
+      <p:pic>
+        <p:nvPicPr>
+          <p:cNvPr id="9" name="Image 8"/>
           <p:cNvPicPr>
             <a:picLocks noChangeAspect="1"/>
           </p:cNvPicPr>
           <p:nvPr/>
         </p:nvPicPr>
         <p:blipFill>
-          <a:blip r:embed="rId14" cstate="print">
-            <a:extLst>
-              <a:ext uri="{28A0092B-C50C-407E-A947-70E740481C1C}">
-                <a14:useLocalDpi xmlns:a14="http://schemas.microsoft.com/office/drawing/2010/main" val="0"/>
-              </a:ext>
-            </a:extLst>
-          </a:blip>
+          <a:blip r:embed="rId14"/>
           <a:stretch>
             <a:fillRect/>
           </a:stretch>
         </p:blipFill>
         <p:spPr>
           <a:xfrm>
-            <a:off x="8677099" y="3059076"/>
-            <a:ext cx="2943657" cy="1640193"/>
-          </a:xfrm>
-          <a:prstGeom prst="rect">
-            <a:avLst/>
-          </a:prstGeom>
-        </p:spPr>
-      </p:pic>
-      <p:cxnSp>
-        <p:nvCxnSpPr>
-          <p:cNvPr id="46" name="Connecteur droit avec flèche 45"/>
-          <p:cNvCxnSpPr/>
-          <p:nvPr/>
-        </p:nvCxnSpPr>
-        <p:spPr>
-          <a:xfrm flipH="1">
-            <a:off x="7082444" y="4692436"/>
-            <a:ext cx="1532313" cy="649341"/>
-          </a:xfrm>
-          <a:prstGeom prst="straightConnector1">
-            <a:avLst/>
-          </a:prstGeom>
+            <a:off x="2358577" y="2445565"/>
+            <a:ext cx="6639852" cy="2543530"/>
+          </a:xfrm>
+          <a:prstGeom prst="rect">
+            <a:avLst/>
+          </a:prstGeom>
+        </p:spPr>
+      </p:pic>
+      <p:pic>
+        <p:nvPicPr>
+          <p:cNvPr id="52" name="Image 51"/>
+          <p:cNvPicPr>
+            <a:picLocks noChangeAspect="1"/>
+          </p:cNvPicPr>
+          <p:nvPr/>
+        </p:nvPicPr>
+        <p:blipFill>
+          <a:blip r:embed="rId15"/>
+          <a:stretch>
+            <a:fillRect/>
+          </a:stretch>
+        </p:blipFill>
+        <p:spPr>
+          <a:xfrm>
+            <a:off x="8518387" y="2960120"/>
+            <a:ext cx="300392" cy="324048"/>
+          </a:xfrm>
+          <a:prstGeom prst="rect">
+            <a:avLst/>
+          </a:prstGeom>
+        </p:spPr>
+      </p:pic>
+      <p:pic>
+        <p:nvPicPr>
+          <p:cNvPr id="53" name="Image 52"/>
+          <p:cNvPicPr>
+            <a:picLocks noChangeAspect="1"/>
+          </p:cNvPicPr>
+          <p:nvPr/>
+        </p:nvPicPr>
+        <p:blipFill>
+          <a:blip r:embed="rId15"/>
+          <a:stretch>
+            <a:fillRect/>
+          </a:stretch>
+        </p:blipFill>
+        <p:spPr>
+          <a:xfrm>
+            <a:off x="8518387" y="3493869"/>
+            <a:ext cx="300392" cy="324048"/>
+          </a:xfrm>
+          <a:prstGeom prst="rect">
+            <a:avLst/>
+          </a:prstGeom>
+        </p:spPr>
+      </p:pic>
+      <p:pic>
+        <p:nvPicPr>
+          <p:cNvPr id="54" name="Image 53"/>
+          <p:cNvPicPr>
+            <a:picLocks noChangeAspect="1"/>
+          </p:cNvPicPr>
+          <p:nvPr/>
+        </p:nvPicPr>
+        <p:blipFill>
+          <a:blip r:embed="rId15"/>
+          <a:stretch>
+            <a:fillRect/>
+          </a:stretch>
+        </p:blipFill>
+        <p:spPr>
+          <a:xfrm>
+            <a:off x="8518387" y="4029905"/>
+            <a:ext cx="300392" cy="324048"/>
+          </a:xfrm>
+          <a:prstGeom prst="rect">
+            <a:avLst/>
+          </a:prstGeom>
+        </p:spPr>
+      </p:pic>
+      <p:sp>
+        <p:nvSpPr>
+          <p:cNvPr id="56" name="Rectangle 55"/>
+          <p:cNvSpPr/>
+          <p:nvPr/>
+        </p:nvSpPr>
+        <p:spPr>
+          <a:xfrm>
+            <a:off x="8895077" y="2865834"/>
+            <a:ext cx="63524" cy="3066696"/>
+          </a:xfrm>
+          <a:prstGeom prst="rect">
+            <a:avLst/>
+          </a:prstGeom>
+          <a:solidFill>
+            <a:schemeClr val="bg2">
+              <a:lumMod val="75000"/>
+            </a:schemeClr>
+          </a:solidFill>
           <a:ln>
             <a:solidFill>
-              <a:schemeClr val="bg1">
-                <a:lumMod val="85000"/>
-              </a:schemeClr>
+              <a:schemeClr val="tx1"/>
             </a:solidFill>
-            <a:tailEnd type="triangle"/>
           </a:ln>
         </p:spPr>
         <p:style>
-          <a:lnRef idx="1">
-            <a:schemeClr val="accent1"/>
+          <a:lnRef idx="2">
+            <a:schemeClr val="accent1">
+              <a:shade val="50000"/>
+            </a:schemeClr>
           </a:lnRef>
-          <a:fillRef idx="0">
+          <a:fillRef idx="1">
             <a:schemeClr val="accent1"/>
           </a:fillRef>
           <a:effectRef idx="0">
             <a:schemeClr val="accent1"/>
           </a:effectRef>
           <a:fontRef idx="minor">
-            <a:schemeClr val="tx1"/>
+            <a:schemeClr val="lt1"/>
           </a:fontRef>
         </p:style>
-      </p:cxnSp>
-      <p:pic>
-        <p:nvPicPr>
-          <p:cNvPr id="6" name="Image 5"/>
+        <p:txBody>
+          <a:bodyPr rtlCol="0" anchor="ctr"/>
+          <a:lstStyle/>
+          <a:p>
+            <a:pPr algn="ctr"/>
+            <a:endParaRPr lang="fr-CA"/>
+          </a:p>
+        </p:txBody>
+      </p:sp>
+      <p:pic>
+        <p:nvPicPr>
+          <p:cNvPr id="12" name="Image 11"/>
           <p:cNvPicPr>
             <a:picLocks noChangeAspect="1"/>
           </p:cNvPicPr>
           <p:nvPr/>
         </p:nvPicPr>
         <p:blipFill>
-          <a:blip r:embed="rId15"/>
+          <a:blip r:embed="rId16"/>
           <a:stretch>
             <a:fillRect/>
           </a:stretch>
         </p:blipFill>
         <p:spPr>
           <a:xfrm>
-            <a:off x="6314206" y="6294017"/>
-            <a:ext cx="1267002" cy="381053"/>
-          </a:xfrm>
-          <a:prstGeom prst="rect">
-            <a:avLst/>
-          </a:prstGeom>
-        </p:spPr>
-      </p:pic>
-      <p:cxnSp>
-        <p:nvCxnSpPr>
-          <p:cNvPr id="39" name="Connecteur droit avec flèche 38"/>
-          <p:cNvCxnSpPr/>
-          <p:nvPr/>
-        </p:nvCxnSpPr>
-        <p:spPr>
-          <a:xfrm flipH="1" flipV="1">
-            <a:off x="7092875" y="2428061"/>
-            <a:ext cx="999002" cy="33251"/>
-          </a:xfrm>
-          <a:prstGeom prst="straightConnector1">
-            <a:avLst/>
-          </a:prstGeom>
-          <a:ln>
-            <a:solidFill>
-              <a:schemeClr val="bg1">
-                <a:lumMod val="85000"/>
-              </a:schemeClr>
-            </a:solidFill>
-            <a:tailEnd type="triangle"/>
-          </a:ln>
-        </p:spPr>
-        <p:style>
-          <a:lnRef idx="1">
-            <a:schemeClr val="accent1"/>
-          </a:lnRef>
-          <a:fillRef idx="0">
-            <a:schemeClr val="accent1"/>
-          </a:fillRef>
-          <a:effectRef idx="0">
-            <a:schemeClr val="accent1"/>
-          </a:effectRef>
-          <a:fontRef idx="minor">
-            <a:schemeClr val="tx1"/>
-          </a:fontRef>
-        </p:style>
-      </p:cxnSp>
-      <p:sp>
-        <p:nvSpPr>
-          <p:cNvPr id="40" name="ZoneTexte 39"/>
+            <a:off x="4679217" y="1718343"/>
+            <a:ext cx="1790950" cy="438211"/>
+          </a:xfrm>
+          <a:prstGeom prst="rect">
+            <a:avLst/>
+          </a:prstGeom>
+        </p:spPr>
+      </p:pic>
+      <p:pic>
+        <p:nvPicPr>
+          <p:cNvPr id="13" name="Image 12"/>
+          <p:cNvPicPr>
+            <a:picLocks noChangeAspect="1"/>
+          </p:cNvPicPr>
+          <p:nvPr/>
+        </p:nvPicPr>
+        <p:blipFill>
+          <a:blip r:embed="rId17"/>
+          <a:stretch>
+            <a:fillRect/>
+          </a:stretch>
+        </p:blipFill>
+        <p:spPr>
+          <a:xfrm>
+            <a:off x="6760768" y="1748264"/>
+            <a:ext cx="1752845" cy="457264"/>
+          </a:xfrm>
+          <a:prstGeom prst="rect">
+            <a:avLst/>
+          </a:prstGeom>
+        </p:spPr>
+      </p:pic>
+      <p:pic>
+        <p:nvPicPr>
+          <p:cNvPr id="14" name="Image 13"/>
+          <p:cNvPicPr>
+            <a:picLocks noChangeAspect="1"/>
+          </p:cNvPicPr>
+          <p:nvPr/>
+        </p:nvPicPr>
+        <p:blipFill>
+          <a:blip r:embed="rId18"/>
+          <a:stretch>
+            <a:fillRect/>
+          </a:stretch>
+        </p:blipFill>
+        <p:spPr>
+          <a:xfrm>
+            <a:off x="4941191" y="6192617"/>
+            <a:ext cx="1267002" cy="362001"/>
+          </a:xfrm>
+          <a:prstGeom prst="rect">
+            <a:avLst/>
+          </a:prstGeom>
+        </p:spPr>
+      </p:pic>
+      <p:pic>
+        <p:nvPicPr>
+          <p:cNvPr id="16" name="Image 15"/>
+          <p:cNvPicPr>
+            <a:picLocks noChangeAspect="1"/>
+          </p:cNvPicPr>
+          <p:nvPr/>
+        </p:nvPicPr>
+        <p:blipFill>
+          <a:blip r:embed="rId19"/>
+          <a:stretch>
+            <a:fillRect/>
+          </a:stretch>
+        </p:blipFill>
+        <p:spPr>
+          <a:xfrm>
+            <a:off x="7781016" y="6127836"/>
+            <a:ext cx="1371791" cy="428685"/>
+          </a:xfrm>
+          <a:prstGeom prst="rect">
+            <a:avLst/>
+          </a:prstGeom>
+        </p:spPr>
+      </p:pic>
+      <p:sp>
+        <p:nvSpPr>
+          <p:cNvPr id="59" name="ZoneTexte 58"/>
           <p:cNvSpPr txBox="1"/>
           <p:nvPr/>
         </p:nvSpPr>
         <p:spPr>
           <a:xfrm>
-            <a:off x="8091877" y="2312089"/>
-            <a:ext cx="670376" cy="246221"/>
+            <a:off x="-1" y="562737"/>
+            <a:ext cx="2241319" cy="246221"/>
           </a:xfrm>
           <a:prstGeom prst="rect">
             <a:avLst/>
@@ -7742,12 +8118,8 @@
           <a:lstStyle/>
           <a:p>
             <a:r>
-              <a:rPr lang="fr-CA" sz="1000" dirty="0" err="1" smtClean="0"/>
-              <a:t>Text</a:t>
-            </a:r>
-            <a:r>
               <a:rPr lang="fr-CA" sz="1000" dirty="0" smtClean="0"/>
-              <a:t> area</a:t>
+              <a:t>Visible seulement par le coordonnateur</a:t>
             </a:r>
             <a:endParaRPr lang="fr-CA" sz="1000" dirty="0"/>
           </a:p>
@@ -7756,7 +8128,7 @@
     </p:spTree>
     <p:extLst>
       <p:ext uri="{BB962C8B-B14F-4D97-AF65-F5344CB8AC3E}">
-        <p14:creationId xmlns:p14="http://schemas.microsoft.com/office/powerpoint/2010/main" val="3664064076"/>
+        <p14:creationId xmlns:p14="http://schemas.microsoft.com/office/powerpoint/2010/main" val="2470633545"/>
       </p:ext>
     </p:extLst>
   </p:cSld>
@@ -7919,15 +8291,7 @@
                   <a:srgbClr val="036AB1"/>
                 </a:solidFill>
               </a:rPr>
-              <a:t>Modifier </a:t>
-            </a:r>
-            <a:r>
-              <a:rPr lang="fr-CA" dirty="0" smtClean="0">
-                <a:solidFill>
-                  <a:srgbClr val="036AB1"/>
-                </a:solidFill>
-              </a:rPr>
-              <a:t>un stage</a:t>
+              <a:t>Ajouter un stage</a:t>
             </a:r>
             <a:endParaRPr lang="fr-CA" dirty="0">
               <a:solidFill>
@@ -8491,7 +8855,7 @@
         </p:blipFill>
         <p:spPr>
           <a:xfrm>
-            <a:off x="3867661" y="6177160"/>
+            <a:off x="4338245" y="6211004"/>
             <a:ext cx="1009791" cy="438211"/>
           </a:xfrm>
           <a:prstGeom prst="rect">
@@ -8730,7 +9094,7 @@
       </p:cxnSp>
       <p:pic>
         <p:nvPicPr>
-          <p:cNvPr id="39" name="Image 38"/>
+          <p:cNvPr id="6" name="Image 5"/>
           <p:cNvPicPr>
             <a:picLocks noChangeAspect="1"/>
           </p:cNvPicPr>
@@ -8744,56 +9108,8 @@
         </p:blipFill>
         <p:spPr>
           <a:xfrm>
-            <a:off x="4913247" y="6234055"/>
-            <a:ext cx="1790950" cy="362001"/>
-          </a:xfrm>
-          <a:prstGeom prst="rect">
-            <a:avLst/>
-          </a:prstGeom>
-        </p:spPr>
-      </p:pic>
-      <p:pic>
-        <p:nvPicPr>
-          <p:cNvPr id="40" name="Image 39"/>
-          <p:cNvPicPr>
-            <a:picLocks noChangeAspect="1"/>
-          </p:cNvPicPr>
-          <p:nvPr/>
-        </p:nvPicPr>
-        <p:blipFill>
-          <a:blip r:embed="rId15"/>
-          <a:stretch>
-            <a:fillRect/>
-          </a:stretch>
-        </p:blipFill>
-        <p:spPr>
-          <a:xfrm>
-            <a:off x="6784909" y="6216588"/>
-            <a:ext cx="1343212" cy="371527"/>
-          </a:xfrm>
-          <a:prstGeom prst="rect">
-            <a:avLst/>
-          </a:prstGeom>
-        </p:spPr>
-      </p:pic>
-      <p:pic>
-        <p:nvPicPr>
-          <p:cNvPr id="2" name="Image 1"/>
-          <p:cNvPicPr>
-            <a:picLocks noChangeAspect="1"/>
-          </p:cNvPicPr>
-          <p:nvPr/>
-        </p:nvPicPr>
-        <p:blipFill>
-          <a:blip r:embed="rId16"/>
-          <a:stretch>
-            <a:fillRect/>
-          </a:stretch>
-        </p:blipFill>
-        <p:spPr>
-          <a:xfrm>
-            <a:off x="4246531" y="582956"/>
-            <a:ext cx="590632" cy="543001"/>
+            <a:off x="6314206" y="6294017"/>
+            <a:ext cx="1267002" cy="381053"/>
           </a:xfrm>
           <a:prstGeom prst="rect">
             <a:avLst/>
@@ -8802,13 +9118,13 @@
       </p:pic>
       <p:cxnSp>
         <p:nvCxnSpPr>
-          <p:cNvPr id="43" name="Connecteur droit avec flèche 42"/>
+          <p:cNvPr id="39" name="Connecteur droit avec flèche 38"/>
           <p:cNvCxnSpPr/>
           <p:nvPr/>
         </p:nvCxnSpPr>
         <p:spPr>
           <a:xfrm flipH="1" flipV="1">
-            <a:off x="7040879" y="2459215"/>
+            <a:off x="7092875" y="2428061"/>
             <a:ext cx="999002" cy="33251"/>
           </a:xfrm>
           <a:prstGeom prst="straightConnector1">
@@ -8840,13 +9156,13 @@
       </p:cxnSp>
       <p:sp>
         <p:nvSpPr>
-          <p:cNvPr id="48" name="ZoneTexte 47"/>
+          <p:cNvPr id="40" name="ZoneTexte 39"/>
           <p:cNvSpPr txBox="1"/>
           <p:nvPr/>
         </p:nvSpPr>
         <p:spPr>
           <a:xfrm>
-            <a:off x="8039881" y="2343243"/>
+            <a:off x="8091877" y="2312089"/>
             <a:ext cx="670376" cy="246221"/>
           </a:xfrm>
           <a:prstGeom prst="rect">
@@ -8872,10 +9188,64 @@
           </a:p>
         </p:txBody>
       </p:sp>
+      <p:pic>
+        <p:nvPicPr>
+          <p:cNvPr id="2" name="Image 1"/>
+          <p:cNvPicPr>
+            <a:picLocks noChangeAspect="1"/>
+          </p:cNvPicPr>
+          <p:nvPr/>
+        </p:nvPicPr>
+        <p:blipFill>
+          <a:blip r:embed="rId15"/>
+          <a:stretch>
+            <a:fillRect/>
+          </a:stretch>
+        </p:blipFill>
+        <p:spPr>
+          <a:xfrm>
+            <a:off x="4254200" y="698356"/>
+            <a:ext cx="419158" cy="419158"/>
+          </a:xfrm>
+          <a:prstGeom prst="rect">
+            <a:avLst/>
+          </a:prstGeom>
+        </p:spPr>
+      </p:pic>
+      <p:sp>
+        <p:nvSpPr>
+          <p:cNvPr id="43" name="ZoneTexte 42"/>
+          <p:cNvSpPr txBox="1"/>
+          <p:nvPr/>
+        </p:nvSpPr>
+        <p:spPr>
+          <a:xfrm>
+            <a:off x="114534" y="567988"/>
+            <a:ext cx="2241319" cy="246221"/>
+          </a:xfrm>
+          <a:prstGeom prst="rect">
+            <a:avLst/>
+          </a:prstGeom>
+          <a:noFill/>
+        </p:spPr>
+        <p:txBody>
+          <a:bodyPr wrap="none" rtlCol="0">
+            <a:spAutoFit/>
+          </a:bodyPr>
+          <a:lstStyle/>
+          <a:p>
+            <a:r>
+              <a:rPr lang="fr-CA" sz="1000" dirty="0" smtClean="0"/>
+              <a:t>Visible seulement par le coordonnateur</a:t>
+            </a:r>
+            <a:endParaRPr lang="fr-CA" sz="1000" dirty="0"/>
+          </a:p>
+        </p:txBody>
+      </p:sp>
     </p:spTree>
     <p:extLst>
       <p:ext uri="{BB962C8B-B14F-4D97-AF65-F5344CB8AC3E}">
-        <p14:creationId xmlns:p14="http://schemas.microsoft.com/office/powerpoint/2010/main" val="1664482130"/>
+        <p14:creationId xmlns:p14="http://schemas.microsoft.com/office/powerpoint/2010/main" val="3664064076"/>
       </p:ext>
     </p:extLst>
   </p:cSld>
@@ -9018,8 +9388,8 @@
         </p:nvSpPr>
         <p:spPr>
           <a:xfrm>
-            <a:off x="3841610" y="674825"/>
-            <a:ext cx="3549016" cy="369332"/>
+            <a:off x="4754880" y="711398"/>
+            <a:ext cx="2734887" cy="369332"/>
           </a:xfrm>
           <a:prstGeom prst="rect">
             <a:avLst/>
@@ -9038,7 +9408,7 @@
                   <a:srgbClr val="036AB1"/>
                 </a:solidFill>
               </a:rPr>
-              <a:t>Visionner un stage</a:t>
+              <a:t>Modifier un stage</a:t>
             </a:r>
             <a:endParaRPr lang="fr-CA" dirty="0">
               <a:solidFill>
@@ -9087,7 +9457,7 @@
         </p:blipFill>
         <p:spPr>
           <a:xfrm flipV="1">
-            <a:off x="3771530" y="1101127"/>
+            <a:off x="4538750" y="1137700"/>
             <a:ext cx="3042458" cy="55407"/>
           </a:xfrm>
           <a:prstGeom prst="rect">
@@ -9103,7 +9473,7 @@
         </p:nvSpPr>
         <p:spPr>
           <a:xfrm>
-            <a:off x="4478442" y="1882812"/>
+            <a:off x="4536631" y="1882812"/>
             <a:ext cx="656706" cy="338554"/>
           </a:xfrm>
           <a:prstGeom prst="rect">
@@ -9141,7 +9511,7 @@
         </p:blipFill>
         <p:spPr>
           <a:xfrm>
-            <a:off x="5135148" y="2569385"/>
+            <a:off x="5193337" y="2569385"/>
             <a:ext cx="1838582" cy="47632"/>
           </a:xfrm>
           <a:prstGeom prst="rect">
@@ -9157,7 +9527,7 @@
         </p:nvSpPr>
         <p:spPr>
           <a:xfrm>
-            <a:off x="3931921" y="2290214"/>
+            <a:off x="3990110" y="2290214"/>
             <a:ext cx="1203228" cy="338554"/>
           </a:xfrm>
           <a:prstGeom prst="rect">
@@ -9187,7 +9557,7 @@
         </p:nvSpPr>
         <p:spPr>
           <a:xfrm>
-            <a:off x="3449783" y="2720522"/>
+            <a:off x="3507972" y="2720522"/>
             <a:ext cx="1685366" cy="338554"/>
           </a:xfrm>
           <a:prstGeom prst="rect">
@@ -9225,7 +9595,7 @@
         </p:blipFill>
         <p:spPr>
           <a:xfrm>
-            <a:off x="5128217" y="3013750"/>
+            <a:off x="5186406" y="3013750"/>
             <a:ext cx="1838582" cy="47632"/>
           </a:xfrm>
           <a:prstGeom prst="rect">
@@ -9249,7 +9619,7 @@
         </p:blipFill>
         <p:spPr>
           <a:xfrm>
-            <a:off x="5118520" y="2125020"/>
+            <a:off x="5176709" y="2125020"/>
             <a:ext cx="1838582" cy="47632"/>
           </a:xfrm>
           <a:prstGeom prst="rect">
@@ -9265,7 +9635,7 @@
         </p:nvSpPr>
         <p:spPr>
           <a:xfrm>
-            <a:off x="4347556" y="3198132"/>
+            <a:off x="4405745" y="3198132"/>
             <a:ext cx="768846" cy="338554"/>
           </a:xfrm>
           <a:prstGeom prst="rect">
@@ -9303,7 +9673,7 @@
         </p:blipFill>
         <p:spPr>
           <a:xfrm>
-            <a:off x="5101894" y="3458115"/>
+            <a:off x="5160083" y="3458115"/>
             <a:ext cx="1838582" cy="47632"/>
           </a:xfrm>
           <a:prstGeom prst="rect">
@@ -9327,7 +9697,7 @@
         </p:blipFill>
         <p:spPr>
           <a:xfrm>
-            <a:off x="5118520" y="3902480"/>
+            <a:off x="5176709" y="3902480"/>
             <a:ext cx="1838582" cy="47632"/>
           </a:xfrm>
           <a:prstGeom prst="rect">
@@ -9343,7 +9713,7 @@
         </p:nvSpPr>
         <p:spPr>
           <a:xfrm>
-            <a:off x="3383280" y="3633163"/>
+            <a:off x="3441469" y="3633163"/>
             <a:ext cx="1735894" cy="338554"/>
           </a:xfrm>
           <a:prstGeom prst="rect">
@@ -9380,7 +9750,7 @@
         </p:blipFill>
         <p:spPr>
           <a:xfrm>
-            <a:off x="5103278" y="4346845"/>
+            <a:off x="5161467" y="4346845"/>
             <a:ext cx="1879412" cy="139367"/>
           </a:xfrm>
           <a:prstGeom prst="rect">
@@ -9396,7 +9766,7 @@
         </p:nvSpPr>
         <p:spPr>
           <a:xfrm>
-            <a:off x="2297664" y="4201482"/>
+            <a:off x="2355853" y="4201482"/>
             <a:ext cx="2818738" cy="338554"/>
           </a:xfrm>
           <a:prstGeom prst="rect">
@@ -9433,7 +9803,7 @@
         </p:blipFill>
         <p:spPr>
           <a:xfrm>
-            <a:off x="5097736" y="4882945"/>
+            <a:off x="5155925" y="4882945"/>
             <a:ext cx="1879412" cy="139367"/>
           </a:xfrm>
           <a:prstGeom prst="rect">
@@ -9449,7 +9819,7 @@
         </p:nvSpPr>
         <p:spPr>
           <a:xfrm>
-            <a:off x="3878947" y="4735273"/>
+            <a:off x="3937136" y="4735273"/>
             <a:ext cx="1309176" cy="338554"/>
           </a:xfrm>
           <a:prstGeom prst="rect">
@@ -9486,7 +9856,7 @@
         </p:blipFill>
         <p:spPr>
           <a:xfrm>
-            <a:off x="5067257" y="5419045"/>
+            <a:off x="5125446" y="5419045"/>
             <a:ext cx="1879412" cy="139367"/>
           </a:xfrm>
           <a:prstGeom prst="rect">
@@ -9502,7 +9872,7 @@
         </p:nvSpPr>
         <p:spPr>
           <a:xfrm>
-            <a:off x="3632662" y="1474682"/>
+            <a:off x="3690851" y="1474682"/>
             <a:ext cx="1498978" cy="338554"/>
           </a:xfrm>
           <a:prstGeom prst="rect">
@@ -9539,7 +9909,7 @@
         </p:blipFill>
         <p:spPr>
           <a:xfrm>
-            <a:off x="5061064" y="1649160"/>
+            <a:off x="5119253" y="1649160"/>
             <a:ext cx="1879412" cy="139367"/>
           </a:xfrm>
           <a:prstGeom prst="rect">
@@ -9555,7 +9925,7 @@
         </p:nvSpPr>
         <p:spPr>
           <a:xfrm>
-            <a:off x="3998422" y="5632023"/>
+            <a:off x="4056611" y="5632023"/>
             <a:ext cx="1143242" cy="338554"/>
           </a:xfrm>
           <a:prstGeom prst="rect">
@@ -9571,11 +9941,7 @@
           <a:p>
             <a:r>
               <a:rPr lang="fr-CA" sz="1600" dirty="0" smtClean="0"/>
-              <a:t>Disponible</a:t>
-            </a:r>
-            <a:r>
-              <a:rPr lang="fr-CA" sz="1600" dirty="0" smtClean="0"/>
-              <a:t>:</a:t>
+              <a:t>Disponible:</a:t>
             </a:r>
             <a:endParaRPr lang="fr-CA" sz="1600" dirty="0"/>
           </a:p>
@@ -9606,7 +9972,7 @@
         </p:blipFill>
         <p:spPr>
           <a:xfrm>
-            <a:off x="3867661" y="6193786"/>
+            <a:off x="4202137" y="6147194"/>
             <a:ext cx="1009791" cy="438211"/>
           </a:xfrm>
           <a:prstGeom prst="rect">
@@ -9622,7 +9988,7 @@
         </p:nvSpPr>
         <p:spPr>
           <a:xfrm>
-            <a:off x="4196011" y="5228277"/>
+            <a:off x="4254200" y="5228277"/>
             <a:ext cx="1177879" cy="338554"/>
           </a:xfrm>
           <a:prstGeom prst="rect">
@@ -9660,7 +10026,7 @@
         </p:blipFill>
         <p:spPr>
           <a:xfrm>
-            <a:off x="5289847" y="5654156"/>
+            <a:off x="5348036" y="5654156"/>
             <a:ext cx="1257475" cy="314369"/>
           </a:xfrm>
           <a:prstGeom prst="rect">
@@ -9670,21 +10036,1084 @@
       </p:pic>
       <p:pic>
         <p:nvPicPr>
-          <p:cNvPr id="8" name="Image 7"/>
+          <p:cNvPr id="7" name="Image 6"/>
+          <p:cNvPicPr>
+            <a:picLocks noChangeAspect="1"/>
+          </p:cNvPicPr>
+          <p:nvPr/>
+        </p:nvPicPr>
+        <p:blipFill rotWithShape="1">
+          <a:blip r:embed="rId12"/>
+          <a:srcRect t="18093" r="9553"/>
+          <a:stretch/>
+        </p:blipFill>
+        <p:spPr>
+          <a:xfrm>
+            <a:off x="5115015" y="3233653"/>
+            <a:ext cx="1967429" cy="438354"/>
+          </a:xfrm>
+          <a:prstGeom prst="rect">
+            <a:avLst/>
+          </a:prstGeom>
+        </p:spPr>
+      </p:pic>
+      <p:pic>
+        <p:nvPicPr>
+          <p:cNvPr id="36" name="Image 35"/>
+          <p:cNvPicPr>
+            <a:picLocks noChangeAspect="1"/>
+          </p:cNvPicPr>
+          <p:nvPr/>
+        </p:nvPicPr>
+        <p:blipFill rotWithShape="1">
+          <a:blip r:embed="rId12"/>
+          <a:srcRect t="18093" r="9553"/>
+          <a:stretch/>
+        </p:blipFill>
+        <p:spPr>
+          <a:xfrm>
+            <a:off x="5138608" y="3677292"/>
+            <a:ext cx="1967429" cy="438354"/>
+          </a:xfrm>
+          <a:prstGeom prst="rect">
+            <a:avLst/>
+          </a:prstGeom>
+        </p:spPr>
+      </p:pic>
+      <p:pic>
+        <p:nvPicPr>
+          <p:cNvPr id="38" name="Image 37"/>
+          <p:cNvPicPr>
+            <a:picLocks noChangeAspect="1"/>
+          </p:cNvPicPr>
+          <p:nvPr/>
+        </p:nvPicPr>
+        <p:blipFill rotWithShape="1">
+          <a:blip r:embed="rId12"/>
+          <a:srcRect t="18093" r="9553"/>
+          <a:stretch/>
+        </p:blipFill>
+        <p:spPr>
+          <a:xfrm>
+            <a:off x="5125446" y="1475345"/>
+            <a:ext cx="1967429" cy="438354"/>
+          </a:xfrm>
+          <a:prstGeom prst="rect">
+            <a:avLst/>
+          </a:prstGeom>
+        </p:spPr>
+      </p:pic>
+      <p:cxnSp>
+        <p:nvCxnSpPr>
+          <p:cNvPr id="10" name="Connecteur droit avec flèche 9"/>
+          <p:cNvCxnSpPr/>
+          <p:nvPr/>
+        </p:nvCxnSpPr>
+        <p:spPr>
+          <a:xfrm flipH="1">
+            <a:off x="7106038" y="4482851"/>
+            <a:ext cx="1552314" cy="321905"/>
+          </a:xfrm>
+          <a:prstGeom prst="straightConnector1">
+            <a:avLst/>
+          </a:prstGeom>
+          <a:ln>
+            <a:solidFill>
+              <a:schemeClr val="bg1">
+                <a:lumMod val="85000"/>
+              </a:schemeClr>
+            </a:solidFill>
+            <a:tailEnd type="triangle"/>
+          </a:ln>
+        </p:spPr>
+        <p:style>
+          <a:lnRef idx="1">
+            <a:schemeClr val="accent1"/>
+          </a:lnRef>
+          <a:fillRef idx="0">
+            <a:schemeClr val="accent1"/>
+          </a:fillRef>
+          <a:effectRef idx="0">
+            <a:schemeClr val="accent1"/>
+          </a:effectRef>
+          <a:fontRef idx="minor">
+            <a:schemeClr val="tx1"/>
+          </a:fontRef>
+        </p:style>
+      </p:cxnSp>
+      <p:pic>
+        <p:nvPicPr>
+          <p:cNvPr id="13" name="Image 12"/>
           <p:cNvPicPr>
             <a:picLocks noChangeAspect="1"/>
           </p:cNvPicPr>
           <p:nvPr/>
         </p:nvPicPr>
         <p:blipFill>
-          <a:blip r:embed="rId12"/>
+          <a:blip r:embed="rId13" cstate="print">
+            <a:extLst>
+              <a:ext uri="{28A0092B-C50C-407E-A947-70E740481C1C}">
+                <a14:useLocalDpi xmlns:a14="http://schemas.microsoft.com/office/drawing/2010/main" val="0"/>
+              </a:ext>
+            </a:extLst>
+          </a:blip>
           <a:stretch>
             <a:fillRect/>
           </a:stretch>
         </p:blipFill>
         <p:spPr>
           <a:xfrm>
-            <a:off x="5730842" y="6258699"/>
+            <a:off x="8677099" y="3059076"/>
+            <a:ext cx="2943657" cy="1640193"/>
+          </a:xfrm>
+          <a:prstGeom prst="rect">
+            <a:avLst/>
+          </a:prstGeom>
+        </p:spPr>
+      </p:pic>
+      <p:cxnSp>
+        <p:nvCxnSpPr>
+          <p:cNvPr id="46" name="Connecteur droit avec flèche 45"/>
+          <p:cNvCxnSpPr/>
+          <p:nvPr/>
+        </p:nvCxnSpPr>
+        <p:spPr>
+          <a:xfrm flipH="1">
+            <a:off x="7082444" y="4692436"/>
+            <a:ext cx="1532313" cy="649341"/>
+          </a:xfrm>
+          <a:prstGeom prst="straightConnector1">
+            <a:avLst/>
+          </a:prstGeom>
+          <a:ln>
+            <a:solidFill>
+              <a:schemeClr val="bg1">
+                <a:lumMod val="85000"/>
+              </a:schemeClr>
+            </a:solidFill>
+            <a:tailEnd type="triangle"/>
+          </a:ln>
+        </p:spPr>
+        <p:style>
+          <a:lnRef idx="1">
+            <a:schemeClr val="accent1"/>
+          </a:lnRef>
+          <a:fillRef idx="0">
+            <a:schemeClr val="accent1"/>
+          </a:fillRef>
+          <a:effectRef idx="0">
+            <a:schemeClr val="accent1"/>
+          </a:effectRef>
+          <a:fontRef idx="minor">
+            <a:schemeClr val="tx1"/>
+          </a:fontRef>
+        </p:style>
+      </p:cxnSp>
+      <p:pic>
+        <p:nvPicPr>
+          <p:cNvPr id="40" name="Image 39"/>
+          <p:cNvPicPr>
+            <a:picLocks noChangeAspect="1"/>
+          </p:cNvPicPr>
+          <p:nvPr/>
+        </p:nvPicPr>
+        <p:blipFill>
+          <a:blip r:embed="rId14"/>
+          <a:stretch>
+            <a:fillRect/>
+          </a:stretch>
+        </p:blipFill>
+        <p:spPr>
+          <a:xfrm>
+            <a:off x="6237996" y="6182941"/>
+            <a:ext cx="1343212" cy="371527"/>
+          </a:xfrm>
+          <a:prstGeom prst="rect">
+            <a:avLst/>
+          </a:prstGeom>
+        </p:spPr>
+      </p:pic>
+      <p:pic>
+        <p:nvPicPr>
+          <p:cNvPr id="2" name="Image 1"/>
+          <p:cNvPicPr>
+            <a:picLocks noChangeAspect="1"/>
+          </p:cNvPicPr>
+          <p:nvPr/>
+        </p:nvPicPr>
+        <p:blipFill>
+          <a:blip r:embed="rId15"/>
+          <a:stretch>
+            <a:fillRect/>
+          </a:stretch>
+        </p:blipFill>
+        <p:spPr>
+          <a:xfrm>
+            <a:off x="4246531" y="582956"/>
+            <a:ext cx="590632" cy="543001"/>
+          </a:xfrm>
+          <a:prstGeom prst="rect">
+            <a:avLst/>
+          </a:prstGeom>
+        </p:spPr>
+      </p:pic>
+      <p:cxnSp>
+        <p:nvCxnSpPr>
+          <p:cNvPr id="43" name="Connecteur droit avec flèche 42"/>
+          <p:cNvCxnSpPr/>
+          <p:nvPr/>
+        </p:nvCxnSpPr>
+        <p:spPr>
+          <a:xfrm flipH="1" flipV="1">
+            <a:off x="7040879" y="2459215"/>
+            <a:ext cx="999002" cy="33251"/>
+          </a:xfrm>
+          <a:prstGeom prst="straightConnector1">
+            <a:avLst/>
+          </a:prstGeom>
+          <a:ln>
+            <a:solidFill>
+              <a:schemeClr val="bg1">
+                <a:lumMod val="85000"/>
+              </a:schemeClr>
+            </a:solidFill>
+            <a:tailEnd type="triangle"/>
+          </a:ln>
+        </p:spPr>
+        <p:style>
+          <a:lnRef idx="1">
+            <a:schemeClr val="accent1"/>
+          </a:lnRef>
+          <a:fillRef idx="0">
+            <a:schemeClr val="accent1"/>
+          </a:fillRef>
+          <a:effectRef idx="0">
+            <a:schemeClr val="accent1"/>
+          </a:effectRef>
+          <a:fontRef idx="minor">
+            <a:schemeClr val="tx1"/>
+          </a:fontRef>
+        </p:style>
+      </p:cxnSp>
+      <p:sp>
+        <p:nvSpPr>
+          <p:cNvPr id="48" name="ZoneTexte 47"/>
+          <p:cNvSpPr txBox="1"/>
+          <p:nvPr/>
+        </p:nvSpPr>
+        <p:spPr>
+          <a:xfrm>
+            <a:off x="8039881" y="2343243"/>
+            <a:ext cx="670376" cy="246221"/>
+          </a:xfrm>
+          <a:prstGeom prst="rect">
+            <a:avLst/>
+          </a:prstGeom>
+          <a:noFill/>
+        </p:spPr>
+        <p:txBody>
+          <a:bodyPr wrap="none" rtlCol="0">
+            <a:spAutoFit/>
+          </a:bodyPr>
+          <a:lstStyle/>
+          <a:p>
+            <a:r>
+              <a:rPr lang="fr-CA" sz="1000" dirty="0" err="1" smtClean="0"/>
+              <a:t>Text</a:t>
+            </a:r>
+            <a:r>
+              <a:rPr lang="fr-CA" sz="1000" dirty="0" smtClean="0"/>
+              <a:t> area</a:t>
+            </a:r>
+            <a:endParaRPr lang="fr-CA" sz="1000" dirty="0"/>
+          </a:p>
+        </p:txBody>
+      </p:sp>
+      <p:sp>
+        <p:nvSpPr>
+          <p:cNvPr id="56" name="ZoneTexte 55"/>
+          <p:cNvSpPr txBox="1"/>
+          <p:nvPr/>
+        </p:nvSpPr>
+        <p:spPr>
+          <a:xfrm>
+            <a:off x="114534" y="588287"/>
+            <a:ext cx="2241319" cy="246221"/>
+          </a:xfrm>
+          <a:prstGeom prst="rect">
+            <a:avLst/>
+          </a:prstGeom>
+          <a:noFill/>
+        </p:spPr>
+        <p:txBody>
+          <a:bodyPr wrap="none" rtlCol="0">
+            <a:spAutoFit/>
+          </a:bodyPr>
+          <a:lstStyle/>
+          <a:p>
+            <a:r>
+              <a:rPr lang="fr-CA" sz="1000" dirty="0" smtClean="0"/>
+              <a:t>Visible seulement par le coordonnateur</a:t>
+            </a:r>
+            <a:endParaRPr lang="fr-CA" sz="1000" dirty="0"/>
+          </a:p>
+        </p:txBody>
+      </p:sp>
+    </p:spTree>
+    <p:extLst>
+      <p:ext uri="{BB962C8B-B14F-4D97-AF65-F5344CB8AC3E}">
+        <p14:creationId xmlns:p14="http://schemas.microsoft.com/office/powerpoint/2010/main" val="1664482130"/>
+      </p:ext>
+    </p:extLst>
+  </p:cSld>
+  <p:clrMapOvr>
+    <a:masterClrMapping/>
+  </p:clrMapOvr>
+</p:sld>
+</file>
+
+<file path=ppt/slides/slide7.xml><?xml version="1.0" encoding="utf-8"?>
+<p:sld xmlns:a="http://schemas.openxmlformats.org/drawingml/2006/main" xmlns:r="http://schemas.openxmlformats.org/officeDocument/2006/relationships" xmlns:p="http://schemas.openxmlformats.org/presentationml/2006/main">
+  <p:cSld>
+    <p:spTree>
+      <p:nvGrpSpPr>
+        <p:cNvPr id="1" name=""/>
+        <p:cNvGrpSpPr/>
+        <p:nvPr/>
+      </p:nvGrpSpPr>
+      <p:grpSpPr>
+        <a:xfrm>
+          <a:off x="0" y="0"/>
+          <a:ext cx="0" cy="0"/>
+          <a:chOff x="0" y="0"/>
+          <a:chExt cx="0" cy="0"/>
+        </a:xfrm>
+      </p:grpSpPr>
+      <p:pic>
+        <p:nvPicPr>
+          <p:cNvPr id="5" name="Image 4"/>
+          <p:cNvPicPr>
+            <a:picLocks noChangeAspect="1"/>
+          </p:cNvPicPr>
+          <p:nvPr/>
+        </p:nvPicPr>
+        <p:blipFill rotWithShape="1">
+          <a:blip r:embed="rId2"/>
+          <a:srcRect b="74442"/>
+          <a:stretch/>
+        </p:blipFill>
+        <p:spPr>
+          <a:xfrm>
+            <a:off x="-1" y="6651466"/>
+            <a:ext cx="12192001" cy="189909"/>
+          </a:xfrm>
+          <a:prstGeom prst="rect">
+            <a:avLst/>
+          </a:prstGeom>
+        </p:spPr>
+      </p:pic>
+      <p:grpSp>
+        <p:nvGrpSpPr>
+          <p:cNvPr id="25" name="Groupe 24"/>
+          <p:cNvGrpSpPr/>
+          <p:nvPr/>
+        </p:nvGrpSpPr>
+        <p:grpSpPr>
+          <a:xfrm>
+            <a:off x="0" y="0"/>
+            <a:ext cx="12192000" cy="584444"/>
+            <a:chOff x="0" y="0"/>
+            <a:chExt cx="12192000" cy="584444"/>
+          </a:xfrm>
+        </p:grpSpPr>
+        <p:pic>
+          <p:nvPicPr>
+            <p:cNvPr id="22" name="Image 21"/>
+            <p:cNvPicPr>
+              <a:picLocks noChangeAspect="1"/>
+            </p:cNvPicPr>
+            <p:nvPr/>
+          </p:nvPicPr>
+          <p:blipFill rotWithShape="1">
+            <a:blip r:embed="rId3"/>
+            <a:srcRect r="89350"/>
+            <a:stretch/>
+          </p:blipFill>
+          <p:spPr>
+            <a:xfrm>
+              <a:off x="0" y="0"/>
+              <a:ext cx="1931667" cy="552527"/>
+            </a:xfrm>
+            <a:prstGeom prst="rect">
+              <a:avLst/>
+            </a:prstGeom>
+          </p:spPr>
+        </p:pic>
+        <p:pic>
+          <p:nvPicPr>
+            <p:cNvPr id="23" name="Image 22"/>
+            <p:cNvPicPr>
+              <a:picLocks noChangeAspect="1"/>
+            </p:cNvPicPr>
+            <p:nvPr/>
+          </p:nvPicPr>
+          <p:blipFill rotWithShape="1">
+            <a:blip r:embed="rId4"/>
+            <a:srcRect t="87715"/>
+            <a:stretch/>
+          </p:blipFill>
+          <p:spPr>
+            <a:xfrm>
+              <a:off x="0" y="515393"/>
+              <a:ext cx="12192000" cy="69051"/>
+            </a:xfrm>
+            <a:prstGeom prst="rect">
+              <a:avLst/>
+            </a:prstGeom>
+          </p:spPr>
+        </p:pic>
+        <p:pic>
+          <p:nvPicPr>
+            <p:cNvPr id="24" name="Image 23"/>
+            <p:cNvPicPr>
+              <a:picLocks noChangeAspect="1"/>
+            </p:cNvPicPr>
+            <p:nvPr/>
+          </p:nvPicPr>
+          <p:blipFill>
+            <a:blip r:embed="rId5"/>
+            <a:stretch>
+              <a:fillRect/>
+            </a:stretch>
+          </p:blipFill>
+          <p:spPr>
+            <a:xfrm>
+              <a:off x="6923940" y="11862"/>
+              <a:ext cx="5268060" cy="562053"/>
+            </a:xfrm>
+            <a:prstGeom prst="rect">
+              <a:avLst/>
+            </a:prstGeom>
+          </p:spPr>
+        </p:pic>
+      </p:grpSp>
+      <p:sp>
+        <p:nvSpPr>
+          <p:cNvPr id="27" name="ZoneTexte 26"/>
+          <p:cNvSpPr txBox="1"/>
+          <p:nvPr/>
+        </p:nvSpPr>
+        <p:spPr>
+          <a:xfrm>
+            <a:off x="3841610" y="674825"/>
+            <a:ext cx="3549016" cy="369332"/>
+          </a:xfrm>
+          <a:prstGeom prst="rect">
+            <a:avLst/>
+          </a:prstGeom>
+          <a:noFill/>
+        </p:spPr>
+        <p:txBody>
+          <a:bodyPr wrap="square" rtlCol="0">
+            <a:spAutoFit/>
+          </a:bodyPr>
+          <a:lstStyle/>
+          <a:p>
+            <a:r>
+              <a:rPr lang="fr-CA" dirty="0" smtClean="0">
+                <a:solidFill>
+                  <a:srgbClr val="036AB1"/>
+                </a:solidFill>
+              </a:rPr>
+              <a:t>Visionner un stage</a:t>
+            </a:r>
+            <a:endParaRPr lang="fr-CA" dirty="0">
+              <a:solidFill>
+                <a:srgbClr val="036AB1"/>
+              </a:solidFill>
+            </a:endParaRPr>
+          </a:p>
+        </p:txBody>
+      </p:sp>
+      <p:pic>
+        <p:nvPicPr>
+          <p:cNvPr id="28" name="Image 27"/>
+          <p:cNvPicPr>
+            <a:picLocks noChangeAspect="1"/>
+          </p:cNvPicPr>
+          <p:nvPr/>
+        </p:nvPicPr>
+        <p:blipFill>
+          <a:blip r:embed="rId6"/>
+          <a:stretch>
+            <a:fillRect/>
+          </a:stretch>
+        </p:blipFill>
+        <p:spPr>
+          <a:xfrm>
+            <a:off x="6923940" y="89181"/>
+            <a:ext cx="2178496" cy="368019"/>
+          </a:xfrm>
+          <a:prstGeom prst="rect">
+            <a:avLst/>
+          </a:prstGeom>
+        </p:spPr>
+      </p:pic>
+      <p:pic>
+        <p:nvPicPr>
+          <p:cNvPr id="42" name="Image 41"/>
+          <p:cNvPicPr>
+            <a:picLocks noChangeAspect="1"/>
+          </p:cNvPicPr>
+          <p:nvPr/>
+        </p:nvPicPr>
+        <p:blipFill rotWithShape="1">
+          <a:blip r:embed="rId7"/>
+          <a:srcRect l="53265" t="60683" r="5958" b="30747"/>
+          <a:stretch/>
+        </p:blipFill>
+        <p:spPr>
+          <a:xfrm flipV="1">
+            <a:off x="3771530" y="1101127"/>
+            <a:ext cx="3042458" cy="55407"/>
+          </a:xfrm>
+          <a:prstGeom prst="rect">
+            <a:avLst/>
+          </a:prstGeom>
+        </p:spPr>
+      </p:pic>
+      <p:sp>
+        <p:nvSpPr>
+          <p:cNvPr id="44" name="ZoneTexte 43"/>
+          <p:cNvSpPr txBox="1"/>
+          <p:nvPr/>
+        </p:nvSpPr>
+        <p:spPr>
+          <a:xfrm>
+            <a:off x="4478442" y="1882812"/>
+            <a:ext cx="656706" cy="338554"/>
+          </a:xfrm>
+          <a:prstGeom prst="rect">
+            <a:avLst/>
+          </a:prstGeom>
+          <a:noFill/>
+        </p:spPr>
+        <p:txBody>
+          <a:bodyPr wrap="square" rtlCol="0">
+            <a:spAutoFit/>
+          </a:bodyPr>
+          <a:lstStyle/>
+          <a:p>
+            <a:r>
+              <a:rPr lang="fr-CA" sz="1600" dirty="0" smtClean="0"/>
+              <a:t>Titre:</a:t>
+            </a:r>
+            <a:endParaRPr lang="fr-CA" sz="1600" dirty="0"/>
+          </a:p>
+        </p:txBody>
+      </p:sp>
+      <p:pic>
+        <p:nvPicPr>
+          <p:cNvPr id="45" name="Image 44"/>
+          <p:cNvPicPr>
+            <a:picLocks noChangeAspect="1"/>
+          </p:cNvPicPr>
+          <p:nvPr/>
+        </p:nvPicPr>
+        <p:blipFill>
+          <a:blip r:embed="rId8"/>
+          <a:stretch>
+            <a:fillRect/>
+          </a:stretch>
+        </p:blipFill>
+        <p:spPr>
+          <a:xfrm>
+            <a:off x="5135148" y="2569385"/>
+            <a:ext cx="1838582" cy="47632"/>
+          </a:xfrm>
+          <a:prstGeom prst="rect">
+            <a:avLst/>
+          </a:prstGeom>
+        </p:spPr>
+      </p:pic>
+      <p:sp>
+        <p:nvSpPr>
+          <p:cNvPr id="47" name="ZoneTexte 46"/>
+          <p:cNvSpPr txBox="1"/>
+          <p:nvPr/>
+        </p:nvSpPr>
+        <p:spPr>
+          <a:xfrm>
+            <a:off x="3931921" y="2290214"/>
+            <a:ext cx="1203228" cy="338554"/>
+          </a:xfrm>
+          <a:prstGeom prst="rect">
+            <a:avLst/>
+          </a:prstGeom>
+          <a:noFill/>
+        </p:spPr>
+        <p:txBody>
+          <a:bodyPr wrap="square" rtlCol="0">
+            <a:spAutoFit/>
+          </a:bodyPr>
+          <a:lstStyle/>
+          <a:p>
+            <a:r>
+              <a:rPr lang="fr-CA" sz="1600" dirty="0" smtClean="0"/>
+              <a:t>Description:</a:t>
+            </a:r>
+            <a:endParaRPr lang="fr-CA" sz="1600" dirty="0"/>
+          </a:p>
+        </p:txBody>
+      </p:sp>
+      <p:sp>
+        <p:nvSpPr>
+          <p:cNvPr id="49" name="ZoneTexte 48"/>
+          <p:cNvSpPr txBox="1"/>
+          <p:nvPr/>
+        </p:nvSpPr>
+        <p:spPr>
+          <a:xfrm>
+            <a:off x="3449783" y="2720522"/>
+            <a:ext cx="1685366" cy="338554"/>
+          </a:xfrm>
+          <a:prstGeom prst="rect">
+            <a:avLst/>
+          </a:prstGeom>
+          <a:noFill/>
+        </p:spPr>
+        <p:txBody>
+          <a:bodyPr wrap="square" rtlCol="0">
+            <a:spAutoFit/>
+          </a:bodyPr>
+          <a:lstStyle/>
+          <a:p>
+            <a:r>
+              <a:rPr lang="fr-CA" sz="1600" dirty="0" smtClean="0"/>
+              <a:t>Nombre de poste:</a:t>
+            </a:r>
+            <a:endParaRPr lang="fr-CA" sz="1600" dirty="0"/>
+          </a:p>
+        </p:txBody>
+      </p:sp>
+      <p:pic>
+        <p:nvPicPr>
+          <p:cNvPr id="50" name="Image 49"/>
+          <p:cNvPicPr>
+            <a:picLocks noChangeAspect="1"/>
+          </p:cNvPicPr>
+          <p:nvPr/>
+        </p:nvPicPr>
+        <p:blipFill>
+          <a:blip r:embed="rId8"/>
+          <a:stretch>
+            <a:fillRect/>
+          </a:stretch>
+        </p:blipFill>
+        <p:spPr>
+          <a:xfrm>
+            <a:off x="5128217" y="3013750"/>
+            <a:ext cx="1838582" cy="47632"/>
+          </a:xfrm>
+          <a:prstGeom prst="rect">
+            <a:avLst/>
+          </a:prstGeom>
+        </p:spPr>
+      </p:pic>
+      <p:pic>
+        <p:nvPicPr>
+          <p:cNvPr id="51" name="Image 50"/>
+          <p:cNvPicPr>
+            <a:picLocks noChangeAspect="1"/>
+          </p:cNvPicPr>
+          <p:nvPr/>
+        </p:nvPicPr>
+        <p:blipFill>
+          <a:blip r:embed="rId8"/>
+          <a:stretch>
+            <a:fillRect/>
+          </a:stretch>
+        </p:blipFill>
+        <p:spPr>
+          <a:xfrm>
+            <a:off x="5118520" y="2125020"/>
+            <a:ext cx="1838582" cy="47632"/>
+          </a:xfrm>
+          <a:prstGeom prst="rect">
+            <a:avLst/>
+          </a:prstGeom>
+        </p:spPr>
+      </p:pic>
+      <p:sp>
+        <p:nvSpPr>
+          <p:cNvPr id="52" name="ZoneTexte 51"/>
+          <p:cNvSpPr txBox="1"/>
+          <p:nvPr/>
+        </p:nvSpPr>
+        <p:spPr>
+          <a:xfrm>
+            <a:off x="4347556" y="3198132"/>
+            <a:ext cx="768846" cy="338554"/>
+          </a:xfrm>
+          <a:prstGeom prst="rect">
+            <a:avLst/>
+          </a:prstGeom>
+          <a:noFill/>
+        </p:spPr>
+        <p:txBody>
+          <a:bodyPr wrap="square" rtlCol="0">
+            <a:spAutoFit/>
+          </a:bodyPr>
+          <a:lstStyle/>
+          <a:p>
+            <a:r>
+              <a:rPr lang="fr-CA" sz="1600" dirty="0" smtClean="0"/>
+              <a:t>Statut:</a:t>
+            </a:r>
+            <a:endParaRPr lang="fr-CA" sz="1600" dirty="0"/>
+          </a:p>
+        </p:txBody>
+      </p:sp>
+      <p:pic>
+        <p:nvPicPr>
+          <p:cNvPr id="53" name="Image 52"/>
+          <p:cNvPicPr>
+            <a:picLocks noChangeAspect="1"/>
+          </p:cNvPicPr>
+          <p:nvPr/>
+        </p:nvPicPr>
+        <p:blipFill>
+          <a:blip r:embed="rId8"/>
+          <a:stretch>
+            <a:fillRect/>
+          </a:stretch>
+        </p:blipFill>
+        <p:spPr>
+          <a:xfrm>
+            <a:off x="5101894" y="3458115"/>
+            <a:ext cx="1838582" cy="47632"/>
+          </a:xfrm>
+          <a:prstGeom prst="rect">
+            <a:avLst/>
+          </a:prstGeom>
+        </p:spPr>
+      </p:pic>
+      <p:pic>
+        <p:nvPicPr>
+          <p:cNvPr id="54" name="Image 53"/>
+          <p:cNvPicPr>
+            <a:picLocks noChangeAspect="1"/>
+          </p:cNvPicPr>
+          <p:nvPr/>
+        </p:nvPicPr>
+        <p:blipFill>
+          <a:blip r:embed="rId8"/>
+          <a:stretch>
+            <a:fillRect/>
+          </a:stretch>
+        </p:blipFill>
+        <p:spPr>
+          <a:xfrm>
+            <a:off x="5118520" y="3902480"/>
+            <a:ext cx="1838582" cy="47632"/>
+          </a:xfrm>
+          <a:prstGeom prst="rect">
+            <a:avLst/>
+          </a:prstGeom>
+        </p:spPr>
+      </p:pic>
+      <p:sp>
+        <p:nvSpPr>
+          <p:cNvPr id="55" name="ZoneTexte 54"/>
+          <p:cNvSpPr txBox="1"/>
+          <p:nvPr/>
+        </p:nvSpPr>
+        <p:spPr>
+          <a:xfrm>
+            <a:off x="3383280" y="3633163"/>
+            <a:ext cx="1735894" cy="338554"/>
+          </a:xfrm>
+          <a:prstGeom prst="rect">
+            <a:avLst/>
+          </a:prstGeom>
+          <a:noFill/>
+        </p:spPr>
+        <p:txBody>
+          <a:bodyPr wrap="square" rtlCol="0">
+            <a:spAutoFit/>
+          </a:bodyPr>
+          <a:lstStyle/>
+          <a:p>
+            <a:r>
+              <a:rPr lang="fr-CA" sz="1600" dirty="0" smtClean="0"/>
+              <a:t>Période de travail:</a:t>
+            </a:r>
+            <a:endParaRPr lang="fr-CA" sz="1600" dirty="0"/>
+          </a:p>
+        </p:txBody>
+      </p:sp>
+      <p:pic>
+        <p:nvPicPr>
+          <p:cNvPr id="57" name="Image 56"/>
+          <p:cNvPicPr>
+            <a:picLocks noChangeAspect="1"/>
+          </p:cNvPicPr>
+          <p:nvPr/>
+        </p:nvPicPr>
+        <p:blipFill rotWithShape="1">
+          <a:blip r:embed="rId9"/>
+          <a:srcRect r="10325" b="8565"/>
+          <a:stretch/>
+        </p:blipFill>
+        <p:spPr>
+          <a:xfrm>
+            <a:off x="5103278" y="4346845"/>
+            <a:ext cx="1879412" cy="139367"/>
+          </a:xfrm>
+          <a:prstGeom prst="rect">
+            <a:avLst/>
+          </a:prstGeom>
+        </p:spPr>
+      </p:pic>
+      <p:sp>
+        <p:nvSpPr>
+          <p:cNvPr id="58" name="ZoneTexte 57"/>
+          <p:cNvSpPr txBox="1"/>
+          <p:nvPr/>
+        </p:nvSpPr>
+        <p:spPr>
+          <a:xfrm>
+            <a:off x="2297664" y="4201482"/>
+            <a:ext cx="2818738" cy="338554"/>
+          </a:xfrm>
+          <a:prstGeom prst="rect">
+            <a:avLst/>
+          </a:prstGeom>
+          <a:noFill/>
+        </p:spPr>
+        <p:txBody>
+          <a:bodyPr wrap="square" rtlCol="0">
+            <a:spAutoFit/>
+          </a:bodyPr>
+          <a:lstStyle/>
+          <a:p>
+            <a:r>
+              <a:rPr lang="fr-CA" sz="1600" dirty="0" smtClean="0"/>
+              <a:t>Nombre d’heures par semaine:</a:t>
+            </a:r>
+            <a:endParaRPr lang="fr-CA" sz="1600" dirty="0"/>
+          </a:p>
+        </p:txBody>
+      </p:sp>
+      <p:pic>
+        <p:nvPicPr>
+          <p:cNvPr id="59" name="Image 58"/>
+          <p:cNvPicPr>
+            <a:picLocks noChangeAspect="1"/>
+          </p:cNvPicPr>
+          <p:nvPr/>
+        </p:nvPicPr>
+        <p:blipFill rotWithShape="1">
+          <a:blip r:embed="rId9"/>
+          <a:srcRect r="10325" b="8565"/>
+          <a:stretch/>
+        </p:blipFill>
+        <p:spPr>
+          <a:xfrm>
+            <a:off x="5097736" y="4882945"/>
+            <a:ext cx="1879412" cy="139367"/>
+          </a:xfrm>
+          <a:prstGeom prst="rect">
+            <a:avLst/>
+          </a:prstGeom>
+        </p:spPr>
+      </p:pic>
+      <p:sp>
+        <p:nvSpPr>
+          <p:cNvPr id="60" name="ZoneTexte 59"/>
+          <p:cNvSpPr txBox="1"/>
+          <p:nvPr/>
+        </p:nvSpPr>
+        <p:spPr>
+          <a:xfrm>
+            <a:off x="3878947" y="4735273"/>
+            <a:ext cx="1309176" cy="338554"/>
+          </a:xfrm>
+          <a:prstGeom prst="rect">
+            <a:avLst/>
+          </a:prstGeom>
+          <a:noFill/>
+        </p:spPr>
+        <p:txBody>
+          <a:bodyPr wrap="square" rtlCol="0">
+            <a:spAutoFit/>
+          </a:bodyPr>
+          <a:lstStyle/>
+          <a:p>
+            <a:r>
+              <a:rPr lang="fr-CA" sz="1600" dirty="0" smtClean="0"/>
+              <a:t>Date début:</a:t>
+            </a:r>
+            <a:endParaRPr lang="fr-CA" sz="1600" dirty="0"/>
+          </a:p>
+        </p:txBody>
+      </p:sp>
+      <p:pic>
+        <p:nvPicPr>
+          <p:cNvPr id="62" name="Image 61"/>
+          <p:cNvPicPr>
+            <a:picLocks noChangeAspect="1"/>
+          </p:cNvPicPr>
+          <p:nvPr/>
+        </p:nvPicPr>
+        <p:blipFill rotWithShape="1">
+          <a:blip r:embed="rId9"/>
+          <a:srcRect r="10325" b="8565"/>
+          <a:stretch/>
+        </p:blipFill>
+        <p:spPr>
+          <a:xfrm>
+            <a:off x="5067257" y="5419045"/>
+            <a:ext cx="1879412" cy="139367"/>
+          </a:xfrm>
+          <a:prstGeom prst="rect">
+            <a:avLst/>
+          </a:prstGeom>
+        </p:spPr>
+      </p:pic>
+      <p:sp>
+        <p:nvSpPr>
+          <p:cNvPr id="63" name="ZoneTexte 62"/>
+          <p:cNvSpPr txBox="1"/>
+          <p:nvPr/>
+        </p:nvSpPr>
+        <p:spPr>
+          <a:xfrm>
+            <a:off x="3632662" y="1474682"/>
+            <a:ext cx="1498978" cy="338554"/>
+          </a:xfrm>
+          <a:prstGeom prst="rect">
+            <a:avLst/>
+          </a:prstGeom>
+          <a:noFill/>
+        </p:spPr>
+        <p:txBody>
+          <a:bodyPr wrap="square" rtlCol="0">
+            <a:spAutoFit/>
+          </a:bodyPr>
+          <a:lstStyle/>
+          <a:p>
+            <a:r>
+              <a:rPr lang="fr-CA" sz="1600" dirty="0" smtClean="0"/>
+              <a:t>Milieu de stage:</a:t>
+            </a:r>
+            <a:endParaRPr lang="fr-CA" sz="1600" dirty="0"/>
+          </a:p>
+        </p:txBody>
+      </p:sp>
+      <p:pic>
+        <p:nvPicPr>
+          <p:cNvPr id="64" name="Image 63"/>
+          <p:cNvPicPr>
+            <a:picLocks noChangeAspect="1"/>
+          </p:cNvPicPr>
+          <p:nvPr/>
+        </p:nvPicPr>
+        <p:blipFill rotWithShape="1">
+          <a:blip r:embed="rId9"/>
+          <a:srcRect r="10325" b="8565"/>
+          <a:stretch/>
+        </p:blipFill>
+        <p:spPr>
+          <a:xfrm>
+            <a:off x="5061064" y="1649160"/>
+            <a:ext cx="1879412" cy="139367"/>
+          </a:xfrm>
+          <a:prstGeom prst="rect">
+            <a:avLst/>
+          </a:prstGeom>
+        </p:spPr>
+      </p:pic>
+      <p:pic>
+        <p:nvPicPr>
+          <p:cNvPr id="3" name="Image 2"/>
+          <p:cNvPicPr>
+            <a:picLocks noChangeAspect="1"/>
+          </p:cNvPicPr>
+          <p:nvPr/>
+        </p:nvPicPr>
+        <p:blipFill>
+          <a:blip r:embed="rId10">
+            <a:duotone>
+              <a:schemeClr val="accent3">
+                <a:shade val="45000"/>
+                <a:satMod val="135000"/>
+              </a:schemeClr>
+              <a:prstClr val="white"/>
+            </a:duotone>
+            <a:extLst/>
+          </a:blip>
+          <a:stretch>
+            <a:fillRect/>
+          </a:stretch>
+        </p:blipFill>
+        <p:spPr>
+          <a:xfrm>
+            <a:off x="3867661" y="6193786"/>
+            <a:ext cx="1009791" cy="438211"/>
+          </a:xfrm>
+          <a:prstGeom prst="rect">
+            <a:avLst/>
+          </a:prstGeom>
+        </p:spPr>
+      </p:pic>
+      <p:sp>
+        <p:nvSpPr>
+          <p:cNvPr id="32" name="ZoneTexte 31"/>
+          <p:cNvSpPr txBox="1"/>
+          <p:nvPr/>
+        </p:nvSpPr>
+        <p:spPr>
+          <a:xfrm>
+            <a:off x="4196011" y="5228277"/>
+            <a:ext cx="1177879" cy="338554"/>
+          </a:xfrm>
+          <a:prstGeom prst="rect">
+            <a:avLst/>
+          </a:prstGeom>
+          <a:noFill/>
+        </p:spPr>
+        <p:txBody>
+          <a:bodyPr wrap="square" rtlCol="0">
+            <a:spAutoFit/>
+          </a:bodyPr>
+          <a:lstStyle/>
+          <a:p>
+            <a:r>
+              <a:rPr lang="fr-CA" sz="1600" dirty="0" smtClean="0"/>
+              <a:t>Date fin:</a:t>
+            </a:r>
+            <a:endParaRPr lang="fr-CA" sz="1600" dirty="0"/>
+          </a:p>
+        </p:txBody>
+      </p:sp>
+      <p:pic>
+        <p:nvPicPr>
+          <p:cNvPr id="8" name="Image 7"/>
+          <p:cNvPicPr>
+            <a:picLocks noChangeAspect="1"/>
+          </p:cNvPicPr>
+          <p:nvPr/>
+        </p:nvPicPr>
+        <p:blipFill>
+          <a:blip r:embed="rId11"/>
+          <a:stretch>
+            <a:fillRect/>
+          </a:stretch>
+        </p:blipFill>
+        <p:spPr>
+          <a:xfrm>
+            <a:off x="6813583" y="6260816"/>
             <a:ext cx="1295581" cy="362001"/>
           </a:xfrm>
           <a:prstGeom prst="rect">
@@ -9722,17 +11151,7 @@
                   </a:schemeClr>
                 </a:solidFill>
               </a:rPr>
-              <a:t>Milieu de </a:t>
-            </a:r>
-            <a:r>
-              <a:rPr lang="fr-CA" sz="1600" dirty="0" smtClean="0">
-                <a:solidFill>
-                  <a:schemeClr val="bg1">
-                    <a:lumMod val="75000"/>
-                  </a:schemeClr>
-                </a:solidFill>
-              </a:rPr>
-              <a:t>stage</a:t>
+              <a:t>Milieu de stage</a:t>
             </a:r>
             <a:endParaRPr lang="fr-CA" sz="1600" dirty="0">
               <a:solidFill>
@@ -9984,17 +11403,7 @@
                   </a:schemeClr>
                 </a:solidFill>
               </a:rPr>
-              <a:t>Nombres</a:t>
-            </a:r>
-            <a:r>
-              <a:rPr lang="fr-CA" sz="1600" dirty="0" smtClean="0">
-                <a:solidFill>
-                  <a:schemeClr val="bg1">
-                    <a:lumMod val="75000"/>
-                  </a:schemeClr>
-                </a:solidFill>
-              </a:rPr>
-              <a:t> d’heures</a:t>
+              <a:t>Nombres d’heures</a:t>
             </a:r>
             <a:endParaRPr lang="fr-CA" sz="1600" dirty="0">
               <a:solidFill>
@@ -10099,6 +11508,30 @@
           <p:nvPr/>
         </p:nvPicPr>
         <p:blipFill>
+          <a:blip r:embed="rId12"/>
+          <a:stretch>
+            <a:fillRect/>
+          </a:stretch>
+        </p:blipFill>
+        <p:spPr>
+          <a:xfrm>
+            <a:off x="3399267" y="711078"/>
+            <a:ext cx="466790" cy="304843"/>
+          </a:xfrm>
+          <a:prstGeom prst="rect">
+            <a:avLst/>
+          </a:prstGeom>
+        </p:spPr>
+      </p:pic>
+      <p:pic>
+        <p:nvPicPr>
+          <p:cNvPr id="46" name="Image 45"/>
+          <p:cNvPicPr>
+            <a:picLocks noChangeAspect="1"/>
+          </p:cNvPicPr>
+          <p:nvPr/>
+        </p:nvPicPr>
+        <p:blipFill>
           <a:blip r:embed="rId13"/>
           <a:stretch>
             <a:fillRect/>
@@ -10106,18 +11539,2013 @@
         </p:blipFill>
         <p:spPr>
           <a:xfrm>
-            <a:off x="3399267" y="711078"/>
-            <a:ext cx="466790" cy="304843"/>
-          </a:xfrm>
-          <a:prstGeom prst="rect">
-            <a:avLst/>
-          </a:prstGeom>
-        </p:spPr>
-      </p:pic>
+            <a:off x="4950042" y="6249543"/>
+            <a:ext cx="1790950" cy="362001"/>
+          </a:xfrm>
+          <a:prstGeom prst="rect">
+            <a:avLst/>
+          </a:prstGeom>
+        </p:spPr>
+      </p:pic>
+      <p:sp>
+        <p:nvSpPr>
+          <p:cNvPr id="70" name="ZoneTexte 69"/>
+          <p:cNvSpPr txBox="1"/>
+          <p:nvPr/>
+        </p:nvSpPr>
+        <p:spPr>
+          <a:xfrm>
+            <a:off x="8437310" y="5858718"/>
+            <a:ext cx="2241319" cy="246221"/>
+          </a:xfrm>
+          <a:prstGeom prst="rect">
+            <a:avLst/>
+          </a:prstGeom>
+          <a:noFill/>
+        </p:spPr>
+        <p:txBody>
+          <a:bodyPr wrap="none" rtlCol="0">
+            <a:spAutoFit/>
+          </a:bodyPr>
+          <a:lstStyle/>
+          <a:p>
+            <a:r>
+              <a:rPr lang="fr-CA" sz="1000" dirty="0" smtClean="0"/>
+              <a:t>Visible seulement par le coordonnateur</a:t>
+            </a:r>
+            <a:endParaRPr lang="fr-CA" sz="1000" dirty="0"/>
+          </a:p>
+        </p:txBody>
+      </p:sp>
+      <p:cxnSp>
+        <p:nvCxnSpPr>
+          <p:cNvPr id="6" name="Connecteur en angle 5"/>
+          <p:cNvCxnSpPr>
+            <a:stCxn id="70" idx="1"/>
+            <a:endCxn id="46" idx="0"/>
+          </p:cNvCxnSpPr>
+          <p:nvPr/>
+        </p:nvCxnSpPr>
+        <p:spPr>
+          <a:xfrm rot="10800000" flipV="1">
+            <a:off x="5845518" y="5981829"/>
+            <a:ext cx="2591793" cy="267714"/>
+          </a:xfrm>
+          <a:prstGeom prst="bentConnector2">
+            <a:avLst/>
+          </a:prstGeom>
+          <a:ln>
+            <a:solidFill>
+              <a:schemeClr val="bg2">
+                <a:lumMod val="75000"/>
+              </a:schemeClr>
+            </a:solidFill>
+            <a:tailEnd type="triangle"/>
+          </a:ln>
+        </p:spPr>
+        <p:style>
+          <a:lnRef idx="1">
+            <a:schemeClr val="accent1"/>
+          </a:lnRef>
+          <a:fillRef idx="0">
+            <a:schemeClr val="accent1"/>
+          </a:fillRef>
+          <a:effectRef idx="0">
+            <a:schemeClr val="accent1"/>
+          </a:effectRef>
+          <a:fontRef idx="minor">
+            <a:schemeClr val="tx1"/>
+          </a:fontRef>
+        </p:style>
+      </p:cxnSp>
+      <p:cxnSp>
+        <p:nvCxnSpPr>
+          <p:cNvPr id="10" name="Connecteur en angle 9"/>
+          <p:cNvCxnSpPr>
+            <a:stCxn id="70" idx="1"/>
+            <a:endCxn id="8" idx="0"/>
+          </p:cNvCxnSpPr>
+          <p:nvPr/>
+        </p:nvCxnSpPr>
+        <p:spPr>
+          <a:xfrm rot="10800000" flipV="1">
+            <a:off x="7461374" y="5981828"/>
+            <a:ext cx="975936" cy="278987"/>
+          </a:xfrm>
+          <a:prstGeom prst="bentConnector2">
+            <a:avLst/>
+          </a:prstGeom>
+          <a:ln>
+            <a:solidFill>
+              <a:schemeClr val="bg2">
+                <a:lumMod val="75000"/>
+              </a:schemeClr>
+            </a:solidFill>
+            <a:tailEnd type="triangle"/>
+          </a:ln>
+        </p:spPr>
+        <p:style>
+          <a:lnRef idx="1">
+            <a:schemeClr val="accent1"/>
+          </a:lnRef>
+          <a:fillRef idx="0">
+            <a:schemeClr val="accent1"/>
+          </a:fillRef>
+          <a:effectRef idx="0">
+            <a:schemeClr val="accent1"/>
+          </a:effectRef>
+          <a:fontRef idx="minor">
+            <a:schemeClr val="tx1"/>
+          </a:fontRef>
+        </p:style>
+      </p:cxnSp>
     </p:spTree>
     <p:extLst>
       <p:ext uri="{BB962C8B-B14F-4D97-AF65-F5344CB8AC3E}">
         <p14:creationId xmlns:p14="http://schemas.microsoft.com/office/powerpoint/2010/main" val="3072090801"/>
+      </p:ext>
+    </p:extLst>
+  </p:cSld>
+  <p:clrMapOvr>
+    <a:masterClrMapping/>
+  </p:clrMapOvr>
+</p:sld>
+</file>
+
+<file path=ppt/slides/slide8.xml><?xml version="1.0" encoding="utf-8"?>
+<p:sld xmlns:a="http://schemas.openxmlformats.org/drawingml/2006/main" xmlns:r="http://schemas.openxmlformats.org/officeDocument/2006/relationships" xmlns:p="http://schemas.openxmlformats.org/presentationml/2006/main">
+  <p:cSld>
+    <p:spTree>
+      <p:nvGrpSpPr>
+        <p:cNvPr id="1" name=""/>
+        <p:cNvGrpSpPr/>
+        <p:nvPr/>
+      </p:nvGrpSpPr>
+      <p:grpSpPr>
+        <a:xfrm>
+          <a:off x="0" y="0"/>
+          <a:ext cx="0" cy="0"/>
+          <a:chOff x="0" y="0"/>
+          <a:chExt cx="0" cy="0"/>
+        </a:xfrm>
+      </p:grpSpPr>
+      <p:pic>
+        <p:nvPicPr>
+          <p:cNvPr id="10" name="Image 9"/>
+          <p:cNvPicPr>
+            <a:picLocks noChangeAspect="1"/>
+          </p:cNvPicPr>
+          <p:nvPr/>
+        </p:nvPicPr>
+        <p:blipFill>
+          <a:blip r:embed="rId2"/>
+          <a:stretch>
+            <a:fillRect/>
+          </a:stretch>
+        </p:blipFill>
+        <p:spPr>
+          <a:xfrm>
+            <a:off x="2259806" y="1875508"/>
+            <a:ext cx="7523695" cy="809938"/>
+          </a:xfrm>
+          <a:prstGeom prst="rect">
+            <a:avLst/>
+          </a:prstGeom>
+        </p:spPr>
+      </p:pic>
+      <p:pic>
+        <p:nvPicPr>
+          <p:cNvPr id="5" name="Image 4"/>
+          <p:cNvPicPr>
+            <a:picLocks noChangeAspect="1"/>
+          </p:cNvPicPr>
+          <p:nvPr/>
+        </p:nvPicPr>
+        <p:blipFill rotWithShape="1">
+          <a:blip r:embed="rId3"/>
+          <a:srcRect b="74442"/>
+          <a:stretch/>
+        </p:blipFill>
+        <p:spPr>
+          <a:xfrm>
+            <a:off x="-1" y="6651466"/>
+            <a:ext cx="12192001" cy="189909"/>
+          </a:xfrm>
+          <a:prstGeom prst="rect">
+            <a:avLst/>
+          </a:prstGeom>
+        </p:spPr>
+      </p:pic>
+      <p:grpSp>
+        <p:nvGrpSpPr>
+          <p:cNvPr id="25" name="Groupe 24"/>
+          <p:cNvGrpSpPr/>
+          <p:nvPr/>
+        </p:nvGrpSpPr>
+        <p:grpSpPr>
+          <a:xfrm>
+            <a:off x="0" y="0"/>
+            <a:ext cx="12192000" cy="584444"/>
+            <a:chOff x="0" y="0"/>
+            <a:chExt cx="12192000" cy="584444"/>
+          </a:xfrm>
+        </p:grpSpPr>
+        <p:pic>
+          <p:nvPicPr>
+            <p:cNvPr id="22" name="Image 21"/>
+            <p:cNvPicPr>
+              <a:picLocks noChangeAspect="1"/>
+            </p:cNvPicPr>
+            <p:nvPr/>
+          </p:nvPicPr>
+          <p:blipFill rotWithShape="1">
+            <a:blip r:embed="rId4"/>
+            <a:srcRect r="89350"/>
+            <a:stretch/>
+          </p:blipFill>
+          <p:spPr>
+            <a:xfrm>
+              <a:off x="0" y="0"/>
+              <a:ext cx="1931667" cy="552527"/>
+            </a:xfrm>
+            <a:prstGeom prst="rect">
+              <a:avLst/>
+            </a:prstGeom>
+          </p:spPr>
+        </p:pic>
+        <p:pic>
+          <p:nvPicPr>
+            <p:cNvPr id="23" name="Image 22"/>
+            <p:cNvPicPr>
+              <a:picLocks noChangeAspect="1"/>
+            </p:cNvPicPr>
+            <p:nvPr/>
+          </p:nvPicPr>
+          <p:blipFill rotWithShape="1">
+            <a:blip r:embed="rId5"/>
+            <a:srcRect t="87715"/>
+            <a:stretch/>
+          </p:blipFill>
+          <p:spPr>
+            <a:xfrm>
+              <a:off x="0" y="515393"/>
+              <a:ext cx="12192000" cy="69051"/>
+            </a:xfrm>
+            <a:prstGeom prst="rect">
+              <a:avLst/>
+            </a:prstGeom>
+          </p:spPr>
+        </p:pic>
+        <p:pic>
+          <p:nvPicPr>
+            <p:cNvPr id="24" name="Image 23"/>
+            <p:cNvPicPr>
+              <a:picLocks noChangeAspect="1"/>
+            </p:cNvPicPr>
+            <p:nvPr/>
+          </p:nvPicPr>
+          <p:blipFill>
+            <a:blip r:embed="rId6"/>
+            <a:stretch>
+              <a:fillRect/>
+            </a:stretch>
+          </p:blipFill>
+          <p:spPr>
+            <a:xfrm>
+              <a:off x="6923940" y="11862"/>
+              <a:ext cx="5268060" cy="562053"/>
+            </a:xfrm>
+            <a:prstGeom prst="rect">
+              <a:avLst/>
+            </a:prstGeom>
+          </p:spPr>
+        </p:pic>
+      </p:grpSp>
+      <p:pic>
+        <p:nvPicPr>
+          <p:cNvPr id="28" name="Image 27"/>
+          <p:cNvPicPr>
+            <a:picLocks noChangeAspect="1"/>
+          </p:cNvPicPr>
+          <p:nvPr/>
+        </p:nvPicPr>
+        <p:blipFill>
+          <a:blip r:embed="rId7"/>
+          <a:stretch>
+            <a:fillRect/>
+          </a:stretch>
+        </p:blipFill>
+        <p:spPr>
+          <a:xfrm>
+            <a:off x="6923940" y="89181"/>
+            <a:ext cx="2178496" cy="368019"/>
+          </a:xfrm>
+          <a:prstGeom prst="rect">
+            <a:avLst/>
+          </a:prstGeom>
+        </p:spPr>
+      </p:pic>
+      <p:grpSp>
+        <p:nvGrpSpPr>
+          <p:cNvPr id="50" name="Groupe 49"/>
+          <p:cNvGrpSpPr/>
+          <p:nvPr/>
+        </p:nvGrpSpPr>
+        <p:grpSpPr>
+          <a:xfrm>
+            <a:off x="2358577" y="2562003"/>
+            <a:ext cx="7292939" cy="3592175"/>
+            <a:chOff x="2358577" y="2428367"/>
+            <a:chExt cx="7292939" cy="3610479"/>
+          </a:xfrm>
+        </p:grpSpPr>
+        <p:grpSp>
+          <p:nvGrpSpPr>
+            <p:cNvPr id="49" name="Groupe 48"/>
+            <p:cNvGrpSpPr/>
+            <p:nvPr/>
+          </p:nvGrpSpPr>
+          <p:grpSpPr>
+            <a:xfrm>
+              <a:off x="2358577" y="2428367"/>
+              <a:ext cx="7292939" cy="3610479"/>
+              <a:chOff x="2358577" y="2428367"/>
+              <a:chExt cx="7292939" cy="3610479"/>
+            </a:xfrm>
+          </p:grpSpPr>
+          <p:pic>
+            <p:nvPicPr>
+              <p:cNvPr id="4" name="Image 3"/>
+              <p:cNvPicPr>
+                <a:picLocks noChangeAspect="1"/>
+              </p:cNvPicPr>
+              <p:nvPr/>
+            </p:nvPicPr>
+            <p:blipFill>
+              <a:blip r:embed="rId8"/>
+              <a:stretch>
+                <a:fillRect/>
+              </a:stretch>
+            </p:blipFill>
+            <p:spPr>
+              <a:xfrm>
+                <a:off x="2358577" y="2428367"/>
+                <a:ext cx="6598331" cy="3610479"/>
+              </a:xfrm>
+              <a:prstGeom prst="rect">
+                <a:avLst/>
+              </a:prstGeom>
+            </p:spPr>
+          </p:pic>
+          <p:pic>
+            <p:nvPicPr>
+              <p:cNvPr id="44" name="Image 43"/>
+              <p:cNvPicPr>
+                <a:picLocks noChangeAspect="1"/>
+              </p:cNvPicPr>
+              <p:nvPr/>
+            </p:nvPicPr>
+            <p:blipFill>
+              <a:blip r:embed="rId9"/>
+              <a:stretch>
+                <a:fillRect/>
+              </a:stretch>
+            </p:blipFill>
+            <p:spPr>
+              <a:xfrm>
+                <a:off x="8822725" y="2637986"/>
+                <a:ext cx="828791" cy="3343742"/>
+              </a:xfrm>
+              <a:prstGeom prst="rect">
+                <a:avLst/>
+              </a:prstGeom>
+            </p:spPr>
+          </p:pic>
+          <p:sp>
+            <p:nvSpPr>
+              <p:cNvPr id="82" name="Rectangle 81"/>
+              <p:cNvSpPr/>
+              <p:nvPr/>
+            </p:nvSpPr>
+            <p:spPr>
+              <a:xfrm>
+                <a:off x="8864844" y="4706352"/>
+                <a:ext cx="723148" cy="478692"/>
+              </a:xfrm>
+              <a:prstGeom prst="rect">
+                <a:avLst/>
+              </a:prstGeom>
+              <a:solidFill>
+                <a:schemeClr val="bg1"/>
+              </a:solidFill>
+              <a:ln>
+                <a:solidFill>
+                  <a:schemeClr val="bg1"/>
+                </a:solidFill>
+              </a:ln>
+            </p:spPr>
+            <p:style>
+              <a:lnRef idx="2">
+                <a:schemeClr val="accent1">
+                  <a:shade val="50000"/>
+                </a:schemeClr>
+              </a:lnRef>
+              <a:fillRef idx="1">
+                <a:schemeClr val="accent1"/>
+              </a:fillRef>
+              <a:effectRef idx="0">
+                <a:schemeClr val="accent1"/>
+              </a:effectRef>
+              <a:fontRef idx="minor">
+                <a:schemeClr val="lt1"/>
+              </a:fontRef>
+            </p:style>
+            <p:txBody>
+              <a:bodyPr rtlCol="0" anchor="ctr"/>
+              <a:lstStyle/>
+              <a:p>
+                <a:pPr algn="ctr"/>
+                <a:endParaRPr lang="fr-CA" sz="1200" dirty="0">
+                  <a:solidFill>
+                    <a:schemeClr val="tx1"/>
+                  </a:solidFill>
+                </a:endParaRPr>
+              </a:p>
+              <a:p>
+                <a:pPr algn="ctr"/>
+                <a:endParaRPr lang="fr-CA" dirty="0">
+                  <a:solidFill>
+                    <a:schemeClr val="tx1"/>
+                  </a:solidFill>
+                </a:endParaRPr>
+              </a:p>
+            </p:txBody>
+          </p:sp>
+          <p:sp>
+            <p:nvSpPr>
+              <p:cNvPr id="116" name="Rectangle 115"/>
+              <p:cNvSpPr/>
+              <p:nvPr/>
+            </p:nvSpPr>
+            <p:spPr>
+              <a:xfrm>
+                <a:off x="8834822" y="3342865"/>
+                <a:ext cx="723148" cy="478692"/>
+              </a:xfrm>
+              <a:prstGeom prst="rect">
+                <a:avLst/>
+              </a:prstGeom>
+              <a:solidFill>
+                <a:schemeClr val="bg1"/>
+              </a:solidFill>
+              <a:ln>
+                <a:solidFill>
+                  <a:schemeClr val="bg1"/>
+                </a:solidFill>
+              </a:ln>
+            </p:spPr>
+            <p:style>
+              <a:lnRef idx="2">
+                <a:schemeClr val="accent1">
+                  <a:shade val="50000"/>
+                </a:schemeClr>
+              </a:lnRef>
+              <a:fillRef idx="1">
+                <a:schemeClr val="accent1"/>
+              </a:fillRef>
+              <a:effectRef idx="0">
+                <a:schemeClr val="accent1"/>
+              </a:effectRef>
+              <a:fontRef idx="minor">
+                <a:schemeClr val="lt1"/>
+              </a:fontRef>
+            </p:style>
+            <p:txBody>
+              <a:bodyPr rtlCol="0" anchor="ctr"/>
+              <a:lstStyle/>
+              <a:p>
+                <a:pPr algn="ctr"/>
+                <a:endParaRPr lang="fr-CA" sz="1200" dirty="0">
+                  <a:solidFill>
+                    <a:schemeClr val="tx1"/>
+                  </a:solidFill>
+                </a:endParaRPr>
+              </a:p>
+              <a:p>
+                <a:pPr algn="ctr"/>
+                <a:endParaRPr lang="fr-CA" dirty="0">
+                  <a:solidFill>
+                    <a:schemeClr val="tx1"/>
+                  </a:solidFill>
+                </a:endParaRPr>
+              </a:p>
+            </p:txBody>
+          </p:sp>
+          <p:sp>
+            <p:nvSpPr>
+              <p:cNvPr id="117" name="Rectangle 116"/>
+              <p:cNvSpPr/>
+              <p:nvPr/>
+            </p:nvSpPr>
+            <p:spPr>
+              <a:xfrm>
+                <a:off x="8807141" y="3888521"/>
+                <a:ext cx="723148" cy="478692"/>
+              </a:xfrm>
+              <a:prstGeom prst="rect">
+                <a:avLst/>
+              </a:prstGeom>
+              <a:solidFill>
+                <a:schemeClr val="bg1"/>
+              </a:solidFill>
+              <a:ln>
+                <a:solidFill>
+                  <a:schemeClr val="bg1"/>
+                </a:solidFill>
+              </a:ln>
+            </p:spPr>
+            <p:style>
+              <a:lnRef idx="2">
+                <a:schemeClr val="accent1">
+                  <a:shade val="50000"/>
+                </a:schemeClr>
+              </a:lnRef>
+              <a:fillRef idx="1">
+                <a:schemeClr val="accent1"/>
+              </a:fillRef>
+              <a:effectRef idx="0">
+                <a:schemeClr val="accent1"/>
+              </a:effectRef>
+              <a:fontRef idx="minor">
+                <a:schemeClr val="lt1"/>
+              </a:fontRef>
+            </p:style>
+            <p:txBody>
+              <a:bodyPr rtlCol="0" anchor="ctr"/>
+              <a:lstStyle/>
+              <a:p>
+                <a:pPr algn="ctr"/>
+                <a:endParaRPr lang="fr-CA" sz="1200" dirty="0">
+                  <a:solidFill>
+                    <a:schemeClr val="tx1"/>
+                  </a:solidFill>
+                </a:endParaRPr>
+              </a:p>
+              <a:p>
+                <a:pPr algn="ctr"/>
+                <a:endParaRPr lang="fr-CA" dirty="0">
+                  <a:solidFill>
+                    <a:schemeClr val="tx1"/>
+                  </a:solidFill>
+                </a:endParaRPr>
+              </a:p>
+            </p:txBody>
+          </p:sp>
+          <p:pic>
+            <p:nvPicPr>
+              <p:cNvPr id="45" name="Image 44"/>
+              <p:cNvPicPr>
+                <a:picLocks noChangeAspect="1"/>
+              </p:cNvPicPr>
+              <p:nvPr/>
+            </p:nvPicPr>
+            <p:blipFill>
+              <a:blip r:embed="rId10"/>
+              <a:stretch>
+                <a:fillRect/>
+              </a:stretch>
+            </p:blipFill>
+            <p:spPr>
+              <a:xfrm>
+                <a:off x="9105332" y="3437145"/>
+                <a:ext cx="342948" cy="342948"/>
+              </a:xfrm>
+              <a:prstGeom prst="rect">
+                <a:avLst/>
+              </a:prstGeom>
+            </p:spPr>
+          </p:pic>
+          <p:pic>
+            <p:nvPicPr>
+              <p:cNvPr id="46" name="Image 45"/>
+              <p:cNvPicPr>
+                <a:picLocks noChangeAspect="1"/>
+              </p:cNvPicPr>
+              <p:nvPr/>
+            </p:nvPicPr>
+            <p:blipFill>
+              <a:blip r:embed="rId10"/>
+              <a:stretch>
+                <a:fillRect/>
+              </a:stretch>
+            </p:blipFill>
+            <p:spPr>
+              <a:xfrm>
+                <a:off x="9105332" y="3999686"/>
+                <a:ext cx="342948" cy="342948"/>
+              </a:xfrm>
+              <a:prstGeom prst="rect">
+                <a:avLst/>
+              </a:prstGeom>
+            </p:spPr>
+          </p:pic>
+          <p:pic>
+            <p:nvPicPr>
+              <p:cNvPr id="47" name="Image 46"/>
+              <p:cNvPicPr>
+                <a:picLocks noChangeAspect="1"/>
+              </p:cNvPicPr>
+              <p:nvPr/>
+            </p:nvPicPr>
+            <p:blipFill>
+              <a:blip r:embed="rId10"/>
+              <a:stretch>
+                <a:fillRect/>
+              </a:stretch>
+            </p:blipFill>
+            <p:spPr>
+              <a:xfrm>
+                <a:off x="9112812" y="4774224"/>
+                <a:ext cx="342948" cy="342948"/>
+              </a:xfrm>
+              <a:prstGeom prst="rect">
+                <a:avLst/>
+              </a:prstGeom>
+            </p:spPr>
+          </p:pic>
+          <p:sp>
+            <p:nvSpPr>
+              <p:cNvPr id="119" name="Rectangle 118"/>
+              <p:cNvSpPr/>
+              <p:nvPr/>
+            </p:nvSpPr>
+            <p:spPr>
+              <a:xfrm>
+                <a:off x="8864844" y="2690909"/>
+                <a:ext cx="666692" cy="390369"/>
+              </a:xfrm>
+              <a:prstGeom prst="rect">
+                <a:avLst/>
+              </a:prstGeom>
+              <a:solidFill>
+                <a:schemeClr val="bg1"/>
+              </a:solidFill>
+              <a:ln>
+                <a:solidFill>
+                  <a:schemeClr val="bg1"/>
+                </a:solidFill>
+              </a:ln>
+            </p:spPr>
+            <p:style>
+              <a:lnRef idx="2">
+                <a:schemeClr val="accent1">
+                  <a:shade val="50000"/>
+                </a:schemeClr>
+              </a:lnRef>
+              <a:fillRef idx="1">
+                <a:schemeClr val="accent1"/>
+              </a:fillRef>
+              <a:effectRef idx="0">
+                <a:schemeClr val="accent1"/>
+              </a:effectRef>
+              <a:fontRef idx="minor">
+                <a:schemeClr val="lt1"/>
+              </a:fontRef>
+            </p:style>
+            <p:txBody>
+              <a:bodyPr rtlCol="0" anchor="t"/>
+              <a:lstStyle/>
+              <a:p>
+                <a:pPr algn="ctr"/>
+                <a:r>
+                  <a:rPr lang="fr-CA" sz="1200" b="1" dirty="0" smtClean="0">
+                    <a:solidFill>
+                      <a:schemeClr val="tx1"/>
+                    </a:solidFill>
+                  </a:rPr>
+                  <a:t>Voir</a:t>
+                </a:r>
+                <a:endParaRPr lang="fr-CA" sz="1200" b="1" dirty="0">
+                  <a:solidFill>
+                    <a:schemeClr val="tx1"/>
+                  </a:solidFill>
+                </a:endParaRPr>
+              </a:p>
+              <a:p>
+                <a:pPr algn="ctr"/>
+                <a:endParaRPr lang="fr-CA" dirty="0">
+                  <a:solidFill>
+                    <a:schemeClr val="tx1"/>
+                  </a:solidFill>
+                </a:endParaRPr>
+              </a:p>
+            </p:txBody>
+          </p:sp>
+        </p:grpSp>
+        <p:sp>
+          <p:nvSpPr>
+            <p:cNvPr id="30" name="Rectangle 29"/>
+            <p:cNvSpPr/>
+            <p:nvPr/>
+          </p:nvSpPr>
+          <p:spPr>
+            <a:xfrm>
+              <a:off x="4588005" y="3411497"/>
+              <a:ext cx="781050" cy="381000"/>
+            </a:xfrm>
+            <a:prstGeom prst="rect">
+              <a:avLst/>
+            </a:prstGeom>
+            <a:solidFill>
+              <a:schemeClr val="bg1"/>
+            </a:solidFill>
+            <a:ln>
+              <a:solidFill>
+                <a:schemeClr val="bg1"/>
+              </a:solidFill>
+            </a:ln>
+          </p:spPr>
+          <p:style>
+            <a:lnRef idx="2">
+              <a:schemeClr val="accent1">
+                <a:shade val="50000"/>
+              </a:schemeClr>
+            </a:lnRef>
+            <a:fillRef idx="1">
+              <a:schemeClr val="accent1"/>
+            </a:fillRef>
+            <a:effectRef idx="0">
+              <a:schemeClr val="accent1"/>
+            </a:effectRef>
+            <a:fontRef idx="minor">
+              <a:schemeClr val="lt1"/>
+            </a:fontRef>
+          </p:style>
+          <p:txBody>
+            <a:bodyPr rtlCol="0" anchor="ctr"/>
+            <a:lstStyle/>
+            <a:p>
+              <a:pPr algn="ctr"/>
+              <a:r>
+                <a:rPr lang="fr-CA" sz="1200" dirty="0" smtClean="0">
+                  <a:solidFill>
+                    <a:schemeClr val="tx1"/>
+                  </a:solidFill>
+                </a:rPr>
+                <a:t>Jour</a:t>
+              </a:r>
+              <a:endParaRPr lang="fr-CA" dirty="0">
+                <a:solidFill>
+                  <a:schemeClr val="tx1"/>
+                </a:solidFill>
+              </a:endParaRPr>
+            </a:p>
+          </p:txBody>
+        </p:sp>
+        <p:sp>
+          <p:nvSpPr>
+            <p:cNvPr id="68" name="Rectangle 67"/>
+            <p:cNvSpPr/>
+            <p:nvPr/>
+          </p:nvSpPr>
+          <p:spPr>
+            <a:xfrm>
+              <a:off x="4688017" y="4678107"/>
+              <a:ext cx="581026" cy="478692"/>
+            </a:xfrm>
+            <a:prstGeom prst="rect">
+              <a:avLst/>
+            </a:prstGeom>
+            <a:solidFill>
+              <a:schemeClr val="bg1"/>
+            </a:solidFill>
+            <a:ln>
+              <a:solidFill>
+                <a:schemeClr val="bg1"/>
+              </a:solidFill>
+            </a:ln>
+          </p:spPr>
+          <p:style>
+            <a:lnRef idx="2">
+              <a:schemeClr val="accent1">
+                <a:shade val="50000"/>
+              </a:schemeClr>
+            </a:lnRef>
+            <a:fillRef idx="1">
+              <a:schemeClr val="accent1"/>
+            </a:fillRef>
+            <a:effectRef idx="0">
+              <a:schemeClr val="accent1"/>
+            </a:effectRef>
+            <a:fontRef idx="minor">
+              <a:schemeClr val="lt1"/>
+            </a:fontRef>
+          </p:style>
+          <p:txBody>
+            <a:bodyPr rtlCol="0" anchor="ctr"/>
+            <a:lstStyle/>
+            <a:p>
+              <a:pPr algn="ctr"/>
+              <a:r>
+                <a:rPr lang="fr-CA" sz="1200" dirty="0" smtClean="0">
+                  <a:solidFill>
+                    <a:schemeClr val="tx1"/>
+                  </a:solidFill>
+                </a:rPr>
+                <a:t>Tous</a:t>
+              </a:r>
+              <a:endParaRPr lang="fr-CA" dirty="0">
+                <a:solidFill>
+                  <a:schemeClr val="tx1"/>
+                </a:solidFill>
+              </a:endParaRPr>
+            </a:p>
+          </p:txBody>
+        </p:sp>
+        <p:sp>
+          <p:nvSpPr>
+            <p:cNvPr id="69" name="Rectangle 68"/>
+            <p:cNvSpPr/>
+            <p:nvPr/>
+          </p:nvSpPr>
+          <p:spPr>
+            <a:xfrm>
+              <a:off x="4588005" y="3947339"/>
+              <a:ext cx="781050" cy="381000"/>
+            </a:xfrm>
+            <a:prstGeom prst="rect">
+              <a:avLst/>
+            </a:prstGeom>
+            <a:solidFill>
+              <a:schemeClr val="bg1"/>
+            </a:solidFill>
+            <a:ln>
+              <a:solidFill>
+                <a:schemeClr val="bg1"/>
+              </a:solidFill>
+            </a:ln>
+          </p:spPr>
+          <p:style>
+            <a:lnRef idx="2">
+              <a:schemeClr val="accent1">
+                <a:shade val="50000"/>
+              </a:schemeClr>
+            </a:lnRef>
+            <a:fillRef idx="1">
+              <a:schemeClr val="accent1"/>
+            </a:fillRef>
+            <a:effectRef idx="0">
+              <a:schemeClr val="accent1"/>
+            </a:effectRef>
+            <a:fontRef idx="minor">
+              <a:schemeClr val="lt1"/>
+            </a:fontRef>
+          </p:style>
+          <p:txBody>
+            <a:bodyPr rtlCol="0" anchor="ctr"/>
+            <a:lstStyle/>
+            <a:p>
+              <a:pPr algn="ctr"/>
+              <a:r>
+                <a:rPr lang="fr-CA" sz="1200" dirty="0" smtClean="0">
+                  <a:solidFill>
+                    <a:schemeClr val="tx1"/>
+                  </a:solidFill>
+                </a:rPr>
+                <a:t>Nuit</a:t>
+              </a:r>
+              <a:endParaRPr lang="fr-CA" dirty="0">
+                <a:solidFill>
+                  <a:schemeClr val="tx1"/>
+                </a:solidFill>
+              </a:endParaRPr>
+            </a:p>
+          </p:txBody>
+        </p:sp>
+      </p:grpSp>
+      <p:pic>
+        <p:nvPicPr>
+          <p:cNvPr id="3" name="Image 2"/>
+          <p:cNvPicPr>
+            <a:picLocks noChangeAspect="1"/>
+          </p:cNvPicPr>
+          <p:nvPr/>
+        </p:nvPicPr>
+        <p:blipFill>
+          <a:blip r:embed="rId11">
+            <a:duotone>
+              <a:schemeClr val="accent3">
+                <a:shade val="45000"/>
+                <a:satMod val="135000"/>
+              </a:schemeClr>
+              <a:prstClr val="white"/>
+            </a:duotone>
+            <a:extLst/>
+          </a:blip>
+          <a:stretch>
+            <a:fillRect/>
+          </a:stretch>
+        </p:blipFill>
+        <p:spPr>
+          <a:xfrm>
+            <a:off x="2568213" y="6146616"/>
+            <a:ext cx="1009791" cy="438211"/>
+          </a:xfrm>
+          <a:prstGeom prst="rect">
+            <a:avLst/>
+          </a:prstGeom>
+        </p:spPr>
+      </p:pic>
+      <p:pic>
+        <p:nvPicPr>
+          <p:cNvPr id="2" name="Image 1"/>
+          <p:cNvPicPr>
+            <a:picLocks noChangeAspect="1"/>
+          </p:cNvPicPr>
+          <p:nvPr/>
+        </p:nvPicPr>
+        <p:blipFill>
+          <a:blip r:embed="rId12"/>
+          <a:stretch>
+            <a:fillRect/>
+          </a:stretch>
+        </p:blipFill>
+        <p:spPr>
+          <a:xfrm>
+            <a:off x="1711859" y="665836"/>
+            <a:ext cx="733527" cy="514422"/>
+          </a:xfrm>
+          <a:prstGeom prst="rect">
+            <a:avLst/>
+          </a:prstGeom>
+        </p:spPr>
+      </p:pic>
+      <p:sp>
+        <p:nvSpPr>
+          <p:cNvPr id="104" name="ZoneTexte 103"/>
+          <p:cNvSpPr txBox="1"/>
+          <p:nvPr/>
+        </p:nvSpPr>
+        <p:spPr>
+          <a:xfrm>
+            <a:off x="2358577" y="700488"/>
+            <a:ext cx="3549016" cy="369332"/>
+          </a:xfrm>
+          <a:prstGeom prst="rect">
+            <a:avLst/>
+          </a:prstGeom>
+          <a:noFill/>
+        </p:spPr>
+        <p:txBody>
+          <a:bodyPr wrap="square" rtlCol="0">
+            <a:spAutoFit/>
+          </a:bodyPr>
+          <a:lstStyle/>
+          <a:p>
+            <a:r>
+              <a:rPr lang="fr-CA" dirty="0" smtClean="0">
+                <a:solidFill>
+                  <a:srgbClr val="036AB1"/>
+                </a:solidFill>
+              </a:rPr>
+              <a:t>Stages disponibles </a:t>
+            </a:r>
+            <a:endParaRPr lang="fr-CA" dirty="0">
+              <a:solidFill>
+                <a:srgbClr val="036AB1"/>
+              </a:solidFill>
+            </a:endParaRPr>
+          </a:p>
+        </p:txBody>
+      </p:sp>
+      <p:pic>
+        <p:nvPicPr>
+          <p:cNvPr id="105" name="Image 104"/>
+          <p:cNvPicPr>
+            <a:picLocks noChangeAspect="1"/>
+          </p:cNvPicPr>
+          <p:nvPr/>
+        </p:nvPicPr>
+        <p:blipFill rotWithShape="1">
+          <a:blip r:embed="rId13"/>
+          <a:srcRect l="53265" t="60683" r="5958" b="30747"/>
+          <a:stretch/>
+        </p:blipFill>
+        <p:spPr>
+          <a:xfrm flipV="1">
+            <a:off x="2288497" y="1126790"/>
+            <a:ext cx="3042458" cy="55407"/>
+          </a:xfrm>
+          <a:prstGeom prst="rect">
+            <a:avLst/>
+          </a:prstGeom>
+        </p:spPr>
+      </p:pic>
+      <p:sp>
+        <p:nvSpPr>
+          <p:cNvPr id="51" name="Rectangle 50"/>
+          <p:cNvSpPr/>
+          <p:nvPr/>
+        </p:nvSpPr>
+        <p:spPr>
+          <a:xfrm>
+            <a:off x="9659754" y="2587228"/>
+            <a:ext cx="63524" cy="3394500"/>
+          </a:xfrm>
+          <a:prstGeom prst="rect">
+            <a:avLst/>
+          </a:prstGeom>
+          <a:solidFill>
+            <a:schemeClr val="bg2">
+              <a:lumMod val="75000"/>
+            </a:schemeClr>
+          </a:solidFill>
+          <a:ln>
+            <a:solidFill>
+              <a:schemeClr val="tx1"/>
+            </a:solidFill>
+          </a:ln>
+        </p:spPr>
+        <p:style>
+          <a:lnRef idx="2">
+            <a:schemeClr val="accent1">
+              <a:shade val="50000"/>
+            </a:schemeClr>
+          </a:lnRef>
+          <a:fillRef idx="1">
+            <a:schemeClr val="accent1"/>
+          </a:fillRef>
+          <a:effectRef idx="0">
+            <a:schemeClr val="accent1"/>
+          </a:effectRef>
+          <a:fontRef idx="minor">
+            <a:schemeClr val="lt1"/>
+          </a:fontRef>
+        </p:style>
+        <p:txBody>
+          <a:bodyPr rtlCol="0" anchor="ctr"/>
+          <a:lstStyle/>
+          <a:p>
+            <a:pPr algn="ctr"/>
+            <a:endParaRPr lang="fr-CA"/>
+          </a:p>
+        </p:txBody>
+      </p:sp>
+      <p:pic>
+        <p:nvPicPr>
+          <p:cNvPr id="8" name="Image 7"/>
+          <p:cNvPicPr>
+            <a:picLocks noChangeAspect="1"/>
+          </p:cNvPicPr>
+          <p:nvPr/>
+        </p:nvPicPr>
+        <p:blipFill>
+          <a:blip r:embed="rId14"/>
+          <a:stretch>
+            <a:fillRect/>
+          </a:stretch>
+        </p:blipFill>
+        <p:spPr>
+          <a:xfrm>
+            <a:off x="2288497" y="1254934"/>
+            <a:ext cx="7495004" cy="629087"/>
+          </a:xfrm>
+          <a:prstGeom prst="rect">
+            <a:avLst/>
+          </a:prstGeom>
+        </p:spPr>
+      </p:pic>
+      <p:pic>
+        <p:nvPicPr>
+          <p:cNvPr id="15" name="Image 14"/>
+          <p:cNvPicPr>
+            <a:picLocks noChangeAspect="1"/>
+          </p:cNvPicPr>
+          <p:nvPr/>
+        </p:nvPicPr>
+        <p:blipFill>
+          <a:blip r:embed="rId15"/>
+          <a:stretch>
+            <a:fillRect/>
+          </a:stretch>
+        </p:blipFill>
+        <p:spPr>
+          <a:xfrm>
+            <a:off x="2582025" y="1331162"/>
+            <a:ext cx="238158" cy="228632"/>
+          </a:xfrm>
+          <a:prstGeom prst="rect">
+            <a:avLst/>
+          </a:prstGeom>
+        </p:spPr>
+      </p:pic>
+      <p:sp>
+        <p:nvSpPr>
+          <p:cNvPr id="17" name="Rectangle 16"/>
+          <p:cNvSpPr/>
+          <p:nvPr/>
+        </p:nvSpPr>
+        <p:spPr>
+          <a:xfrm>
+            <a:off x="2841004" y="1331162"/>
+            <a:ext cx="1310866" cy="199612"/>
+          </a:xfrm>
+          <a:prstGeom prst="rect">
+            <a:avLst/>
+          </a:prstGeom>
+          <a:solidFill>
+            <a:schemeClr val="bg1"/>
+          </a:solidFill>
+          <a:ln>
+            <a:solidFill>
+              <a:schemeClr val="bg1"/>
+            </a:solidFill>
+          </a:ln>
+        </p:spPr>
+        <p:style>
+          <a:lnRef idx="2">
+            <a:schemeClr val="accent1">
+              <a:shade val="50000"/>
+            </a:schemeClr>
+          </a:lnRef>
+          <a:fillRef idx="1">
+            <a:schemeClr val="accent1"/>
+          </a:fillRef>
+          <a:effectRef idx="0">
+            <a:schemeClr val="accent1"/>
+          </a:effectRef>
+          <a:fontRef idx="minor">
+            <a:schemeClr val="lt1"/>
+          </a:fontRef>
+        </p:style>
+        <p:txBody>
+          <a:bodyPr rtlCol="0" anchor="ctr"/>
+          <a:lstStyle/>
+          <a:p>
+            <a:pPr algn="ctr"/>
+            <a:r>
+              <a:rPr lang="fr-CA" sz="800" dirty="0" smtClean="0">
+                <a:solidFill>
+                  <a:sysClr val="windowText" lastClr="000000"/>
+                </a:solidFill>
+              </a:rPr>
+              <a:t>Filtre de recherche</a:t>
+            </a:r>
+            <a:endParaRPr lang="fr-CA" sz="800" dirty="0">
+              <a:solidFill>
+                <a:sysClr val="windowText" lastClr="000000"/>
+              </a:solidFill>
+            </a:endParaRPr>
+          </a:p>
+        </p:txBody>
+      </p:sp>
+      <p:sp>
+        <p:nvSpPr>
+          <p:cNvPr id="18" name="Rectangle 17"/>
+          <p:cNvSpPr/>
+          <p:nvPr/>
+        </p:nvSpPr>
+        <p:spPr>
+          <a:xfrm>
+            <a:off x="2621756" y="1696995"/>
+            <a:ext cx="6674643" cy="642551"/>
+          </a:xfrm>
+          <a:prstGeom prst="rect">
+            <a:avLst/>
+          </a:prstGeom>
+          <a:solidFill>
+            <a:schemeClr val="bg1"/>
+          </a:solidFill>
+          <a:ln>
+            <a:solidFill>
+              <a:schemeClr val="bg1"/>
+            </a:solidFill>
+          </a:ln>
+        </p:spPr>
+        <p:style>
+          <a:lnRef idx="2">
+            <a:schemeClr val="accent1">
+              <a:shade val="50000"/>
+            </a:schemeClr>
+          </a:lnRef>
+          <a:fillRef idx="1">
+            <a:schemeClr val="accent1"/>
+          </a:fillRef>
+          <a:effectRef idx="0">
+            <a:schemeClr val="accent1"/>
+          </a:effectRef>
+          <a:fontRef idx="minor">
+            <a:schemeClr val="lt1"/>
+          </a:fontRef>
+        </p:style>
+        <p:txBody>
+          <a:bodyPr rtlCol="0" anchor="ctr"/>
+          <a:lstStyle/>
+          <a:p>
+            <a:pPr algn="ctr"/>
+            <a:endParaRPr lang="fr-CA"/>
+          </a:p>
+        </p:txBody>
+      </p:sp>
+      <p:cxnSp>
+        <p:nvCxnSpPr>
+          <p:cNvPr id="20" name="Connecteur droit avec flèche 19"/>
+          <p:cNvCxnSpPr/>
+          <p:nvPr/>
+        </p:nvCxnSpPr>
+        <p:spPr>
+          <a:xfrm flipH="1" flipV="1">
+            <a:off x="9783501" y="2263205"/>
+            <a:ext cx="683739" cy="337751"/>
+          </a:xfrm>
+          <a:prstGeom prst="straightConnector1">
+            <a:avLst/>
+          </a:prstGeom>
+          <a:ln>
+            <a:solidFill>
+              <a:schemeClr val="bg2">
+                <a:lumMod val="75000"/>
+              </a:schemeClr>
+            </a:solidFill>
+            <a:tailEnd type="triangle"/>
+          </a:ln>
+        </p:spPr>
+        <p:style>
+          <a:lnRef idx="1">
+            <a:schemeClr val="accent1"/>
+          </a:lnRef>
+          <a:fillRef idx="0">
+            <a:schemeClr val="accent1"/>
+          </a:fillRef>
+          <a:effectRef idx="0">
+            <a:schemeClr val="accent1"/>
+          </a:effectRef>
+          <a:fontRef idx="minor">
+            <a:schemeClr val="tx1"/>
+          </a:fontRef>
+        </p:style>
+      </p:cxnSp>
+      <p:sp>
+        <p:nvSpPr>
+          <p:cNvPr id="26" name="ZoneTexte 25"/>
+          <p:cNvSpPr txBox="1"/>
+          <p:nvPr/>
+        </p:nvSpPr>
+        <p:spPr>
+          <a:xfrm>
+            <a:off x="10197841" y="2865834"/>
+            <a:ext cx="1928733" cy="430887"/>
+          </a:xfrm>
+          <a:prstGeom prst="rect">
+            <a:avLst/>
+          </a:prstGeom>
+          <a:noFill/>
+        </p:spPr>
+        <p:txBody>
+          <a:bodyPr wrap="none" rtlCol="0">
+            <a:spAutoFit/>
+          </a:bodyPr>
+          <a:lstStyle/>
+          <a:p>
+            <a:r>
+              <a:rPr lang="fr-CA" sz="1100" dirty="0" smtClean="0"/>
+              <a:t>Peut être agrandi et rapetisser</a:t>
+            </a:r>
+          </a:p>
+          <a:p>
+            <a:r>
+              <a:rPr lang="fr-CA" sz="1100" dirty="0" smtClean="0"/>
+              <a:t>(collapse)</a:t>
+            </a:r>
+            <a:endParaRPr lang="fr-CA" sz="1100" dirty="0"/>
+          </a:p>
+        </p:txBody>
+      </p:sp>
+      <p:pic>
+        <p:nvPicPr>
+          <p:cNvPr id="31" name="Image 30"/>
+          <p:cNvPicPr>
+            <a:picLocks noChangeAspect="1"/>
+          </p:cNvPicPr>
+          <p:nvPr/>
+        </p:nvPicPr>
+        <p:blipFill>
+          <a:blip r:embed="rId16"/>
+          <a:stretch>
+            <a:fillRect/>
+          </a:stretch>
+        </p:blipFill>
+        <p:spPr>
+          <a:xfrm>
+            <a:off x="4883783" y="1720665"/>
+            <a:ext cx="446577" cy="542539"/>
+          </a:xfrm>
+          <a:prstGeom prst="rect">
+            <a:avLst/>
+          </a:prstGeom>
+        </p:spPr>
+      </p:pic>
+      <p:pic>
+        <p:nvPicPr>
+          <p:cNvPr id="33" name="Image 32"/>
+          <p:cNvPicPr>
+            <a:picLocks noChangeAspect="1"/>
+          </p:cNvPicPr>
+          <p:nvPr/>
+        </p:nvPicPr>
+        <p:blipFill>
+          <a:blip r:embed="rId17"/>
+          <a:stretch>
+            <a:fillRect/>
+          </a:stretch>
+        </p:blipFill>
+        <p:spPr>
+          <a:xfrm>
+            <a:off x="2621756" y="1952366"/>
+            <a:ext cx="2048161" cy="314369"/>
+          </a:xfrm>
+          <a:prstGeom prst="rect">
+            <a:avLst/>
+          </a:prstGeom>
+        </p:spPr>
+      </p:pic>
+      <p:pic>
+        <p:nvPicPr>
+          <p:cNvPr id="34" name="Image 33"/>
+          <p:cNvPicPr>
+            <a:picLocks noChangeAspect="1"/>
+          </p:cNvPicPr>
+          <p:nvPr/>
+        </p:nvPicPr>
+        <p:blipFill rotWithShape="1">
+          <a:blip r:embed="rId18"/>
+          <a:srcRect t="21870"/>
+          <a:stretch/>
+        </p:blipFill>
+        <p:spPr>
+          <a:xfrm>
+            <a:off x="2615699" y="1606376"/>
+            <a:ext cx="2076740" cy="327485"/>
+          </a:xfrm>
+          <a:prstGeom prst="rect">
+            <a:avLst/>
+          </a:prstGeom>
+        </p:spPr>
+      </p:pic>
+      <p:pic>
+        <p:nvPicPr>
+          <p:cNvPr id="35" name="Image 34"/>
+          <p:cNvPicPr>
+            <a:picLocks noChangeAspect="1"/>
+          </p:cNvPicPr>
+          <p:nvPr/>
+        </p:nvPicPr>
+        <p:blipFill>
+          <a:blip r:embed="rId19"/>
+          <a:stretch>
+            <a:fillRect/>
+          </a:stretch>
+        </p:blipFill>
+        <p:spPr>
+          <a:xfrm>
+            <a:off x="5731115" y="1610178"/>
+            <a:ext cx="1095528" cy="352474"/>
+          </a:xfrm>
+          <a:prstGeom prst="rect">
+            <a:avLst/>
+          </a:prstGeom>
+        </p:spPr>
+      </p:pic>
+      <p:pic>
+        <p:nvPicPr>
+          <p:cNvPr id="36" name="Image 35"/>
+          <p:cNvPicPr>
+            <a:picLocks noChangeAspect="1"/>
+          </p:cNvPicPr>
+          <p:nvPr/>
+        </p:nvPicPr>
+        <p:blipFill rotWithShape="1">
+          <a:blip r:embed="rId20"/>
+          <a:srcRect t="25662"/>
+          <a:stretch/>
+        </p:blipFill>
+        <p:spPr>
+          <a:xfrm>
+            <a:off x="5729261" y="1993556"/>
+            <a:ext cx="1095528" cy="283269"/>
+          </a:xfrm>
+          <a:prstGeom prst="rect">
+            <a:avLst/>
+          </a:prstGeom>
+        </p:spPr>
+      </p:pic>
+      <p:pic>
+        <p:nvPicPr>
+          <p:cNvPr id="38" name="Image 37"/>
+          <p:cNvPicPr>
+            <a:picLocks noChangeAspect="1"/>
+          </p:cNvPicPr>
+          <p:nvPr/>
+        </p:nvPicPr>
+        <p:blipFill>
+          <a:blip r:embed="rId21"/>
+          <a:stretch>
+            <a:fillRect/>
+          </a:stretch>
+        </p:blipFill>
+        <p:spPr>
+          <a:xfrm>
+            <a:off x="7122443" y="1963983"/>
+            <a:ext cx="905001" cy="276264"/>
+          </a:xfrm>
+          <a:prstGeom prst="rect">
+            <a:avLst/>
+          </a:prstGeom>
+        </p:spPr>
+      </p:pic>
+      <p:pic>
+        <p:nvPicPr>
+          <p:cNvPr id="39" name="Image 38"/>
+          <p:cNvPicPr>
+            <a:picLocks noChangeAspect="1"/>
+          </p:cNvPicPr>
+          <p:nvPr/>
+        </p:nvPicPr>
+        <p:blipFill>
+          <a:blip r:embed="rId22"/>
+          <a:stretch>
+            <a:fillRect/>
+          </a:stretch>
+        </p:blipFill>
+        <p:spPr>
+          <a:xfrm>
+            <a:off x="8431989" y="1896585"/>
+            <a:ext cx="895475" cy="352474"/>
+          </a:xfrm>
+          <a:prstGeom prst="rect">
+            <a:avLst/>
+          </a:prstGeom>
+        </p:spPr>
+      </p:pic>
+      <p:sp>
+        <p:nvSpPr>
+          <p:cNvPr id="40" name="ZoneTexte 39"/>
+          <p:cNvSpPr txBox="1"/>
+          <p:nvPr/>
+        </p:nvSpPr>
+        <p:spPr>
+          <a:xfrm>
+            <a:off x="8046268" y="1989333"/>
+            <a:ext cx="300082" cy="261610"/>
+          </a:xfrm>
+          <a:prstGeom prst="rect">
+            <a:avLst/>
+          </a:prstGeom>
+          <a:noFill/>
+        </p:spPr>
+        <p:txBody>
+          <a:bodyPr wrap="none" rtlCol="0">
+            <a:spAutoFit/>
+          </a:bodyPr>
+          <a:lstStyle/>
+          <a:p>
+            <a:r>
+              <a:rPr lang="fr-CA" sz="1100" dirty="0" smtClean="0"/>
+              <a:t>Et</a:t>
+            </a:r>
+            <a:endParaRPr lang="fr-CA" sz="1100" dirty="0"/>
+          </a:p>
+        </p:txBody>
+      </p:sp>
+      <p:sp>
+        <p:nvSpPr>
+          <p:cNvPr id="41" name="ZoneTexte 40"/>
+          <p:cNvSpPr txBox="1"/>
+          <p:nvPr/>
+        </p:nvSpPr>
+        <p:spPr>
+          <a:xfrm>
+            <a:off x="7726209" y="1612025"/>
+            <a:ext cx="973152" cy="276999"/>
+          </a:xfrm>
+          <a:prstGeom prst="rect">
+            <a:avLst/>
+          </a:prstGeom>
+          <a:noFill/>
+        </p:spPr>
+        <p:txBody>
+          <a:bodyPr wrap="none" rtlCol="0">
+            <a:spAutoFit/>
+          </a:bodyPr>
+          <a:lstStyle/>
+          <a:p>
+            <a:r>
+              <a:rPr lang="fr-CA" sz="1200" dirty="0" smtClean="0"/>
+              <a:t>Stage entre :</a:t>
+            </a:r>
+            <a:endParaRPr lang="fr-CA" sz="1200" dirty="0"/>
+          </a:p>
+        </p:txBody>
+      </p:sp>
+      <p:pic>
+        <p:nvPicPr>
+          <p:cNvPr id="52" name="Image 51"/>
+          <p:cNvPicPr>
+            <a:picLocks noChangeAspect="1"/>
+          </p:cNvPicPr>
+          <p:nvPr/>
+        </p:nvPicPr>
+        <p:blipFill>
+          <a:blip r:embed="rId23"/>
+          <a:stretch>
+            <a:fillRect/>
+          </a:stretch>
+        </p:blipFill>
+        <p:spPr>
+          <a:xfrm>
+            <a:off x="9091449" y="5763768"/>
+            <a:ext cx="306770" cy="238158"/>
+          </a:xfrm>
+          <a:prstGeom prst="rect">
+            <a:avLst/>
+          </a:prstGeom>
+        </p:spPr>
+      </p:pic>
+      <p:pic>
+        <p:nvPicPr>
+          <p:cNvPr id="53" name="Image 52"/>
+          <p:cNvPicPr>
+            <a:picLocks noChangeAspect="1"/>
+          </p:cNvPicPr>
+          <p:nvPr/>
+        </p:nvPicPr>
+        <p:blipFill>
+          <a:blip r:embed="rId24"/>
+          <a:stretch>
+            <a:fillRect/>
+          </a:stretch>
+        </p:blipFill>
+        <p:spPr>
+          <a:xfrm>
+            <a:off x="5388152" y="6222826"/>
+            <a:ext cx="1267002" cy="362001"/>
+          </a:xfrm>
+          <a:prstGeom prst="rect">
+            <a:avLst/>
+          </a:prstGeom>
+        </p:spPr>
+      </p:pic>
+      <p:pic>
+        <p:nvPicPr>
+          <p:cNvPr id="54" name="Image 53"/>
+          <p:cNvPicPr>
+            <a:picLocks noChangeAspect="1"/>
+          </p:cNvPicPr>
+          <p:nvPr/>
+        </p:nvPicPr>
+        <p:blipFill>
+          <a:blip r:embed="rId25"/>
+          <a:stretch>
+            <a:fillRect/>
+          </a:stretch>
+        </p:blipFill>
+        <p:spPr>
+          <a:xfrm>
+            <a:off x="2988023" y="2305300"/>
+            <a:ext cx="1199800" cy="166983"/>
+          </a:xfrm>
+          <a:prstGeom prst="rect">
+            <a:avLst/>
+          </a:prstGeom>
+        </p:spPr>
+      </p:pic>
+      <p:pic>
+        <p:nvPicPr>
+          <p:cNvPr id="55" name="Image 54"/>
+          <p:cNvPicPr>
+            <a:picLocks noChangeAspect="1"/>
+          </p:cNvPicPr>
+          <p:nvPr/>
+        </p:nvPicPr>
+        <p:blipFill>
+          <a:blip r:embed="rId26"/>
+          <a:stretch>
+            <a:fillRect/>
+          </a:stretch>
+        </p:blipFill>
+        <p:spPr>
+          <a:xfrm>
+            <a:off x="8714287" y="5692167"/>
+            <a:ext cx="295316" cy="325229"/>
+          </a:xfrm>
+          <a:prstGeom prst="rect">
+            <a:avLst/>
+          </a:prstGeom>
+        </p:spPr>
+      </p:pic>
+      <p:sp>
+        <p:nvSpPr>
+          <p:cNvPr id="56" name="ZoneTexte 55"/>
+          <p:cNvSpPr txBox="1"/>
+          <p:nvPr/>
+        </p:nvSpPr>
+        <p:spPr>
+          <a:xfrm>
+            <a:off x="2568213" y="2259316"/>
+            <a:ext cx="457176" cy="246221"/>
+          </a:xfrm>
+          <a:prstGeom prst="rect">
+            <a:avLst/>
+          </a:prstGeom>
+          <a:noFill/>
+        </p:spPr>
+        <p:txBody>
+          <a:bodyPr wrap="none" rtlCol="0">
+            <a:spAutoFit/>
+          </a:bodyPr>
+          <a:lstStyle/>
+          <a:p>
+            <a:r>
+              <a:rPr lang="fr-CA" sz="1000" dirty="0" smtClean="0"/>
+              <a:t>Actif:</a:t>
+            </a:r>
+            <a:endParaRPr lang="fr-CA" sz="1000" dirty="0"/>
+          </a:p>
+        </p:txBody>
+      </p:sp>
+      <p:sp>
+        <p:nvSpPr>
+          <p:cNvPr id="120" name="ZoneTexte 119"/>
+          <p:cNvSpPr txBox="1"/>
+          <p:nvPr/>
+        </p:nvSpPr>
+        <p:spPr>
+          <a:xfrm>
+            <a:off x="4777333" y="1522517"/>
+            <a:ext cx="620683" cy="246221"/>
+          </a:xfrm>
+          <a:prstGeom prst="rect">
+            <a:avLst/>
+          </a:prstGeom>
+          <a:noFill/>
+        </p:spPr>
+        <p:txBody>
+          <a:bodyPr wrap="none" rtlCol="0">
+            <a:spAutoFit/>
+          </a:bodyPr>
+          <a:lstStyle/>
+          <a:p>
+            <a:r>
+              <a:rPr lang="fr-CA" sz="1000" dirty="0" smtClean="0"/>
+              <a:t>Période:</a:t>
+            </a:r>
+            <a:endParaRPr lang="fr-CA" sz="1000" dirty="0"/>
+          </a:p>
+        </p:txBody>
+      </p:sp>
+      <p:pic>
+        <p:nvPicPr>
+          <p:cNvPr id="57" name="Image 56"/>
+          <p:cNvPicPr>
+            <a:picLocks noChangeAspect="1"/>
+          </p:cNvPicPr>
+          <p:nvPr/>
+        </p:nvPicPr>
+        <p:blipFill>
+          <a:blip r:embed="rId27"/>
+          <a:stretch>
+            <a:fillRect/>
+          </a:stretch>
+        </p:blipFill>
+        <p:spPr>
+          <a:xfrm>
+            <a:off x="4298415" y="2328827"/>
+            <a:ext cx="1320253" cy="145990"/>
+          </a:xfrm>
+          <a:prstGeom prst="rect">
+            <a:avLst/>
+          </a:prstGeom>
+        </p:spPr>
+      </p:pic>
+      <p:pic>
+        <p:nvPicPr>
+          <p:cNvPr id="58" name="Image 57"/>
+          <p:cNvPicPr>
+            <a:picLocks noChangeAspect="1"/>
+          </p:cNvPicPr>
+          <p:nvPr/>
+        </p:nvPicPr>
+        <p:blipFill>
+          <a:blip r:embed="rId28"/>
+          <a:stretch>
+            <a:fillRect/>
+          </a:stretch>
+        </p:blipFill>
+        <p:spPr>
+          <a:xfrm>
+            <a:off x="5672826" y="2320830"/>
+            <a:ext cx="827344" cy="169378"/>
+          </a:xfrm>
+          <a:prstGeom prst="rect">
+            <a:avLst/>
+          </a:prstGeom>
+        </p:spPr>
+      </p:pic>
+      <p:pic>
+        <p:nvPicPr>
+          <p:cNvPr id="59" name="Image 58"/>
+          <p:cNvPicPr>
+            <a:picLocks noChangeAspect="1"/>
+          </p:cNvPicPr>
+          <p:nvPr/>
+        </p:nvPicPr>
+        <p:blipFill>
+          <a:blip r:embed="rId29"/>
+          <a:stretch>
+            <a:fillRect/>
+          </a:stretch>
+        </p:blipFill>
+        <p:spPr>
+          <a:xfrm>
+            <a:off x="8354561" y="6163708"/>
+            <a:ext cx="1371791" cy="428685"/>
+          </a:xfrm>
+          <a:prstGeom prst="rect">
+            <a:avLst/>
+          </a:prstGeom>
+        </p:spPr>
+      </p:pic>
+      <p:sp>
+        <p:nvSpPr>
+          <p:cNvPr id="121" name="ZoneTexte 120"/>
+          <p:cNvSpPr txBox="1"/>
+          <p:nvPr/>
+        </p:nvSpPr>
+        <p:spPr>
+          <a:xfrm>
+            <a:off x="47178" y="6040704"/>
+            <a:ext cx="2241319" cy="246221"/>
+          </a:xfrm>
+          <a:prstGeom prst="rect">
+            <a:avLst/>
+          </a:prstGeom>
+          <a:noFill/>
+        </p:spPr>
+        <p:txBody>
+          <a:bodyPr wrap="none" rtlCol="0">
+            <a:spAutoFit/>
+          </a:bodyPr>
+          <a:lstStyle/>
+          <a:p>
+            <a:r>
+              <a:rPr lang="fr-CA" sz="1000" dirty="0" smtClean="0"/>
+              <a:t>Visible seulement par le coordonnateur</a:t>
+            </a:r>
+            <a:endParaRPr lang="fr-CA" sz="1000" dirty="0"/>
+          </a:p>
+        </p:txBody>
+      </p:sp>
+      <p:cxnSp>
+        <p:nvCxnSpPr>
+          <p:cNvPr id="76" name="Connecteur en angle 75"/>
+          <p:cNvCxnSpPr>
+            <a:stCxn id="121" idx="3"/>
+            <a:endCxn id="53" idx="1"/>
+          </p:cNvCxnSpPr>
+          <p:nvPr/>
+        </p:nvCxnSpPr>
+        <p:spPr>
+          <a:xfrm>
+            <a:off x="2288497" y="6163815"/>
+            <a:ext cx="3099655" cy="240012"/>
+          </a:xfrm>
+          <a:prstGeom prst="bentConnector3">
+            <a:avLst>
+              <a:gd name="adj1" fmla="val 90396"/>
+            </a:avLst>
+          </a:prstGeom>
+          <a:ln>
+            <a:solidFill>
+              <a:schemeClr val="bg2">
+                <a:lumMod val="75000"/>
+              </a:schemeClr>
+            </a:solidFill>
+            <a:tailEnd type="triangle"/>
+          </a:ln>
+        </p:spPr>
+        <p:style>
+          <a:lnRef idx="1">
+            <a:schemeClr val="accent1"/>
+          </a:lnRef>
+          <a:fillRef idx="0">
+            <a:schemeClr val="accent1"/>
+          </a:fillRef>
+          <a:effectRef idx="0">
+            <a:schemeClr val="accent1"/>
+          </a:effectRef>
+          <a:fontRef idx="minor">
+            <a:schemeClr val="tx1"/>
+          </a:fontRef>
+        </p:style>
+      </p:cxnSp>
+      <p:cxnSp>
+        <p:nvCxnSpPr>
+          <p:cNvPr id="80" name="Connecteur en angle 79"/>
+          <p:cNvCxnSpPr>
+            <a:stCxn id="121" idx="3"/>
+            <a:endCxn id="59" idx="1"/>
+          </p:cNvCxnSpPr>
+          <p:nvPr/>
+        </p:nvCxnSpPr>
+        <p:spPr>
+          <a:xfrm>
+            <a:off x="2288497" y="6163815"/>
+            <a:ext cx="6066064" cy="214236"/>
+          </a:xfrm>
+          <a:prstGeom prst="bentConnector3">
+            <a:avLst>
+              <a:gd name="adj1" fmla="val 90062"/>
+            </a:avLst>
+          </a:prstGeom>
+          <a:ln>
+            <a:solidFill>
+              <a:schemeClr val="bg2">
+                <a:lumMod val="75000"/>
+              </a:schemeClr>
+            </a:solidFill>
+            <a:tailEnd type="triangle"/>
+          </a:ln>
+        </p:spPr>
+        <p:style>
+          <a:lnRef idx="1">
+            <a:schemeClr val="accent1"/>
+          </a:lnRef>
+          <a:fillRef idx="0">
+            <a:schemeClr val="accent1"/>
+          </a:fillRef>
+          <a:effectRef idx="0">
+            <a:schemeClr val="accent1"/>
+          </a:effectRef>
+          <a:fontRef idx="minor">
+            <a:schemeClr val="tx1"/>
+          </a:fontRef>
+        </p:style>
+      </p:cxnSp>
+      <p:cxnSp>
+        <p:nvCxnSpPr>
+          <p:cNvPr id="131" name="Connecteur en angle 130"/>
+          <p:cNvCxnSpPr>
+            <a:stCxn id="121" idx="0"/>
+            <a:endCxn id="56" idx="1"/>
+          </p:cNvCxnSpPr>
+          <p:nvPr/>
+        </p:nvCxnSpPr>
+        <p:spPr>
+          <a:xfrm rot="5400000" flipH="1" flipV="1">
+            <a:off x="38887" y="3511379"/>
+            <a:ext cx="3658277" cy="1400375"/>
+          </a:xfrm>
+          <a:prstGeom prst="bentConnector2">
+            <a:avLst/>
+          </a:prstGeom>
+          <a:ln>
+            <a:solidFill>
+              <a:schemeClr val="bg2">
+                <a:lumMod val="75000"/>
+              </a:schemeClr>
+            </a:solidFill>
+            <a:tailEnd type="triangle"/>
+          </a:ln>
+        </p:spPr>
+        <p:style>
+          <a:lnRef idx="1">
+            <a:schemeClr val="accent1"/>
+          </a:lnRef>
+          <a:fillRef idx="0">
+            <a:schemeClr val="accent1"/>
+          </a:fillRef>
+          <a:effectRef idx="0">
+            <a:schemeClr val="accent1"/>
+          </a:effectRef>
+          <a:fontRef idx="minor">
+            <a:schemeClr val="tx1"/>
+          </a:fontRef>
+        </p:style>
+      </p:cxnSp>
+      <p:pic>
+        <p:nvPicPr>
+          <p:cNvPr id="133" name="Image 132"/>
+          <p:cNvPicPr>
+            <a:picLocks noChangeAspect="1"/>
+          </p:cNvPicPr>
+          <p:nvPr/>
+        </p:nvPicPr>
+        <p:blipFill>
+          <a:blip r:embed="rId30" cstate="print">
+            <a:extLst>
+              <a:ext uri="{28A0092B-C50C-407E-A947-70E740481C1C}">
+                <a14:useLocalDpi xmlns:a14="http://schemas.microsoft.com/office/drawing/2010/main" val="0"/>
+              </a:ext>
+            </a:extLst>
+          </a:blip>
+          <a:stretch>
+            <a:fillRect/>
+          </a:stretch>
+        </p:blipFill>
+        <p:spPr>
+          <a:xfrm>
+            <a:off x="10048838" y="762092"/>
+            <a:ext cx="1892231" cy="1054343"/>
+          </a:xfrm>
+          <a:prstGeom prst="rect">
+            <a:avLst/>
+          </a:prstGeom>
+        </p:spPr>
+      </p:pic>
+      <p:cxnSp>
+        <p:nvCxnSpPr>
+          <p:cNvPr id="134" name="Connecteur droit avec flèche 133"/>
+          <p:cNvCxnSpPr>
+            <a:stCxn id="133" idx="1"/>
+          </p:cNvCxnSpPr>
+          <p:nvPr/>
+        </p:nvCxnSpPr>
+        <p:spPr>
+          <a:xfrm flipH="1">
+            <a:off x="9091450" y="1289264"/>
+            <a:ext cx="957388" cy="775268"/>
+          </a:xfrm>
+          <a:prstGeom prst="straightConnector1">
+            <a:avLst/>
+          </a:prstGeom>
+          <a:ln>
+            <a:solidFill>
+              <a:schemeClr val="bg1">
+                <a:lumMod val="85000"/>
+              </a:schemeClr>
+            </a:solidFill>
+            <a:tailEnd type="triangle"/>
+          </a:ln>
+        </p:spPr>
+        <p:style>
+          <a:lnRef idx="1">
+            <a:schemeClr val="accent1"/>
+          </a:lnRef>
+          <a:fillRef idx="0">
+            <a:schemeClr val="accent1"/>
+          </a:fillRef>
+          <a:effectRef idx="0">
+            <a:schemeClr val="accent1"/>
+          </a:effectRef>
+          <a:fontRef idx="minor">
+            <a:schemeClr val="tx1"/>
+          </a:fontRef>
+        </p:style>
+      </p:cxnSp>
+      <p:cxnSp>
+        <p:nvCxnSpPr>
+          <p:cNvPr id="137" name="Connecteur droit avec flèche 136"/>
+          <p:cNvCxnSpPr>
+            <a:stCxn id="133" idx="1"/>
+          </p:cNvCxnSpPr>
+          <p:nvPr/>
+        </p:nvCxnSpPr>
+        <p:spPr>
+          <a:xfrm flipH="1">
+            <a:off x="7900724" y="1289264"/>
+            <a:ext cx="2148114" cy="800366"/>
+          </a:xfrm>
+          <a:prstGeom prst="straightConnector1">
+            <a:avLst/>
+          </a:prstGeom>
+          <a:ln>
+            <a:solidFill>
+              <a:schemeClr val="bg1">
+                <a:lumMod val="85000"/>
+              </a:schemeClr>
+            </a:solidFill>
+            <a:tailEnd type="triangle"/>
+          </a:ln>
+        </p:spPr>
+        <p:style>
+          <a:lnRef idx="1">
+            <a:schemeClr val="accent1"/>
+          </a:lnRef>
+          <a:fillRef idx="0">
+            <a:schemeClr val="accent1"/>
+          </a:fillRef>
+          <a:effectRef idx="0">
+            <a:schemeClr val="accent1"/>
+          </a:effectRef>
+          <a:fontRef idx="minor">
+            <a:schemeClr val="tx1"/>
+          </a:fontRef>
+        </p:style>
+      </p:cxnSp>
+    </p:spTree>
+    <p:extLst>
+      <p:ext uri="{BB962C8B-B14F-4D97-AF65-F5344CB8AC3E}">
+        <p14:creationId xmlns:p14="http://schemas.microsoft.com/office/powerpoint/2010/main" val="2530374014"/>
       </p:ext>
     </p:extLst>
   </p:cSld>
